--- a/09. Store and Monetization/9 - Store and Monetization (RUS).pptx
+++ b/09. Store and Monetization/9 - Store and Monetization (RUS).pptx
@@ -10,10 +10,10 @@
     <p:sldMasterId id="2147485152" r:id="rId6"/>
   </p:sldMasterIdLst>
   <p:notesMasterIdLst>
-    <p:notesMasterId r:id="rId18"/>
+    <p:notesMasterId r:id="rId19"/>
   </p:notesMasterIdLst>
   <p:handoutMasterIdLst>
-    <p:handoutMasterId r:id="rId19"/>
+    <p:handoutMasterId r:id="rId20"/>
   </p:handoutMasterIdLst>
   <p:sldIdLst>
     <p:sldId id="385" r:id="rId7"/>
@@ -26,7 +26,8 @@
     <p:sldId id="386" r:id="rId14"/>
     <p:sldId id="375" r:id="rId15"/>
     <p:sldId id="383" r:id="rId16"/>
-    <p:sldId id="298" r:id="rId17"/>
+    <p:sldId id="388" r:id="rId17"/>
+    <p:sldId id="298" r:id="rId18"/>
   </p:sldIdLst>
   <p:sldSz cx="12192000" cy="6858000"/>
   <p:notesSz cx="7010400" cy="9296400"/>
@@ -140,6 +141,7 @@
             <p14:sldId id="386"/>
             <p14:sldId id="375"/>
             <p14:sldId id="383"/>
+            <p14:sldId id="388"/>
             <p14:sldId id="298"/>
           </p14:sldIdLst>
         </p14:section>
@@ -940,7 +942,7 @@
                 </a:solidFill>
               </a:rPr>
               <a:pPr/>
-              <a:t>12/6/2015 12:40 AM</a:t>
+              <a:t>12/6/2015 12:45 AM</a:t>
             </a:fld>
             <a:endParaRPr lang="en-US" dirty="0">
               <a:solidFill>
@@ -1155,7 +1157,7 @@
                 </a:solidFill>
               </a:rPr>
               <a:pPr/>
-              <a:t>12/6/2015 12:32 AM</a:t>
+              <a:t>12/6/2015 12:45 AM</a:t>
             </a:fld>
             <a:endParaRPr lang="en-US" dirty="0">
               <a:solidFill>
@@ -1201,6 +1203,221 @@
     <p:extLst>
       <p:ext uri="{BB962C8B-B14F-4D97-AF65-F5344CB8AC3E}">
         <p14:creationId xmlns:p14="http://schemas.microsoft.com/office/powerpoint/2010/main" val="1540070012"/>
+      </p:ext>
+    </p:extLst>
+  </p:cSld>
+  <p:clrMapOvr>
+    <a:masterClrMapping/>
+  </p:clrMapOvr>
+</p:notes>
+</file>
+
+<file path=ppt/notesSlides/notesSlide4.xml><?xml version="1.0" encoding="utf-8"?>
+<p:notes xmlns:a="http://schemas.openxmlformats.org/drawingml/2006/main" xmlns:r="http://schemas.openxmlformats.org/officeDocument/2006/relationships" xmlns:p="http://schemas.openxmlformats.org/presentationml/2006/main">
+  <p:cSld>
+    <p:spTree>
+      <p:nvGrpSpPr>
+        <p:cNvPr id="1" name=""/>
+        <p:cNvGrpSpPr/>
+        <p:nvPr/>
+      </p:nvGrpSpPr>
+      <p:grpSpPr>
+        <a:xfrm>
+          <a:off x="0" y="0"/>
+          <a:ext cx="0" cy="0"/>
+          <a:chOff x="0" y="0"/>
+          <a:chExt cx="0" cy="0"/>
+        </a:xfrm>
+      </p:grpSpPr>
+      <p:sp>
+        <p:nvSpPr>
+          <p:cNvPr id="2" name="Slide Image Placeholder 1"/>
+          <p:cNvSpPr>
+            <a:spLocks noGrp="1" noRot="1" noChangeAspect="1"/>
+          </p:cNvSpPr>
+          <p:nvPr>
+            <p:ph type="sldImg"/>
+          </p:nvPr>
+        </p:nvSpPr>
+        <p:spPr/>
+      </p:sp>
+      <p:sp>
+        <p:nvSpPr>
+          <p:cNvPr id="3" name="Notes Placeholder 2"/>
+          <p:cNvSpPr>
+            <a:spLocks noGrp="1"/>
+          </p:cNvSpPr>
+          <p:nvPr>
+            <p:ph type="body" idx="1"/>
+          </p:nvPr>
+        </p:nvSpPr>
+        <p:spPr/>
+        <p:txBody>
+          <a:bodyPr/>
+          <a:lstStyle/>
+          <a:p>
+            <a:pPr>
+              <a:buFont typeface="Arial" panose="020B0604020202020204" pitchFamily="34" charset="0"/>
+              <a:buNone/>
+              <a:defRPr/>
+            </a:pPr>
+            <a:endParaRPr lang="en-US" dirty="0"/>
+          </a:p>
+        </p:txBody>
+      </p:sp>
+      <p:sp>
+        <p:nvSpPr>
+          <p:cNvPr id="4" name="Header Placeholder 3"/>
+          <p:cNvSpPr>
+            <a:spLocks noGrp="1"/>
+          </p:cNvSpPr>
+          <p:nvPr>
+            <p:ph type="hdr" sz="quarter" idx="10"/>
+          </p:nvPr>
+        </p:nvSpPr>
+        <p:spPr/>
+        <p:txBody>
+          <a:bodyPr/>
+          <a:lstStyle/>
+          <a:p>
+            <a:r>
+              <a:rPr lang="en-US" smtClean="0">
+                <a:solidFill>
+                  <a:prstClr val="black"/>
+                </a:solidFill>
+              </a:rPr>
+              <a:t>Build 2015</a:t>
+            </a:r>
+            <a:endParaRPr lang="en-US" dirty="0">
+              <a:solidFill>
+                <a:prstClr val="black"/>
+              </a:solidFill>
+            </a:endParaRPr>
+          </a:p>
+        </p:txBody>
+      </p:sp>
+      <p:sp>
+        <p:nvSpPr>
+          <p:cNvPr id="5" name="Footer Placeholder 4"/>
+          <p:cNvSpPr>
+            <a:spLocks noGrp="1"/>
+          </p:cNvSpPr>
+          <p:nvPr>
+            <p:ph type="ftr" sz="quarter" idx="11"/>
+          </p:nvPr>
+        </p:nvSpPr>
+        <p:spPr/>
+        <p:txBody>
+          <a:bodyPr/>
+          <a:lstStyle/>
+          <a:p>
+            <a:pPr defTabSz="914099" eaLnBrk="0" hangingPunct="0"/>
+            <a:r>
+              <a:rPr lang="en-US" sz="400" smtClean="0">
+                <a:gradFill>
+                  <a:gsLst>
+                    <a:gs pos="0">
+                      <a:prstClr val="black"/>
+                    </a:gs>
+                    <a:gs pos="100000">
+                      <a:prstClr val="black"/>
+                    </a:gs>
+                  </a:gsLst>
+                  <a:lin ang="5400000" scaled="0"/>
+                </a:gradFill>
+                <a:latin typeface="Segoe UI" pitchFamily="34" charset="0"/>
+                <a:ea typeface="Segoe UI" pitchFamily="34" charset="0"/>
+                <a:cs typeface="Segoe UI" pitchFamily="34" charset="0"/>
+              </a:rPr>
+              <a:t>© 2015 Microsoft Corporation. All rights reserved. MICROSOFT MAKES NO WARRANTIES, EXPRESS, IMPLIED OR STATUTORY, AS TO THE INFORMATION IN THIS PRESENTATION.</a:t>
+            </a:r>
+            <a:endParaRPr lang="en-US" sz="400" dirty="0" smtClean="0">
+              <a:gradFill>
+                <a:gsLst>
+                  <a:gs pos="0">
+                    <a:prstClr val="black"/>
+                  </a:gs>
+                  <a:gs pos="100000">
+                    <a:prstClr val="black"/>
+                  </a:gs>
+                </a:gsLst>
+                <a:lin ang="5400000" scaled="0"/>
+              </a:gradFill>
+              <a:latin typeface="Segoe UI" pitchFamily="34" charset="0"/>
+              <a:ea typeface="Segoe UI" pitchFamily="34" charset="0"/>
+              <a:cs typeface="Segoe UI" pitchFamily="34" charset="0"/>
+            </a:endParaRPr>
+          </a:p>
+        </p:txBody>
+      </p:sp>
+      <p:sp>
+        <p:nvSpPr>
+          <p:cNvPr id="6" name="Date Placeholder 5"/>
+          <p:cNvSpPr>
+            <a:spLocks noGrp="1"/>
+          </p:cNvSpPr>
+          <p:nvPr>
+            <p:ph type="dt" idx="12"/>
+          </p:nvPr>
+        </p:nvSpPr>
+        <p:spPr/>
+        <p:txBody>
+          <a:bodyPr/>
+          <a:lstStyle/>
+          <a:p>
+            <a:fld id="{38EEC551-8CDA-4EB6-89BB-2A86C9F091C8}" type="datetime8">
+              <a:rPr lang="en-US" smtClean="0">
+                <a:solidFill>
+                  <a:prstClr val="black"/>
+                </a:solidFill>
+              </a:rPr>
+              <a:pPr/>
+              <a:t>12/6/2015 12:46 AM</a:t>
+            </a:fld>
+            <a:endParaRPr lang="en-US" dirty="0">
+              <a:solidFill>
+                <a:prstClr val="black"/>
+              </a:solidFill>
+            </a:endParaRPr>
+          </a:p>
+        </p:txBody>
+      </p:sp>
+      <p:sp>
+        <p:nvSpPr>
+          <p:cNvPr id="7" name="Slide Number Placeholder 6"/>
+          <p:cNvSpPr>
+            <a:spLocks noGrp="1"/>
+          </p:cNvSpPr>
+          <p:nvPr>
+            <p:ph type="sldNum" sz="quarter" idx="13"/>
+          </p:nvPr>
+        </p:nvSpPr>
+        <p:spPr/>
+        <p:txBody>
+          <a:bodyPr/>
+          <a:lstStyle/>
+          <a:p>
+            <a:fld id="{B4008EB6-D09E-4580-8CD6-DDB14511944F}" type="slidenum">
+              <a:rPr lang="en-US" smtClean="0">
+                <a:solidFill>
+                  <a:prstClr val="black"/>
+                </a:solidFill>
+              </a:rPr>
+              <a:pPr/>
+              <a:t>11</a:t>
+            </a:fld>
+            <a:endParaRPr lang="en-US" dirty="0">
+              <a:solidFill>
+                <a:prstClr val="black"/>
+              </a:solidFill>
+            </a:endParaRPr>
+          </a:p>
+        </p:txBody>
+      </p:sp>
+    </p:spTree>
+    <p:extLst>
+      <p:ext uri="{BB962C8B-B14F-4D97-AF65-F5344CB8AC3E}">
+        <p14:creationId xmlns:p14="http://schemas.microsoft.com/office/powerpoint/2010/main" val="2224839860"/>
       </p:ext>
     </p:extLst>
   </p:cSld>
@@ -33971,39 +34188,8 @@
                 </a:gradFill>
                 <a:latin typeface="+mj-lt"/>
               </a:rPr>
-              <a:t>Отвечайте на вопросы </a:t>
-            </a:r>
-            <a:r>
-              <a:rPr lang="ru-RU" sz="2400" dirty="0" smtClean="0">
-                <a:gradFill>
-                  <a:gsLst>
-                    <a:gs pos="2917">
-                      <a:schemeClr val="tx1"/>
-                    </a:gs>
-                    <a:gs pos="30000">
-                      <a:schemeClr val="tx1"/>
-                    </a:gs>
-                  </a:gsLst>
-                  <a:lin ang="5400000" scaled="0"/>
-                </a:gradFill>
-                <a:latin typeface="+mj-lt"/>
-              </a:rPr>
-              <a:t>пользователей</a:t>
-            </a:r>
-            <a:endParaRPr lang="ru-RU" sz="2400" dirty="0" smtClean="0">
-              <a:gradFill>
-                <a:gsLst>
-                  <a:gs pos="2917">
-                    <a:schemeClr val="tx1"/>
-                  </a:gs>
-                  <a:gs pos="30000">
-                    <a:schemeClr val="tx1"/>
-                  </a:gs>
-                </a:gsLst>
-                <a:lin ang="5400000" scaled="0"/>
-              </a:gradFill>
-              <a:latin typeface="+mj-lt"/>
-            </a:endParaRPr>
+              <a:t>Отвечайте на вопросы пользователей</a:t>
+            </a:r>
           </a:p>
           <a:p>
             <a:pPr>
@@ -34106,23 +34292,6 @@
               </a:rPr>
               <a:t>Используйте аналитику и отчеты об ошибках </a:t>
             </a:r>
-            <a:r>
-              <a:rPr lang="ru-RU" sz="2400" dirty="0" smtClean="0">
-                <a:gradFill>
-                  <a:gsLst>
-                    <a:gs pos="2917">
-                      <a:schemeClr val="tx1"/>
-                    </a:gs>
-                    <a:gs pos="30000">
-                      <a:schemeClr val="tx1"/>
-                    </a:gs>
-                  </a:gsLst>
-                  <a:lin ang="5400000" scaled="0"/>
-                </a:gradFill>
-                <a:latin typeface="+mj-lt"/>
-              </a:rPr>
-              <a:t/>
-            </a:r>
             <a:br>
               <a:rPr lang="ru-RU" sz="2400" dirty="0" smtClean="0">
                 <a:gradFill>
@@ -34154,24 +34323,7 @@
                 </a:gradFill>
                 <a:latin typeface="+mj-lt"/>
               </a:rPr>
-              <a:t>в </a:t>
-            </a:r>
-            <a:r>
-              <a:rPr lang="ru-RU" sz="2400" dirty="0" smtClean="0">
-                <a:gradFill>
-                  <a:gsLst>
-                    <a:gs pos="2917">
-                      <a:schemeClr val="tx1"/>
-                    </a:gs>
-                    <a:gs pos="30000">
-                      <a:schemeClr val="tx1"/>
-                    </a:gs>
-                  </a:gsLst>
-                  <a:lin ang="5400000" scaled="0"/>
-                </a:gradFill>
-                <a:latin typeface="+mj-lt"/>
-              </a:rPr>
-              <a:t>приложении</a:t>
+              <a:t>в приложении</a:t>
             </a:r>
           </a:p>
           <a:p>
@@ -34251,6 +34403,500 @@
 </file>
 
 <file path=ppt/slides/slide11.xml><?xml version="1.0" encoding="utf-8"?>
+<p:sld xmlns:a="http://schemas.openxmlformats.org/drawingml/2006/main" xmlns:r="http://schemas.openxmlformats.org/officeDocument/2006/relationships" xmlns:p="http://schemas.openxmlformats.org/presentationml/2006/main">
+  <p:cSld>
+    <p:spTree>
+      <p:nvGrpSpPr>
+        <p:cNvPr id="1" name=""/>
+        <p:cNvGrpSpPr/>
+        <p:nvPr/>
+      </p:nvGrpSpPr>
+      <p:grpSpPr>
+        <a:xfrm>
+          <a:off x="0" y="0"/>
+          <a:ext cx="0" cy="0"/>
+          <a:chOff x="0" y="0"/>
+          <a:chExt cx="0" cy="0"/>
+        </a:xfrm>
+      </p:grpSpPr>
+      <p:sp>
+        <p:nvSpPr>
+          <p:cNvPr id="3" name="Title 2"/>
+          <p:cNvSpPr>
+            <a:spLocks noGrp="1"/>
+          </p:cNvSpPr>
+          <p:nvPr>
+            <p:ph type="title"/>
+          </p:nvPr>
+        </p:nvSpPr>
+        <p:spPr/>
+        <p:txBody>
+          <a:bodyPr/>
+          <a:lstStyle/>
+          <a:p>
+            <a:r>
+              <a:rPr lang="ru-RU" dirty="0" smtClean="0"/>
+              <a:t>Заключение</a:t>
+            </a:r>
+            <a:endParaRPr lang="en-US" dirty="0"/>
+          </a:p>
+        </p:txBody>
+      </p:sp>
+      <p:sp>
+        <p:nvSpPr>
+          <p:cNvPr id="4" name="Content Placeholder 3"/>
+          <p:cNvSpPr>
+            <a:spLocks noGrp="1"/>
+          </p:cNvSpPr>
+          <p:nvPr>
+            <p:ph type="body" sz="quarter" idx="11"/>
+          </p:nvPr>
+        </p:nvSpPr>
+        <p:spPr>
+          <a:xfrm>
+            <a:off x="274638" y="1583196"/>
+            <a:ext cx="7474902" cy="3545979"/>
+          </a:xfrm>
+        </p:spPr>
+        <p:txBody>
+          <a:bodyPr/>
+          <a:lstStyle/>
+          <a:p>
+            <a:pPr marL="0" indent="0"/>
+            <a:r>
+              <a:rPr lang="ru-RU" sz="3600" dirty="0" smtClean="0">
+                <a:solidFill>
+                  <a:srgbClr val="0078D7"/>
+                </a:solidFill>
+                <a:latin typeface="+mj-lt"/>
+              </a:rPr>
+              <a:t>Создание пакета приложения</a:t>
+            </a:r>
+          </a:p>
+          <a:p>
+            <a:pPr marL="0" indent="0"/>
+            <a:r>
+              <a:rPr lang="ru-RU" sz="3600" dirty="0" smtClean="0">
+                <a:solidFill>
+                  <a:srgbClr val="0078D7"/>
+                </a:solidFill>
+                <a:latin typeface="+mj-lt"/>
+              </a:rPr>
+              <a:t>Публикация приложения в магазин</a:t>
+            </a:r>
+          </a:p>
+          <a:p>
+            <a:pPr marL="0" indent="0"/>
+            <a:r>
+              <a:rPr lang="ru-RU" sz="3600" dirty="0" smtClean="0">
+                <a:solidFill>
+                  <a:srgbClr val="0078D7"/>
+                </a:solidFill>
+                <a:latin typeface="+mj-lt"/>
+              </a:rPr>
+              <a:t>Монетизация</a:t>
+            </a:r>
+          </a:p>
+          <a:p>
+            <a:pPr marL="0" indent="0"/>
+            <a:endParaRPr lang="ru-RU" sz="2745" dirty="0" smtClean="0"/>
+          </a:p>
+          <a:p>
+            <a:pPr marL="0" indent="0"/>
+            <a:endParaRPr lang="ru-RU" sz="2745" dirty="0"/>
+          </a:p>
+          <a:p>
+            <a:pPr marL="0" indent="0"/>
+            <a:endParaRPr lang="en-US" sz="2745" dirty="0"/>
+          </a:p>
+        </p:txBody>
+      </p:sp>
+      <p:sp>
+        <p:nvSpPr>
+          <p:cNvPr id="5" name="Text Placeholder 1"/>
+          <p:cNvSpPr txBox="1">
+            <a:spLocks/>
+          </p:cNvSpPr>
+          <p:nvPr/>
+        </p:nvSpPr>
+        <p:spPr>
+          <a:xfrm>
+            <a:off x="325752" y="4406086"/>
+            <a:ext cx="11653523" cy="1034129"/>
+          </a:xfrm>
+          <a:prstGeom prst="rect">
+            <a:avLst/>
+          </a:prstGeom>
+        </p:spPr>
+        <p:txBody>
+          <a:bodyPr vert="horz" wrap="square" lIns="146304" tIns="91440" rIns="146304" bIns="91440" rtlCol="0">
+            <a:spAutoFit/>
+          </a:bodyPr>
+          <a:lstStyle>
+            <a:lvl1pPr marL="0" marR="0" indent="0" algn="l" defTabSz="914367" rtl="0" eaLnBrk="1" fontAlgn="auto" latinLnBrk="0" hangingPunct="1">
+              <a:lnSpc>
+                <a:spcPct val="90000"/>
+              </a:lnSpc>
+              <a:spcBef>
+                <a:spcPct val="20000"/>
+              </a:spcBef>
+              <a:spcAft>
+                <a:spcPts val="0"/>
+              </a:spcAft>
+              <a:buClrTx/>
+              <a:buSzPct val="90000"/>
+              <a:buFont typeface="Arial" pitchFamily="34" charset="0"/>
+              <a:buNone/>
+              <a:tabLst/>
+              <a:defRPr sz="3921" kern="1200" spc="0" baseline="0">
+                <a:gradFill>
+                  <a:gsLst>
+                    <a:gs pos="1250">
+                      <a:schemeClr val="tx2"/>
+                    </a:gs>
+                    <a:gs pos="99000">
+                      <a:schemeClr val="tx2"/>
+                    </a:gs>
+                  </a:gsLst>
+                  <a:lin ang="5400000" scaled="0"/>
+                </a:gradFill>
+                <a:latin typeface="+mj-lt"/>
+                <a:ea typeface="+mn-ea"/>
+                <a:cs typeface="+mn-cs"/>
+              </a:defRPr>
+            </a:lvl1pPr>
+            <a:lvl2pPr marL="0" marR="0" indent="0" algn="l" defTabSz="914367" rtl="0" eaLnBrk="1" fontAlgn="auto" latinLnBrk="0" hangingPunct="1">
+              <a:lnSpc>
+                <a:spcPct val="90000"/>
+              </a:lnSpc>
+              <a:spcBef>
+                <a:spcPct val="20000"/>
+              </a:spcBef>
+              <a:spcAft>
+                <a:spcPts val="0"/>
+              </a:spcAft>
+              <a:buClrTx/>
+              <a:buSzPct val="90000"/>
+              <a:buFontTx/>
+              <a:buNone/>
+              <a:tabLst/>
+              <a:defRPr sz="1961" kern="1200" spc="0" baseline="0">
+                <a:gradFill>
+                  <a:gsLst>
+                    <a:gs pos="1250">
+                      <a:schemeClr val="tx1"/>
+                    </a:gs>
+                    <a:gs pos="100000">
+                      <a:schemeClr val="tx1"/>
+                    </a:gs>
+                  </a:gsLst>
+                  <a:lin ang="5400000" scaled="0"/>
+                </a:gradFill>
+                <a:latin typeface="+mn-lt"/>
+                <a:ea typeface="+mn-ea"/>
+                <a:cs typeface="+mn-cs"/>
+              </a:defRPr>
+            </a:lvl2pPr>
+            <a:lvl3pPr marL="224097" marR="0" indent="0" algn="l" defTabSz="914367" rtl="0" eaLnBrk="1" fontAlgn="auto" latinLnBrk="0" hangingPunct="1">
+              <a:lnSpc>
+                <a:spcPct val="90000"/>
+              </a:lnSpc>
+              <a:spcBef>
+                <a:spcPct val="20000"/>
+              </a:spcBef>
+              <a:spcAft>
+                <a:spcPts val="0"/>
+              </a:spcAft>
+              <a:buClrTx/>
+              <a:buSzPct val="90000"/>
+              <a:buFont typeface="Arial" pitchFamily="34" charset="0"/>
+              <a:buNone/>
+              <a:tabLst/>
+              <a:defRPr sz="1961" kern="1200" spc="0" baseline="0">
+                <a:gradFill>
+                  <a:gsLst>
+                    <a:gs pos="1250">
+                      <a:schemeClr val="tx1"/>
+                    </a:gs>
+                    <a:gs pos="100000">
+                      <a:schemeClr val="tx1"/>
+                    </a:gs>
+                  </a:gsLst>
+                  <a:lin ang="5400000" scaled="0"/>
+                </a:gradFill>
+                <a:latin typeface="+mn-lt"/>
+                <a:ea typeface="+mn-ea"/>
+                <a:cs typeface="+mn-cs"/>
+              </a:defRPr>
+            </a:lvl3pPr>
+            <a:lvl4pPr marL="448193" marR="0" indent="0" algn="l" defTabSz="914367" rtl="0" eaLnBrk="1" fontAlgn="auto" latinLnBrk="0" hangingPunct="1">
+              <a:lnSpc>
+                <a:spcPct val="90000"/>
+              </a:lnSpc>
+              <a:spcBef>
+                <a:spcPct val="20000"/>
+              </a:spcBef>
+              <a:spcAft>
+                <a:spcPts val="0"/>
+              </a:spcAft>
+              <a:buClrTx/>
+              <a:buSzPct val="90000"/>
+              <a:buFont typeface="Arial" pitchFamily="34" charset="0"/>
+              <a:buNone/>
+              <a:tabLst/>
+              <a:defRPr sz="1765" kern="1200" spc="0" baseline="0">
+                <a:gradFill>
+                  <a:gsLst>
+                    <a:gs pos="1250">
+                      <a:schemeClr val="tx1"/>
+                    </a:gs>
+                    <a:gs pos="100000">
+                      <a:schemeClr val="tx1"/>
+                    </a:gs>
+                  </a:gsLst>
+                  <a:lin ang="5400000" scaled="0"/>
+                </a:gradFill>
+                <a:latin typeface="+mn-lt"/>
+                <a:ea typeface="+mn-ea"/>
+                <a:cs typeface="+mn-cs"/>
+              </a:defRPr>
+            </a:lvl4pPr>
+            <a:lvl5pPr marL="672290" marR="0" indent="0" algn="l" defTabSz="914367" rtl="0" eaLnBrk="1" fontAlgn="auto" latinLnBrk="0" hangingPunct="1">
+              <a:lnSpc>
+                <a:spcPct val="90000"/>
+              </a:lnSpc>
+              <a:spcBef>
+                <a:spcPct val="20000"/>
+              </a:spcBef>
+              <a:spcAft>
+                <a:spcPts val="0"/>
+              </a:spcAft>
+              <a:buClrTx/>
+              <a:buSzPct val="90000"/>
+              <a:buFont typeface="Arial" pitchFamily="34" charset="0"/>
+              <a:buNone/>
+              <a:tabLst/>
+              <a:defRPr sz="1765" kern="1200" spc="0" baseline="0">
+                <a:gradFill>
+                  <a:gsLst>
+                    <a:gs pos="1250">
+                      <a:schemeClr val="tx1"/>
+                    </a:gs>
+                    <a:gs pos="100000">
+                      <a:schemeClr val="tx1"/>
+                    </a:gs>
+                  </a:gsLst>
+                  <a:lin ang="5400000" scaled="0"/>
+                </a:gradFill>
+                <a:latin typeface="+mn-lt"/>
+                <a:ea typeface="+mn-ea"/>
+                <a:cs typeface="+mn-cs"/>
+              </a:defRPr>
+            </a:lvl5pPr>
+            <a:lvl6pPr marL="2514509" indent="-228592" algn="l" defTabSz="914367" rtl="0" eaLnBrk="1" latinLnBrk="0" hangingPunct="1">
+              <a:spcBef>
+                <a:spcPct val="20000"/>
+              </a:spcBef>
+              <a:buFont typeface="Arial" pitchFamily="34" charset="0"/>
+              <a:buChar char="•"/>
+              <a:defRPr sz="1961" kern="1200">
+                <a:solidFill>
+                  <a:schemeClr val="tx1"/>
+                </a:solidFill>
+                <a:latin typeface="+mn-lt"/>
+                <a:ea typeface="+mn-ea"/>
+                <a:cs typeface="+mn-cs"/>
+              </a:defRPr>
+            </a:lvl6pPr>
+            <a:lvl7pPr marL="2971693" indent="-228592" algn="l" defTabSz="914367" rtl="0" eaLnBrk="1" latinLnBrk="0" hangingPunct="1">
+              <a:spcBef>
+                <a:spcPct val="20000"/>
+              </a:spcBef>
+              <a:buFont typeface="Arial" pitchFamily="34" charset="0"/>
+              <a:buChar char="•"/>
+              <a:defRPr sz="1961" kern="1200">
+                <a:solidFill>
+                  <a:schemeClr val="tx1"/>
+                </a:solidFill>
+                <a:latin typeface="+mn-lt"/>
+                <a:ea typeface="+mn-ea"/>
+                <a:cs typeface="+mn-cs"/>
+              </a:defRPr>
+            </a:lvl7pPr>
+            <a:lvl8pPr marL="3428877" indent="-228592" algn="l" defTabSz="914367" rtl="0" eaLnBrk="1" latinLnBrk="0" hangingPunct="1">
+              <a:spcBef>
+                <a:spcPct val="20000"/>
+              </a:spcBef>
+              <a:buFont typeface="Arial" pitchFamily="34" charset="0"/>
+              <a:buChar char="•"/>
+              <a:defRPr sz="1961" kern="1200">
+                <a:solidFill>
+                  <a:schemeClr val="tx1"/>
+                </a:solidFill>
+                <a:latin typeface="+mn-lt"/>
+                <a:ea typeface="+mn-ea"/>
+                <a:cs typeface="+mn-cs"/>
+              </a:defRPr>
+            </a:lvl8pPr>
+            <a:lvl9pPr marL="3886061" indent="-228592" algn="l" defTabSz="914367" rtl="0" eaLnBrk="1" latinLnBrk="0" hangingPunct="1">
+              <a:spcBef>
+                <a:spcPct val="20000"/>
+              </a:spcBef>
+              <a:buFont typeface="Arial" pitchFamily="34" charset="0"/>
+              <a:buChar char="•"/>
+              <a:defRPr sz="1961" kern="1200">
+                <a:solidFill>
+                  <a:schemeClr val="tx1"/>
+                </a:solidFill>
+                <a:latin typeface="+mn-lt"/>
+                <a:ea typeface="+mn-ea"/>
+                <a:cs typeface="+mn-cs"/>
+              </a:defRPr>
+            </a:lvl9pPr>
+          </a:lstStyle>
+          <a:p>
+            <a:r>
+              <a:rPr lang="ru-RU" sz="3200" dirty="0">
+                <a:solidFill>
+                  <a:schemeClr val="tx1"/>
+                </a:solidFill>
+              </a:rPr>
+              <a:t>Ресурсы</a:t>
+            </a:r>
+            <a:r>
+              <a:rPr lang="ru-RU" sz="3200" dirty="0" smtClean="0">
+                <a:solidFill>
+                  <a:schemeClr val="tx1"/>
+                </a:solidFill>
+              </a:rPr>
+              <a:t>:</a:t>
+            </a:r>
+            <a:endParaRPr lang="ru-RU" sz="3200" dirty="0" smtClean="0">
+              <a:solidFill>
+                <a:schemeClr val="tx1"/>
+              </a:solidFill>
+            </a:endParaRPr>
+          </a:p>
+          <a:p>
+            <a:r>
+              <a:rPr lang="en-US" sz="2400" dirty="0" smtClean="0">
+                <a:solidFill>
+                  <a:srgbClr val="0078D7"/>
+                </a:solidFill>
+              </a:rPr>
+              <a:t>https</a:t>
+            </a:r>
+            <a:r>
+              <a:rPr lang="en-US" sz="2400" dirty="0" smtClean="0">
+                <a:solidFill>
+                  <a:srgbClr val="0078D7"/>
+                </a:solidFill>
+              </a:rPr>
+              <a:t>://github.com/evangelism/Win10UWPCourse</a:t>
+            </a:r>
+            <a:endParaRPr lang="en-US" sz="2400" dirty="0">
+              <a:solidFill>
+                <a:srgbClr val="0078D7"/>
+              </a:solidFill>
+            </a:endParaRPr>
+          </a:p>
+        </p:txBody>
+      </p:sp>
+    </p:spTree>
+    <p:extLst>
+      <p:ext uri="{BB962C8B-B14F-4D97-AF65-F5344CB8AC3E}">
+        <p14:creationId xmlns:p14="http://schemas.microsoft.com/office/powerpoint/2010/main" val="1659654042"/>
+      </p:ext>
+    </p:extLst>
+  </p:cSld>
+  <p:clrMapOvr>
+    <a:masterClrMapping/>
+  </p:clrMapOvr>
+  <p:transition>
+    <p:fade/>
+  </p:transition>
+  <p:timing>
+    <p:tnLst>
+      <p:par>
+        <p:cTn id="1" dur="indefinite" restart="never" nodeType="tmRoot">
+          <p:childTnLst>
+            <p:seq concurrent="1" nextAc="seek">
+              <p:cTn id="2" dur="indefinite" nodeType="mainSeq">
+                <p:childTnLst>
+                  <p:par>
+                    <p:cTn id="3" fill="hold">
+                      <p:stCondLst>
+                        <p:cond delay="indefinite"/>
+                      </p:stCondLst>
+                      <p:childTnLst>
+                        <p:par>
+                          <p:cTn id="4" fill="hold">
+                            <p:stCondLst>
+                              <p:cond delay="0"/>
+                            </p:stCondLst>
+                            <p:childTnLst>
+                              <p:par>
+                                <p:cTn id="5" presetID="1" presetClass="entr" presetSubtype="0" fill="hold" grpId="0" nodeType="clickEffect">
+                                  <p:stCondLst>
+                                    <p:cond delay="0"/>
+                                  </p:stCondLst>
+                                  <p:childTnLst>
+                                    <p:set>
+                                      <p:cBhvr>
+                                        <p:cTn id="6" dur="1" fill="hold">
+                                          <p:stCondLst>
+                                            <p:cond delay="0"/>
+                                          </p:stCondLst>
+                                        </p:cTn>
+                                        <p:tgtEl>
+                                          <p:spTgt spid="5"/>
+                                        </p:tgtEl>
+                                        <p:attrNameLst>
+                                          <p:attrName>style.visibility</p:attrName>
+                                        </p:attrNameLst>
+                                      </p:cBhvr>
+                                      <p:to>
+                                        <p:strVal val="visible"/>
+                                      </p:to>
+                                    </p:set>
+                                  </p:childTnLst>
+                                </p:cTn>
+                              </p:par>
+                            </p:childTnLst>
+                          </p:cTn>
+                        </p:par>
+                      </p:childTnLst>
+                    </p:cTn>
+                  </p:par>
+                </p:childTnLst>
+              </p:cTn>
+              <p:prevCondLst>
+                <p:cond evt="onPrev" delay="0">
+                  <p:tgtEl>
+                    <p:sldTgt/>
+                  </p:tgtEl>
+                </p:cond>
+              </p:prevCondLst>
+              <p:nextCondLst>
+                <p:cond evt="onNext" delay="0">
+                  <p:tgtEl>
+                    <p:sldTgt/>
+                  </p:tgtEl>
+                </p:cond>
+              </p:nextCondLst>
+            </p:seq>
+          </p:childTnLst>
+        </p:cTn>
+      </p:par>
+    </p:tnLst>
+    <p:bldLst>
+      <p:bldP spid="5" grpId="0"/>
+    </p:bldLst>
+  </p:timing>
+</p:sld>
+</file>
+
+<file path=ppt/slides/slide12.xml><?xml version="1.0" encoding="utf-8"?>
 <p:sld xmlns:a="http://schemas.openxmlformats.org/drawingml/2006/main" xmlns:r="http://schemas.openxmlformats.org/officeDocument/2006/relationships" xmlns:p="http://schemas.openxmlformats.org/presentationml/2006/main">
   <p:cSld>
     <p:spTree>
@@ -35039,11 +35685,7 @@
             </a:br>
             <a:r>
               <a:rPr lang="ru-RU" dirty="0" smtClean="0"/>
-              <a:t>Создание </a:t>
-            </a:r>
-            <a:r>
-              <a:rPr lang="ru-RU" dirty="0" smtClean="0"/>
-              <a:t>пакета для загрузки</a:t>
+              <a:t>Создание пакета для загрузки</a:t>
             </a:r>
             <a:endParaRPr lang="en-US" dirty="0"/>
           </a:p>
@@ -35715,11 +36357,7 @@
             </a:br>
             <a:r>
               <a:rPr lang="ru-RU" sz="4800" dirty="0" smtClean="0"/>
-              <a:t>Публикация </a:t>
-            </a:r>
-            <a:r>
-              <a:rPr lang="ru-RU" sz="4800" dirty="0" smtClean="0"/>
-              <a:t>приложения в магазин</a:t>
+              <a:t>Публикация приложения в магазин</a:t>
             </a:r>
             <a:endParaRPr lang="en-US" sz="4800" dirty="0"/>
           </a:p>
@@ -35848,7 +36486,7 @@
         <p:spPr>
           <a:xfrm>
             <a:off x="349074" y="1393759"/>
-            <a:ext cx="6913418" cy="3865674"/>
+            <a:ext cx="6913418" cy="3557897"/>
           </a:xfrm>
           <a:prstGeom prst="rect">
             <a:avLst/>
@@ -35862,39 +36500,39 @@
           <a:lstStyle/>
           <a:p>
             <a:r>
-              <a:rPr lang="ru-RU" sz="3600" dirty="0" smtClean="0">
+              <a:rPr lang="ru-RU" sz="3200" dirty="0" smtClean="0">
                 <a:latin typeface="+mj-lt"/>
               </a:rPr>
               <a:t>Встроенные покупки</a:t>
             </a:r>
           </a:p>
           <a:p>
-            <a:endParaRPr lang="ru-RU" sz="3600" dirty="0" smtClean="0">
+            <a:endParaRPr lang="ru-RU" sz="3200" dirty="0" smtClean="0">
               <a:latin typeface="+mj-lt"/>
             </a:endParaRPr>
           </a:p>
           <a:p>
             <a:r>
-              <a:rPr lang="ru-RU" sz="3600" dirty="0" smtClean="0">
+              <a:rPr lang="ru-RU" sz="3200" dirty="0" smtClean="0">
                 <a:latin typeface="+mj-lt"/>
               </a:rPr>
               <a:t>Реклама в приложении</a:t>
             </a:r>
           </a:p>
           <a:p>
-            <a:endParaRPr lang="ru-RU" sz="3600" dirty="0" smtClean="0">
+            <a:endParaRPr lang="ru-RU" sz="3200" dirty="0" smtClean="0">
               <a:latin typeface="+mj-lt"/>
             </a:endParaRPr>
           </a:p>
           <a:p>
             <a:r>
-              <a:rPr lang="ru-RU" sz="3600" dirty="0" err="1" smtClean="0">
+              <a:rPr lang="ru-RU" sz="3200" dirty="0" err="1" smtClean="0">
                 <a:latin typeface="+mj-lt"/>
               </a:rPr>
               <a:t>Промокоды</a:t>
             </a:r>
             <a:r>
-              <a:rPr lang="ru-RU" sz="3600" dirty="0" smtClean="0">
+              <a:rPr lang="ru-RU" sz="3200" dirty="0" smtClean="0">
                 <a:latin typeface="+mj-lt"/>
               </a:rPr>
               <a:t> </a:t>

--- a/09. Store and Monetization/9 - Store and Monetization (RUS).pptx
+++ b/09. Store and Monetization/9 - Store and Monetization (RUS).pptx
@@ -942,7 +942,7 @@
                 </a:solidFill>
               </a:rPr>
               <a:pPr/>
-              <a:t>12/6/2015 12:45 AM</a:t>
+              <a:t>12/6/2015 12:49 AM</a:t>
             </a:fld>
             <a:endParaRPr lang="en-US" dirty="0">
               <a:solidFill>
@@ -1157,7 +1157,7 @@
                 </a:solidFill>
               </a:rPr>
               <a:pPr/>
-              <a:t>12/6/2015 12:45 AM</a:t>
+              <a:t>12/6/2015 12:49 AM</a:t>
             </a:fld>
             <a:endParaRPr lang="en-US" dirty="0">
               <a:solidFill>
@@ -1372,7 +1372,7 @@
                 </a:solidFill>
               </a:rPr>
               <a:pPr/>
-              <a:t>12/6/2015 12:46 AM</a:t>
+              <a:t>12/6/2015 12:49 AM</a:t>
             </a:fld>
             <a:endParaRPr lang="en-US" dirty="0">
               <a:solidFill>
@@ -34771,11 +34771,6 @@
               </a:rPr>
               <a:t>:</a:t>
             </a:r>
-            <a:endParaRPr lang="ru-RU" sz="3200" dirty="0" smtClean="0">
-              <a:solidFill>
-                <a:schemeClr val="tx1"/>
-              </a:solidFill>
-            </a:endParaRPr>
           </a:p>
           <a:p>
             <a:r>
@@ -34784,15 +34779,7 @@
                   <a:srgbClr val="0078D7"/>
                 </a:solidFill>
               </a:rPr>
-              <a:t>https</a:t>
-            </a:r>
-            <a:r>
-              <a:rPr lang="en-US" sz="2400" dirty="0" smtClean="0">
-                <a:solidFill>
-                  <a:srgbClr val="0078D7"/>
-                </a:solidFill>
-              </a:rPr>
-              <a:t>://github.com/evangelism/Win10UWPCourse</a:t>
+              <a:t>https://github.com/evangelism/Win10UWPCourse</a:t>
             </a:r>
             <a:endParaRPr lang="en-US" sz="2400" dirty="0">
               <a:solidFill>
@@ -36819,14 +36806,29 @@
         </p:nvSpPr>
         <p:spPr>
           <a:xfrm>
-            <a:off x="816076" y="2236887"/>
-            <a:ext cx="9859116" cy="999313"/>
+            <a:off x="816076" y="1422242"/>
+            <a:ext cx="9859116" cy="1813958"/>
           </a:xfrm>
         </p:spPr>
         <p:txBody>
           <a:bodyPr/>
           <a:lstStyle/>
           <a:p>
+            <a:r>
+              <a:rPr lang="ru-RU" dirty="0" err="1" smtClean="0"/>
+              <a:t>Демо</a:t>
+            </a:r>
+            <a:r>
+              <a:rPr lang="ru-RU" dirty="0"/>
+              <a:t>:</a:t>
+            </a:r>
+            <a:r>
+              <a:rPr lang="en-US" dirty="0" smtClean="0"/>
+              <a:t/>
+            </a:r>
+            <a:br>
+              <a:rPr lang="en-US" dirty="0" smtClean="0"/>
+            </a:br>
             <a:r>
               <a:rPr lang="ru-RU" dirty="0" smtClean="0"/>
               <a:t>Монетизация</a:t>

--- a/09. Store and Monetization/9 - Store and Monetization (RUS).pptx
+++ b/09. Store and Monetization/9 - Store and Monetization (RUS).pptx
@@ -942,7 +942,7 @@
                 </a:solidFill>
               </a:rPr>
               <a:pPr/>
-              <a:t>12/6/2015 12:49 AM</a:t>
+              <a:t>12/6/2015 6:43 PM</a:t>
             </a:fld>
             <a:endParaRPr lang="en-US" dirty="0">
               <a:solidFill>
@@ -1157,7 +1157,7 @@
                 </a:solidFill>
               </a:rPr>
               <a:pPr/>
-              <a:t>12/6/2015 12:49 AM</a:t>
+              <a:t>12/6/2015 6:43 PM</a:t>
             </a:fld>
             <a:endParaRPr lang="en-US" dirty="0">
               <a:solidFill>
@@ -1372,7 +1372,7 @@
                 </a:solidFill>
               </a:rPr>
               <a:pPr/>
-              <a:t>12/6/2015 12:49 AM</a:t>
+              <a:t>12/6/2015 6:43 PM</a:t>
             </a:fld>
             <a:endParaRPr lang="en-US" dirty="0">
               <a:solidFill>
@@ -3173,9 +3173,7 @@
     <p:bg>
       <p:bgPr>
         <a:solidFill>
-          <a:schemeClr val="accent1">
-            <a:lumMod val="50000"/>
-          </a:schemeClr>
+          <a:schemeClr val="tx2"/>
         </a:solidFill>
         <a:effectLst/>
       </p:bgPr>
@@ -33994,16 +33992,25 @@
           <a:lstStyle/>
           <a:p>
             <a:r>
-              <a:rPr lang="ru-RU" dirty="0" smtClean="0"/>
-              <a:t>Горелкина Мария</a:t>
-            </a:r>
-          </a:p>
-          <a:p>
-            <a:r>
-              <a:rPr lang="en-US" smtClean="0"/>
+              <a:rPr lang="ru-RU" dirty="0" smtClean="0">
+                <a:latin typeface="+mj-lt"/>
+              </a:rPr>
+              <a:t>Мария Горелкина</a:t>
+            </a:r>
+            <a:endParaRPr lang="ru-RU" dirty="0" smtClean="0">
+              <a:latin typeface="+mj-lt"/>
+            </a:endParaRPr>
+          </a:p>
+          <a:p>
+            <a:r>
+              <a:rPr lang="en-US" dirty="0" smtClean="0">
+                <a:latin typeface="+mj-lt"/>
+              </a:rPr>
               <a:t>magore@microsoft.com</a:t>
             </a:r>
-            <a:endParaRPr lang="ru-RU"/>
+            <a:endParaRPr lang="ru-RU" dirty="0">
+              <a:latin typeface="+mj-lt"/>
+            </a:endParaRPr>
           </a:p>
         </p:txBody>
       </p:sp>
@@ -35646,85 +35653,7 @@
             <a:spLocks noGrp="1"/>
           </p:cNvSpPr>
           <p:nvPr>
-            <p:ph type="title"/>
-          </p:nvPr>
-        </p:nvSpPr>
-        <p:spPr>
-          <a:xfrm>
-            <a:off x="816076" y="1422242"/>
-            <a:ext cx="9859116" cy="1813958"/>
-          </a:xfrm>
-        </p:spPr>
-        <p:txBody>
-          <a:bodyPr/>
-          <a:lstStyle/>
-          <a:p>
-            <a:r>
-              <a:rPr lang="ru-RU" dirty="0" err="1" smtClean="0"/>
-              <a:t>Демо</a:t>
-            </a:r>
-            <a:r>
-              <a:rPr lang="ru-RU" dirty="0" smtClean="0"/>
-              <a:t>:</a:t>
-            </a:r>
-            <a:br>
-              <a:rPr lang="ru-RU" dirty="0" smtClean="0"/>
-            </a:br>
-            <a:r>
-              <a:rPr lang="ru-RU" dirty="0" smtClean="0"/>
-              <a:t>Создание пакета для загрузки</a:t>
-            </a:r>
-            <a:endParaRPr lang="en-US" dirty="0"/>
-          </a:p>
-        </p:txBody>
-      </p:sp>
-      <p:sp>
-        <p:nvSpPr>
-          <p:cNvPr id="3" name="Text Placeholder 2"/>
-          <p:cNvSpPr>
-            <a:spLocks noGrp="1"/>
-          </p:cNvSpPr>
-          <p:nvPr>
-            <p:ph type="body" sz="quarter" idx="12"/>
-          </p:nvPr>
-        </p:nvSpPr>
-        <p:spPr>
-          <a:xfrm>
-            <a:off x="836308" y="3694460"/>
-            <a:ext cx="9860674" cy="1055802"/>
-          </a:xfrm>
-        </p:spPr>
-        <p:txBody>
-          <a:bodyPr/>
-          <a:lstStyle/>
-          <a:p>
-            <a:r>
-              <a:rPr lang="en-US" dirty="0" smtClean="0"/>
-              <a:t>Visual Studio &amp; </a:t>
-            </a:r>
-            <a:r>
-              <a:rPr lang="en-US" dirty="0"/>
-              <a:t>Windows Application Certification </a:t>
-            </a:r>
-            <a:r>
-              <a:rPr lang="en-US" dirty="0" smtClean="0"/>
-              <a:t>Kit (WACK)</a:t>
-            </a:r>
-            <a:endParaRPr lang="en-US" dirty="0"/>
-          </a:p>
-          <a:p>
-            <a:endParaRPr lang="en-US" dirty="0"/>
-          </a:p>
-        </p:txBody>
-      </p:sp>
-      <p:sp>
-        <p:nvSpPr>
-          <p:cNvPr id="4" name="Text Placeholder 3"/>
-          <p:cNvSpPr>
-            <a:spLocks noGrp="1"/>
-          </p:cNvSpPr>
-          <p:nvPr>
-            <p:ph type="body" sz="quarter" idx="13"/>
+            <p:ph type="ctrTitle"/>
           </p:nvPr>
         </p:nvSpPr>
         <p:spPr/>
@@ -35732,6 +35661,21 @@
           <a:bodyPr/>
           <a:lstStyle/>
           <a:p>
+            <a:r>
+              <a:rPr lang="ru-RU" dirty="0" err="1" smtClean="0"/>
+              <a:t>Демо</a:t>
+            </a:r>
+            <a:r>
+              <a:rPr lang="ru-RU" dirty="0" smtClean="0"/>
+              <a:t>:</a:t>
+            </a:r>
+            <a:br>
+              <a:rPr lang="ru-RU" dirty="0" smtClean="0"/>
+            </a:br>
+            <a:r>
+              <a:rPr lang="ru-RU" dirty="0" smtClean="0"/>
+              <a:t>Создание пакета для загрузки</a:t>
+            </a:r>
             <a:endParaRPr lang="en-US" dirty="0"/>
           </a:p>
         </p:txBody>
@@ -35746,18 +35690,9 @@
   <p:clrMapOvr>
     <a:masterClrMapping/>
   </p:clrMapOvr>
-  <mc:AlternateContent xmlns:mc="http://schemas.openxmlformats.org/markup-compatibility/2006" xmlns:p14="http://schemas.microsoft.com/office/powerpoint/2010/main">
-    <mc:Choice Requires="p14">
-      <p:transition spd="slow" p14:dur="3400">
-        <p14:reveal/>
-      </p:transition>
-    </mc:Choice>
-    <mc:Fallback xmlns="">
-      <p:transition spd="slow">
-        <p:fade/>
-      </p:transition>
-    </mc:Fallback>
-  </mc:AlternateContent>
+  <p:transition>
+    <p:fade/>
+  </p:transition>
   <p:timing>
     <p:tnLst>
       <p:par>
@@ -36318,46 +36253,7 @@
             <a:spLocks noGrp="1"/>
           </p:cNvSpPr>
           <p:nvPr>
-            <p:ph type="title"/>
-          </p:nvPr>
-        </p:nvSpPr>
-        <p:spPr>
-          <a:xfrm>
-            <a:off x="816076" y="1721939"/>
-            <a:ext cx="9859116" cy="1514261"/>
-          </a:xfrm>
-        </p:spPr>
-        <p:txBody>
-          <a:bodyPr/>
-          <a:lstStyle/>
-          <a:p>
-            <a:r>
-              <a:rPr lang="ru-RU" sz="4800" dirty="0" err="1" smtClean="0"/>
-              <a:t>Демо</a:t>
-            </a:r>
-            <a:r>
-              <a:rPr lang="ru-RU" sz="4800" dirty="0" smtClean="0"/>
-              <a:t>:</a:t>
-            </a:r>
-            <a:br>
-              <a:rPr lang="ru-RU" sz="4800" dirty="0" smtClean="0"/>
-            </a:br>
-            <a:r>
-              <a:rPr lang="ru-RU" sz="4800" dirty="0" smtClean="0"/>
-              <a:t>Публикация приложения в магазин</a:t>
-            </a:r>
-            <a:endParaRPr lang="en-US" sz="4800" dirty="0"/>
-          </a:p>
-        </p:txBody>
-      </p:sp>
-      <p:sp>
-        <p:nvSpPr>
-          <p:cNvPr id="3" name="Text Placeholder 2"/>
-          <p:cNvSpPr>
-            <a:spLocks noGrp="1"/>
-          </p:cNvSpPr>
-          <p:nvPr>
-            <p:ph type="body" sz="quarter" idx="12"/>
+            <p:ph type="ctrTitle"/>
           </p:nvPr>
         </p:nvSpPr>
         <p:spPr/>
@@ -36366,29 +36262,21 @@
           <a:lstStyle/>
           <a:p>
             <a:r>
-              <a:rPr lang="en-US" dirty="0" smtClean="0"/>
-              <a:t>http://dev.windows.com</a:t>
-            </a:r>
-            <a:endParaRPr lang="en-US" dirty="0"/>
-          </a:p>
-        </p:txBody>
-      </p:sp>
-      <p:sp>
-        <p:nvSpPr>
-          <p:cNvPr id="4" name="Text Placeholder 3"/>
-          <p:cNvSpPr>
-            <a:spLocks noGrp="1"/>
-          </p:cNvSpPr>
-          <p:nvPr>
-            <p:ph type="body" sz="quarter" idx="13"/>
-          </p:nvPr>
-        </p:nvSpPr>
-        <p:spPr/>
-        <p:txBody>
-          <a:bodyPr/>
-          <a:lstStyle/>
-          <a:p>
-            <a:endParaRPr lang="en-US" dirty="0"/>
+              <a:rPr lang="ru-RU" sz="4800" dirty="0" err="1" smtClean="0"/>
+              <a:t>Демо</a:t>
+            </a:r>
+            <a:r>
+              <a:rPr lang="ru-RU" sz="4800" dirty="0" smtClean="0"/>
+              <a:t>:</a:t>
+            </a:r>
+            <a:br>
+              <a:rPr lang="ru-RU" sz="4800" dirty="0" smtClean="0"/>
+            </a:br>
+            <a:r>
+              <a:rPr lang="ru-RU" sz="4800" dirty="0" smtClean="0"/>
+              <a:t>Публикация приложения в магазин</a:t>
+            </a:r>
+            <a:endParaRPr lang="en-US" sz="4800" dirty="0"/>
           </a:p>
         </p:txBody>
       </p:sp>
@@ -36402,18 +36290,9 @@
   <p:clrMapOvr>
     <a:masterClrMapping/>
   </p:clrMapOvr>
-  <mc:AlternateContent xmlns:mc="http://schemas.openxmlformats.org/markup-compatibility/2006" xmlns:p14="http://schemas.microsoft.com/office/powerpoint/2010/main">
-    <mc:Choice Requires="p14">
-      <p:transition spd="slow" p14:dur="3400">
-        <p14:reveal/>
-      </p:transition>
-    </mc:Choice>
-    <mc:Fallback xmlns="">
-      <p:transition spd="slow">
-        <p:fade/>
-      </p:transition>
-    </mc:Fallback>
-  </mc:AlternateContent>
+  <p:transition>
+    <p:fade/>
+  </p:transition>
   <p:timing>
     <p:tnLst>
       <p:par>
@@ -36801,50 +36680,7 @@
             <a:spLocks noGrp="1"/>
           </p:cNvSpPr>
           <p:nvPr>
-            <p:ph type="title"/>
-          </p:nvPr>
-        </p:nvSpPr>
-        <p:spPr>
-          <a:xfrm>
-            <a:off x="816076" y="1422242"/>
-            <a:ext cx="9859116" cy="1813958"/>
-          </a:xfrm>
-        </p:spPr>
-        <p:txBody>
-          <a:bodyPr/>
-          <a:lstStyle/>
-          <a:p>
-            <a:r>
-              <a:rPr lang="ru-RU" dirty="0" err="1" smtClean="0"/>
-              <a:t>Демо</a:t>
-            </a:r>
-            <a:r>
-              <a:rPr lang="ru-RU" dirty="0"/>
-              <a:t>:</a:t>
-            </a:r>
-            <a:r>
-              <a:rPr lang="en-US" dirty="0" smtClean="0"/>
-              <a:t/>
-            </a:r>
-            <a:br>
-              <a:rPr lang="en-US" dirty="0" smtClean="0"/>
-            </a:br>
-            <a:r>
-              <a:rPr lang="ru-RU" dirty="0" smtClean="0"/>
-              <a:t>Монетизация</a:t>
-            </a:r>
-            <a:endParaRPr lang="en-US" dirty="0"/>
-          </a:p>
-        </p:txBody>
-      </p:sp>
-      <p:sp>
-        <p:nvSpPr>
-          <p:cNvPr id="3" name="Text Placeholder 2"/>
-          <p:cNvSpPr>
-            <a:spLocks noGrp="1"/>
-          </p:cNvSpPr>
-          <p:nvPr>
-            <p:ph type="body" sz="quarter" idx="12"/>
+            <p:ph type="ctrTitle"/>
           </p:nvPr>
         </p:nvSpPr>
         <p:spPr/>
@@ -36853,28 +36689,24 @@
           <a:lstStyle/>
           <a:p>
             <a:r>
+              <a:rPr lang="ru-RU" dirty="0" err="1" smtClean="0"/>
+              <a:t>Демо</a:t>
+            </a:r>
+            <a:r>
+              <a:rPr lang="ru-RU" dirty="0"/>
+              <a:t>:</a:t>
+            </a:r>
+            <a:r>
               <a:rPr lang="en-US" dirty="0" smtClean="0"/>
-              <a:t>http://dev.windows.com</a:t>
-            </a:r>
-            <a:endParaRPr lang="en-US" dirty="0"/>
-          </a:p>
-        </p:txBody>
-      </p:sp>
-      <p:sp>
-        <p:nvSpPr>
-          <p:cNvPr id="4" name="Text Placeholder 3"/>
-          <p:cNvSpPr>
-            <a:spLocks noGrp="1"/>
-          </p:cNvSpPr>
-          <p:nvPr>
-            <p:ph type="body" sz="quarter" idx="13"/>
-          </p:nvPr>
-        </p:nvSpPr>
-        <p:spPr/>
-        <p:txBody>
-          <a:bodyPr/>
-          <a:lstStyle/>
-          <a:p>
+              <a:t/>
+            </a:r>
+            <a:br>
+              <a:rPr lang="en-US" dirty="0" smtClean="0"/>
+            </a:br>
+            <a:r>
+              <a:rPr lang="ru-RU" dirty="0" smtClean="0"/>
+              <a:t>Монетизация</a:t>
+            </a:r>
             <a:endParaRPr lang="en-US" dirty="0"/>
           </a:p>
         </p:txBody>
@@ -36889,18 +36721,9 @@
   <p:clrMapOvr>
     <a:masterClrMapping/>
   </p:clrMapOvr>
-  <mc:AlternateContent xmlns:mc="http://schemas.openxmlformats.org/markup-compatibility/2006" xmlns:p14="http://schemas.microsoft.com/office/powerpoint/2010/main">
-    <mc:Choice Requires="p14">
-      <p:transition spd="slow" p14:dur="3400">
-        <p14:reveal/>
-      </p:transition>
-    </mc:Choice>
-    <mc:Fallback xmlns="">
-      <p:transition spd="slow">
-        <p:fade/>
-      </p:transition>
-    </mc:Fallback>
-  </mc:AlternateContent>
+  <p:transition>
+    <p:fade/>
+  </p:transition>
   <p:timing>
     <p:tnLst>
       <p:par>

--- a/09. Store and Monetization/9 - Store and Monetization (RUS).pptx
+++ b/09. Store and Monetization/9 - Store and Monetization (RUS).pptx
@@ -942,7 +942,7 @@
                 </a:solidFill>
               </a:rPr>
               <a:pPr/>
-              <a:t>12/6/2015 6:43 PM</a:t>
+              <a:t>12/6/2015 7:40 PM</a:t>
             </a:fld>
             <a:endParaRPr lang="en-US" dirty="0">
               <a:solidFill>
@@ -1157,7 +1157,7 @@
                 </a:solidFill>
               </a:rPr>
               <a:pPr/>
-              <a:t>12/6/2015 6:43 PM</a:t>
+              <a:t>12/6/2015 7:40 PM</a:t>
             </a:fld>
             <a:endParaRPr lang="en-US" dirty="0">
               <a:solidFill>
@@ -1372,7 +1372,7 @@
                 </a:solidFill>
               </a:rPr>
               <a:pPr/>
-              <a:t>12/6/2015 6:43 PM</a:t>
+              <a:t>12/6/2015 7:40 PM</a:t>
             </a:fld>
             <a:endParaRPr lang="en-US" dirty="0">
               <a:solidFill>
@@ -33997,9 +33997,6 @@
               </a:rPr>
               <a:t>Мария Горелкина</a:t>
             </a:r>
-            <a:endParaRPr lang="ru-RU" dirty="0" smtClean="0">
-              <a:latin typeface="+mj-lt"/>
-            </a:endParaRPr>
           </a:p>
           <a:p>
             <a:r>
@@ -34088,16 +34085,12 @@
   <p:clrMapOvr>
     <a:masterClrMapping/>
   </p:clrMapOvr>
-  <mc:AlternateContent xmlns:mc="http://schemas.openxmlformats.org/markup-compatibility/2006" xmlns:p14="http://schemas.microsoft.com/office/powerpoint/2010/main">
-    <mc:Choice Requires="p14">
-      <p:transition spd="slow" p14:dur="3400">
-        <p14:reveal/>
-      </p:transition>
+  <mc:AlternateContent xmlns:mc="http://schemas.openxmlformats.org/markup-compatibility/2006">
+    <mc:Choice xmlns:p14="http://schemas.microsoft.com/office/powerpoint/2010/main" Requires="p14">
+      <p:transition p14:dur="0"/>
     </mc:Choice>
-    <mc:Fallback xmlns="">
-      <p:transition spd="slow">
-        <p:fade/>
-      </p:transition>
+    <mc:Fallback>
+      <p:transition/>
     </mc:Fallback>
   </mc:AlternateContent>
   <p:timing>
@@ -34396,9 +34389,14 @@
   <p:clrMapOvr>
     <a:masterClrMapping/>
   </p:clrMapOvr>
-  <p:transition>
-    <p:fade/>
-  </p:transition>
+  <mc:AlternateContent xmlns:mc="http://schemas.openxmlformats.org/markup-compatibility/2006">
+    <mc:Choice xmlns:p14="http://schemas.microsoft.com/office/powerpoint/2010/main" Requires="p14">
+      <p:transition p14:dur="0"/>
+    </mc:Choice>
+    <mc:Fallback>
+      <p:transition/>
+    </mc:Fallback>
+  </mc:AlternateContent>
   <p:timing>
     <p:tnLst>
       <p:par>
@@ -34806,9 +34804,14 @@
   <p:clrMapOvr>
     <a:masterClrMapping/>
   </p:clrMapOvr>
-  <p:transition>
-    <p:fade/>
-  </p:transition>
+  <mc:AlternateContent xmlns:mc="http://schemas.openxmlformats.org/markup-compatibility/2006">
+    <mc:Choice xmlns:p14="http://schemas.microsoft.com/office/powerpoint/2010/main" Requires="p14">
+      <p:transition p14:dur="0"/>
+    </mc:Choice>
+    <mc:Fallback>
+      <p:transition/>
+    </mc:Fallback>
+  </mc:AlternateContent>
   <p:timing>
     <p:tnLst>
       <p:par>
@@ -34917,9 +34920,14 @@
   <p:clrMapOvr>
     <a:masterClrMapping/>
   </p:clrMapOvr>
-  <p:transition>
-    <p:fade/>
-  </p:transition>
+  <mc:AlternateContent xmlns:mc="http://schemas.openxmlformats.org/markup-compatibility/2006">
+    <mc:Choice xmlns:p14="http://schemas.microsoft.com/office/powerpoint/2010/main" Requires="p14">
+      <p:transition p14:dur="0"/>
+    </mc:Choice>
+    <mc:Fallback>
+      <p:transition/>
+    </mc:Fallback>
+  </mc:AlternateContent>
   <p:timing>
     <p:tnLst>
       <p:par>
@@ -35041,9 +35049,14 @@
   <p:clrMapOvr>
     <a:masterClrMapping/>
   </p:clrMapOvr>
-  <p:transition>
-    <p:fade/>
-  </p:transition>
+  <mc:AlternateContent xmlns:mc="http://schemas.openxmlformats.org/markup-compatibility/2006">
+    <mc:Choice xmlns:p14="http://schemas.microsoft.com/office/powerpoint/2010/main" Requires="p14">
+      <p:transition p14:dur="0"/>
+    </mc:Choice>
+    <mc:Fallback>
+      <p:transition/>
+    </mc:Fallback>
+  </mc:AlternateContent>
   <p:timing>
     <p:tnLst>
       <p:par>
@@ -35302,9 +35315,14 @@
   <p:clrMapOvr>
     <a:masterClrMapping/>
   </p:clrMapOvr>
-  <p:transition>
-    <p:fade/>
-  </p:transition>
+  <mc:AlternateContent xmlns:mc="http://schemas.openxmlformats.org/markup-compatibility/2006">
+    <mc:Choice xmlns:p14="http://schemas.microsoft.com/office/powerpoint/2010/main" Requires="p14">
+      <p:transition p14:dur="0"/>
+    </mc:Choice>
+    <mc:Fallback>
+      <p:transition/>
+    </mc:Fallback>
+  </mc:AlternateContent>
   <p:timing>
     <p:tnLst>
       <p:par>
@@ -35616,9 +35634,14 @@
   <p:clrMapOvr>
     <a:masterClrMapping/>
   </p:clrMapOvr>
-  <p:transition>
-    <p:fade/>
-  </p:transition>
+  <mc:AlternateContent xmlns:mc="http://schemas.openxmlformats.org/markup-compatibility/2006">
+    <mc:Choice xmlns:p14="http://schemas.microsoft.com/office/powerpoint/2010/main" Requires="p14">
+      <p:transition p14:dur="0"/>
+    </mc:Choice>
+    <mc:Fallback>
+      <p:transition/>
+    </mc:Fallback>
+  </mc:AlternateContent>
   <p:timing>
     <p:tnLst>
       <p:par>
@@ -35690,9 +35713,14 @@
   <p:clrMapOvr>
     <a:masterClrMapping/>
   </p:clrMapOvr>
-  <p:transition>
-    <p:fade/>
-  </p:transition>
+  <mc:AlternateContent xmlns:mc="http://schemas.openxmlformats.org/markup-compatibility/2006">
+    <mc:Choice xmlns:p14="http://schemas.microsoft.com/office/powerpoint/2010/main" Requires="p14">
+      <p:transition p14:dur="0"/>
+    </mc:Choice>
+    <mc:Fallback>
+      <p:transition/>
+    </mc:Fallback>
+  </mc:AlternateContent>
   <p:timing>
     <p:tnLst>
       <p:par>
@@ -36216,9 +36244,14 @@
   <p:clrMapOvr>
     <a:masterClrMapping/>
   </p:clrMapOvr>
-  <p:transition>
-    <p:fade/>
-  </p:transition>
+  <mc:AlternateContent xmlns:mc="http://schemas.openxmlformats.org/markup-compatibility/2006">
+    <mc:Choice xmlns:p14="http://schemas.microsoft.com/office/powerpoint/2010/main" Requires="p14">
+      <p:transition p14:dur="0"/>
+    </mc:Choice>
+    <mc:Fallback>
+      <p:transition/>
+    </mc:Fallback>
+  </mc:AlternateContent>
   <p:timing>
     <p:tnLst>
       <p:par>
@@ -36290,9 +36323,14 @@
   <p:clrMapOvr>
     <a:masterClrMapping/>
   </p:clrMapOvr>
-  <p:transition>
-    <p:fade/>
-  </p:transition>
+  <mc:AlternateContent xmlns:mc="http://schemas.openxmlformats.org/markup-compatibility/2006">
+    <mc:Choice xmlns:p14="http://schemas.microsoft.com/office/powerpoint/2010/main" Requires="p14">
+      <p:transition p14:dur="0"/>
+    </mc:Choice>
+    <mc:Fallback>
+      <p:transition/>
+    </mc:Fallback>
+  </mc:AlternateContent>
   <p:timing>
     <p:tnLst>
       <p:par>
@@ -36473,9 +36511,14 @@
   <p:clrMapOvr>
     <a:masterClrMapping/>
   </p:clrMapOvr>
-  <p:transition>
-    <p:fade/>
-  </p:transition>
+  <mc:AlternateContent xmlns:mc="http://schemas.openxmlformats.org/markup-compatibility/2006">
+    <mc:Choice xmlns:p14="http://schemas.microsoft.com/office/powerpoint/2010/main" Requires="p14">
+      <p:transition p14:dur="0"/>
+    </mc:Choice>
+    <mc:Fallback>
+      <p:transition/>
+    </mc:Fallback>
+  </mc:AlternateContent>
   <p:timing>
     <p:tnLst>
       <p:par>
@@ -36721,9 +36764,14 @@
   <p:clrMapOvr>
     <a:masterClrMapping/>
   </p:clrMapOvr>
-  <p:transition>
-    <p:fade/>
-  </p:transition>
+  <mc:AlternateContent xmlns:mc="http://schemas.openxmlformats.org/markup-compatibility/2006">
+    <mc:Choice xmlns:p14="http://schemas.microsoft.com/office/powerpoint/2010/main" Requires="p14">
+      <p:transition p14:dur="0"/>
+    </mc:Choice>
+    <mc:Fallback>
+      <p:transition/>
+    </mc:Fallback>
+  </mc:AlternateContent>
   <p:timing>
     <p:tnLst>
       <p:par>

--- a/09. Store and Monetization/9 - Store and Monetization (RUS).pptx
+++ b/09. Store and Monetization/9 - Store and Monetization (RUS).pptx
@@ -10,24 +10,25 @@
     <p:sldMasterId id="2147485152" r:id="rId6"/>
   </p:sldMasterIdLst>
   <p:notesMasterIdLst>
-    <p:notesMasterId r:id="rId19"/>
+    <p:notesMasterId r:id="rId20"/>
   </p:notesMasterIdLst>
   <p:handoutMasterIdLst>
-    <p:handoutMasterId r:id="rId20"/>
+    <p:handoutMasterId r:id="rId21"/>
   </p:handoutMasterIdLst>
   <p:sldIdLst>
-    <p:sldId id="385" r:id="rId7"/>
+    <p:sldId id="389" r:id="rId7"/>
     <p:sldId id="387" r:id="rId8"/>
     <p:sldId id="306" r:id="rId9"/>
     <p:sldId id="384" r:id="rId10"/>
-    <p:sldId id="307" r:id="rId11"/>
+    <p:sldId id="395" r:id="rId11"/>
     <p:sldId id="382" r:id="rId12"/>
-    <p:sldId id="336" r:id="rId13"/>
+    <p:sldId id="394" r:id="rId13"/>
     <p:sldId id="386" r:id="rId14"/>
-    <p:sldId id="375" r:id="rId15"/>
+    <p:sldId id="393" r:id="rId15"/>
     <p:sldId id="383" r:id="rId16"/>
     <p:sldId id="388" r:id="rId17"/>
-    <p:sldId id="298" r:id="rId18"/>
+    <p:sldId id="391" r:id="rId18"/>
+    <p:sldId id="392" r:id="rId19"/>
   </p:sldIdLst>
   <p:sldSz cx="12192000" cy="6858000"/>
   <p:notesSz cx="7010400" cy="9296400"/>
@@ -131,18 +132,19 @@
       <p14:sectionLst xmlns:p14="http://schemas.microsoft.com/office/powerpoint/2010/main">
         <p14:section name="Default Section" id="{44B02962-814A-4707-809F-1A7FBFC77F41}">
           <p14:sldIdLst>
-            <p14:sldId id="385"/>
+            <p14:sldId id="389"/>
             <p14:sldId id="387"/>
             <p14:sldId id="306"/>
             <p14:sldId id="384"/>
-            <p14:sldId id="307"/>
+            <p14:sldId id="395"/>
             <p14:sldId id="382"/>
-            <p14:sldId id="336"/>
+            <p14:sldId id="394"/>
             <p14:sldId id="386"/>
-            <p14:sldId id="375"/>
+            <p14:sldId id="393"/>
             <p14:sldId id="383"/>
             <p14:sldId id="388"/>
-            <p14:sldId id="298"/>
+            <p14:sldId id="391"/>
+            <p14:sldId id="392"/>
           </p14:sldIdLst>
         </p14:section>
       </p14:sectionLst>
@@ -239,7 +241,7 @@
           <a:p>
             <a:fld id="{464F5833-6C60-4082-AD3B-D70721FF8A39}" type="datetimeFigureOut">
               <a:rPr lang="en-US" smtClean="0"/>
-              <a:t>12/6/2015</a:t>
+              <a:t>12/7/2015</a:t>
             </a:fld>
             <a:endParaRPr lang="en-US"/>
           </a:p>
@@ -404,7 +406,7 @@
           <a:p>
             <a:fld id="{8B2A63B0-0A9F-4A15-A3C9-4160253A81CB}" type="datetimeFigureOut">
               <a:rPr lang="en-US" smtClean="0"/>
-              <a:t>12/6/2015</a:t>
+              <a:t>12/7/2015</a:t>
             </a:fld>
             <a:endParaRPr lang="en-US"/>
           </a:p>
@@ -718,42 +720,23 @@
           <a:bodyPr/>
           <a:lstStyle/>
           <a:p>
-            <a:r>
-              <a:rPr lang="ru-RU" dirty="0" smtClean="0"/>
-              <a:t>Добрый</a:t>
-            </a:r>
-            <a:r>
-              <a:rPr lang="ru-RU" baseline="0" dirty="0" smtClean="0"/>
-              <a:t> день! Сегодня мы поговорим</a:t>
-            </a:r>
-            <a:r>
-              <a:rPr lang="en-US" baseline="0" dirty="0" smtClean="0"/>
-              <a:t> </a:t>
-            </a:r>
-            <a:r>
-              <a:rPr lang="ru-RU" baseline="0" dirty="0" smtClean="0"/>
-              <a:t>о жизненном цикле приложений универсальной платформы </a:t>
-            </a:r>
-            <a:r>
-              <a:rPr lang="en-US" baseline="0" dirty="0" smtClean="0"/>
-              <a:t>Windows, </a:t>
-            </a:r>
-            <a:r>
-              <a:rPr lang="ru-RU" baseline="0" dirty="0" smtClean="0"/>
-              <a:t>об управлении состояниями приложения при его выполнении</a:t>
-            </a:r>
-            <a:endParaRPr lang="ru-RU" dirty="0"/>
+            <a:pPr>
+              <a:buFont typeface="Arial" panose="020B0604020202020204" pitchFamily="34" charset="0"/>
+              <a:buNone/>
+              <a:defRPr/>
+            </a:pPr>
+            <a:endParaRPr lang="en-US" dirty="0"/>
           </a:p>
         </p:txBody>
       </p:sp>
       <p:sp>
         <p:nvSpPr>
-          <p:cNvPr id="4" name="Slide Number Placeholder 3"/>
+          <p:cNvPr id="4" name="Header Placeholder 3"/>
           <p:cNvSpPr>
             <a:spLocks noGrp="1"/>
           </p:cNvSpPr>
           <p:nvPr>
-            <p:ph type="sldNum" sz="quarter" idx="10"/>
+            <p:ph type="hdr" sz="quarter" idx="10"/>
           </p:nvPr>
         </p:nvSpPr>
         <p:spPr/>
@@ -761,18 +744,144 @@
           <a:bodyPr/>
           <a:lstStyle/>
           <a:p>
-            <a:fld id="{3FAC0659-34C9-4BAF-A7FA-59E8DF72899F}" type="slidenum">
-              <a:rPr lang="en-US" smtClean="0"/>
-              <a:t>1</a:t>
+            <a:r>
+              <a:rPr lang="en-US" smtClean="0">
+                <a:solidFill>
+                  <a:prstClr val="black"/>
+                </a:solidFill>
+              </a:rPr>
+              <a:t>Build 2015</a:t>
+            </a:r>
+            <a:endParaRPr lang="en-US" dirty="0">
+              <a:solidFill>
+                <a:prstClr val="black"/>
+              </a:solidFill>
+            </a:endParaRPr>
+          </a:p>
+        </p:txBody>
+      </p:sp>
+      <p:sp>
+        <p:nvSpPr>
+          <p:cNvPr id="5" name="Footer Placeholder 4"/>
+          <p:cNvSpPr>
+            <a:spLocks noGrp="1"/>
+          </p:cNvSpPr>
+          <p:nvPr>
+            <p:ph type="ftr" sz="quarter" idx="11"/>
+          </p:nvPr>
+        </p:nvSpPr>
+        <p:spPr/>
+        <p:txBody>
+          <a:bodyPr/>
+          <a:lstStyle/>
+          <a:p>
+            <a:pPr defTabSz="914099" eaLnBrk="0" hangingPunct="0"/>
+            <a:r>
+              <a:rPr lang="en-US" sz="400" smtClean="0">
+                <a:gradFill>
+                  <a:gsLst>
+                    <a:gs pos="0">
+                      <a:prstClr val="black"/>
+                    </a:gs>
+                    <a:gs pos="100000">
+                      <a:prstClr val="black"/>
+                    </a:gs>
+                  </a:gsLst>
+                  <a:lin ang="5400000" scaled="0"/>
+                </a:gradFill>
+                <a:latin typeface="Segoe UI" pitchFamily="34" charset="0"/>
+                <a:ea typeface="Segoe UI" pitchFamily="34" charset="0"/>
+                <a:cs typeface="Segoe UI" pitchFamily="34" charset="0"/>
+              </a:rPr>
+              <a:t>© 2015 Microsoft Corporation. All rights reserved. MICROSOFT MAKES NO WARRANTIES, EXPRESS, IMPLIED OR STATUTORY, AS TO THE INFORMATION IN THIS PRESENTATION.</a:t>
+            </a:r>
+            <a:endParaRPr lang="en-US" sz="400" dirty="0" smtClean="0">
+              <a:gradFill>
+                <a:gsLst>
+                  <a:gs pos="0">
+                    <a:prstClr val="black"/>
+                  </a:gs>
+                  <a:gs pos="100000">
+                    <a:prstClr val="black"/>
+                  </a:gs>
+                </a:gsLst>
+                <a:lin ang="5400000" scaled="0"/>
+              </a:gradFill>
+              <a:latin typeface="Segoe UI" pitchFamily="34" charset="0"/>
+              <a:ea typeface="Segoe UI" pitchFamily="34" charset="0"/>
+              <a:cs typeface="Segoe UI" pitchFamily="34" charset="0"/>
+            </a:endParaRPr>
+          </a:p>
+        </p:txBody>
+      </p:sp>
+      <p:sp>
+        <p:nvSpPr>
+          <p:cNvPr id="6" name="Date Placeholder 5"/>
+          <p:cNvSpPr>
+            <a:spLocks noGrp="1"/>
+          </p:cNvSpPr>
+          <p:nvPr>
+            <p:ph type="dt" idx="12"/>
+          </p:nvPr>
+        </p:nvSpPr>
+        <p:spPr/>
+        <p:txBody>
+          <a:bodyPr/>
+          <a:lstStyle/>
+          <a:p>
+            <a:fld id="{38EEC551-8CDA-4EB6-89BB-2A86C9F091C8}" type="datetime8">
+              <a:rPr lang="en-US" smtClean="0">
+                <a:solidFill>
+                  <a:prstClr val="black"/>
+                </a:solidFill>
+              </a:rPr>
+              <a:pPr/>
+              <a:t>12/7/2015 12:34 AM</a:t>
             </a:fld>
-            <a:endParaRPr lang="en-US"/>
+            <a:endParaRPr lang="en-US" dirty="0">
+              <a:solidFill>
+                <a:prstClr val="black"/>
+              </a:solidFill>
+            </a:endParaRPr>
+          </a:p>
+        </p:txBody>
+      </p:sp>
+      <p:sp>
+        <p:nvSpPr>
+          <p:cNvPr id="7" name="Slide Number Placeholder 6"/>
+          <p:cNvSpPr>
+            <a:spLocks noGrp="1"/>
+          </p:cNvSpPr>
+          <p:nvPr>
+            <p:ph type="sldNum" sz="quarter" idx="13"/>
+          </p:nvPr>
+        </p:nvSpPr>
+        <p:spPr/>
+        <p:txBody>
+          <a:bodyPr/>
+          <a:lstStyle/>
+          <a:p>
+            <a:fld id="{B4008EB6-D09E-4580-8CD6-DDB14511944F}" type="slidenum">
+              <a:rPr lang="en-US" smtClean="0">
+                <a:solidFill>
+                  <a:prstClr val="black"/>
+                </a:solidFill>
+              </a:rPr>
+              <a:pPr/>
+              <a:t>2</a:t>
+            </a:fld>
+            <a:endParaRPr lang="en-US" dirty="0">
+              <a:solidFill>
+                <a:prstClr val="black"/>
+              </a:solidFill>
+            </a:endParaRPr>
           </a:p>
         </p:txBody>
       </p:sp>
     </p:spTree>
     <p:extLst>
       <p:ext uri="{BB962C8B-B14F-4D97-AF65-F5344CB8AC3E}">
-        <p14:creationId xmlns:p14="http://schemas.microsoft.com/office/powerpoint/2010/main" val="2404706957"/>
+        <p14:creationId xmlns:p14="http://schemas.microsoft.com/office/powerpoint/2010/main" val="1277915260"/>
       </p:ext>
     </p:extLst>
   </p:cSld>
@@ -942,7 +1051,7 @@
                 </a:solidFill>
               </a:rPr>
               <a:pPr/>
-              <a:t>12/6/2015 7:40 PM</a:t>
+              <a:t>12/7/2015 12:34 AM</a:t>
             </a:fld>
             <a:endParaRPr lang="en-US" dirty="0">
               <a:solidFill>
@@ -974,7 +1083,7 @@
                 </a:solidFill>
               </a:rPr>
               <a:pPr/>
-              <a:t>2</a:t>
+              <a:t>3</a:t>
             </a:fld>
             <a:endParaRPr lang="en-US" dirty="0">
               <a:solidFill>
@@ -987,7 +1096,7 @@
     </p:spTree>
     <p:extLst>
       <p:ext uri="{BB962C8B-B14F-4D97-AF65-F5344CB8AC3E}">
-        <p14:creationId xmlns:p14="http://schemas.microsoft.com/office/powerpoint/2010/main" val="1277915260"/>
+        <p14:creationId xmlns:p14="http://schemas.microsoft.com/office/powerpoint/2010/main" val="1540070012"/>
       </p:ext>
     </p:extLst>
   </p:cSld>
@@ -1157,7 +1266,7 @@
                 </a:solidFill>
               </a:rPr>
               <a:pPr/>
-              <a:t>12/6/2015 7:40 PM</a:t>
+              <a:t>12/7/2015 12:34 AM</a:t>
             </a:fld>
             <a:endParaRPr lang="en-US" dirty="0">
               <a:solidFill>
@@ -1189,7 +1298,7 @@
                 </a:solidFill>
               </a:rPr>
               <a:pPr/>
-              <a:t>3</a:t>
+              <a:t>11</a:t>
             </a:fld>
             <a:endParaRPr lang="en-US" dirty="0">
               <a:solidFill>
@@ -1202,7 +1311,7 @@
     </p:spTree>
     <p:extLst>
       <p:ext uri="{BB962C8B-B14F-4D97-AF65-F5344CB8AC3E}">
-        <p14:creationId xmlns:p14="http://schemas.microsoft.com/office/powerpoint/2010/main" val="1540070012"/>
+        <p14:creationId xmlns:p14="http://schemas.microsoft.com/office/powerpoint/2010/main" val="2224839860"/>
       </p:ext>
     </p:extLst>
   </p:cSld>
@@ -1231,7 +1340,7 @@
       </p:grpSpPr>
       <p:sp>
         <p:nvSpPr>
-          <p:cNvPr id="2" name="Slide Image Placeholder 1"/>
+          <p:cNvPr id="73729" name="Slide Image Placeholder 1"/>
           <p:cNvSpPr>
             <a:spLocks noGrp="1" noRot="1" noChangeAspect="1"/>
           </p:cNvSpPr>
@@ -1239,11 +1348,30 @@
             <p:ph type="sldImg"/>
           </p:nvPr>
         </p:nvSpPr>
-        <p:spPr/>
+        <p:spPr bwMode="auto">
+          <a:noFill/>
+          <a:ln>
+            <a:solidFill>
+              <a:srgbClr val="000000"/>
+            </a:solidFill>
+            <a:miter lim="800000"/>
+            <a:headEnd/>
+            <a:tailEnd/>
+          </a:ln>
+          <a:extLst>
+            <a:ext uri="{909E8E84-426E-40DD-AFC4-6F175D3DCCD1}">
+              <a14:hiddenFill xmlns:a14="http://schemas.microsoft.com/office/drawing/2010/main">
+                <a:solidFill>
+                  <a:srgbClr val="FFFFFF"/>
+                </a:solidFill>
+              </a14:hiddenFill>
+            </a:ext>
+          </a:extLst>
+        </p:spPr>
       </p:sp>
       <p:sp>
         <p:nvSpPr>
-          <p:cNvPr id="3" name="Notes Placeholder 2"/>
+          <p:cNvPr id="73730" name="Notes Placeholder 2"/>
           <p:cNvSpPr>
             <a:spLocks noGrp="1"/>
           </p:cNvSpPr>
@@ -1251,173 +1379,751 @@
             <p:ph type="body" idx="1"/>
           </p:nvPr>
         </p:nvSpPr>
-        <p:spPr/>
+        <p:spPr bwMode="auto">
+          <a:noFill/>
+          <a:extLst>
+            <a:ext uri="{909E8E84-426E-40DD-AFC4-6F175D3DCCD1}">
+              <a14:hiddenFill xmlns:a14="http://schemas.microsoft.com/office/drawing/2010/main">
+                <a:solidFill>
+                  <a:srgbClr val="FFFFFF"/>
+                </a:solidFill>
+              </a14:hiddenFill>
+            </a:ext>
+            <a:ext uri="{91240B29-F687-4F45-9708-019B960494DF}">
+              <a14:hiddenLine xmlns:a14="http://schemas.microsoft.com/office/drawing/2010/main" w="9525">
+                <a:solidFill>
+                  <a:srgbClr val="000000"/>
+                </a:solidFill>
+                <a:miter lim="800000"/>
+                <a:headEnd/>
+                <a:tailEnd/>
+              </a14:hiddenLine>
+            </a:ext>
+          </a:extLst>
+        </p:spPr>
         <p:txBody>
-          <a:bodyPr/>
+          <a:bodyPr wrap="square" numCol="1" anchor="t" anchorCtr="0" compatLnSpc="1">
+            <a:prstTxWarp prst="textNoShape">
+              <a:avLst/>
+            </a:prstTxWarp>
+          </a:bodyPr>
           <a:lstStyle/>
           <a:p>
             <a:pPr>
-              <a:buFont typeface="Arial" panose="020B0604020202020204" pitchFamily="34" charset="0"/>
-              <a:buNone/>
-              <a:defRPr/>
+              <a:spcBef>
+                <a:spcPct val="0"/>
+              </a:spcBef>
             </a:pPr>
-            <a:endParaRPr lang="en-US" dirty="0"/>
+            <a:endParaRPr lang="en-US" smtClean="0"/>
           </a:p>
         </p:txBody>
       </p:sp>
       <p:sp>
         <p:nvSpPr>
-          <p:cNvPr id="4" name="Header Placeholder 3"/>
+          <p:cNvPr id="73731" name="Header Placeholder 3"/>
           <p:cNvSpPr>
             <a:spLocks noGrp="1"/>
           </p:cNvSpPr>
           <p:nvPr>
-            <p:ph type="hdr" sz="quarter" idx="10"/>
+            <p:ph type="hdr" sz="quarter"/>
           </p:nvPr>
         </p:nvSpPr>
-        <p:spPr/>
+        <p:spPr bwMode="auto">
+          <a:noFill/>
+          <a:extLst>
+            <a:ext uri="{909E8E84-426E-40DD-AFC4-6F175D3DCCD1}">
+              <a14:hiddenFill xmlns:a14="http://schemas.microsoft.com/office/drawing/2010/main">
+                <a:solidFill>
+                  <a:srgbClr val="FFFFFF"/>
+                </a:solidFill>
+              </a14:hiddenFill>
+            </a:ext>
+            <a:ext uri="{91240B29-F687-4F45-9708-019B960494DF}">
+              <a14:hiddenLine xmlns:a14="http://schemas.microsoft.com/office/drawing/2010/main" w="9525">
+                <a:solidFill>
+                  <a:srgbClr val="000000"/>
+                </a:solidFill>
+                <a:miter lim="800000"/>
+                <a:headEnd/>
+                <a:tailEnd/>
+              </a14:hiddenLine>
+            </a:ext>
+          </a:extLst>
+        </p:spPr>
         <p:txBody>
-          <a:bodyPr/>
-          <a:lstStyle/>
-          <a:p>
-            <a:r>
-              <a:rPr lang="en-US" smtClean="0">
+          <a:bodyPr wrap="square" numCol="1" anchor="t" anchorCtr="0" compatLnSpc="1">
+            <a:prstTxWarp prst="textNoShape">
+              <a:avLst/>
+            </a:prstTxWarp>
+          </a:bodyPr>
+          <a:lstStyle>
+            <a:lvl1pPr defTabSz="685800">
+              <a:defRPr>
                 <a:solidFill>
-                  <a:prstClr val="black"/>
+                  <a:schemeClr val="tx1"/>
                 </a:solidFill>
-              </a:rPr>
-              <a:t>Build 2015</a:t>
-            </a:r>
-            <a:endParaRPr lang="en-US" dirty="0">
-              <a:solidFill>
-                <a:prstClr val="black"/>
-              </a:solidFill>
+                <a:latin typeface="Segoe UI" pitchFamily="34" charset="0"/>
+                <a:cs typeface="Arial" pitchFamily="34" charset="0"/>
+              </a:defRPr>
+            </a:lvl1pPr>
+            <a:lvl2pPr marL="742950" indent="-285750" defTabSz="685800">
+              <a:defRPr>
+                <a:solidFill>
+                  <a:schemeClr val="tx1"/>
+                </a:solidFill>
+                <a:latin typeface="Segoe UI" pitchFamily="34" charset="0"/>
+                <a:cs typeface="Arial" pitchFamily="34" charset="0"/>
+              </a:defRPr>
+            </a:lvl2pPr>
+            <a:lvl3pPr marL="1143000" indent="-228600" defTabSz="685800">
+              <a:defRPr>
+                <a:solidFill>
+                  <a:schemeClr val="tx1"/>
+                </a:solidFill>
+                <a:latin typeface="Segoe UI" pitchFamily="34" charset="0"/>
+                <a:cs typeface="Arial" pitchFamily="34" charset="0"/>
+              </a:defRPr>
+            </a:lvl3pPr>
+            <a:lvl4pPr marL="1600200" indent="-228600" defTabSz="685800">
+              <a:defRPr>
+                <a:solidFill>
+                  <a:schemeClr val="tx1"/>
+                </a:solidFill>
+                <a:latin typeface="Segoe UI" pitchFamily="34" charset="0"/>
+                <a:cs typeface="Arial" pitchFamily="34" charset="0"/>
+              </a:defRPr>
+            </a:lvl4pPr>
+            <a:lvl5pPr marL="2057400" indent="-228600" defTabSz="685800">
+              <a:defRPr>
+                <a:solidFill>
+                  <a:schemeClr val="tx1"/>
+                </a:solidFill>
+                <a:latin typeface="Segoe UI" pitchFamily="34" charset="0"/>
+                <a:cs typeface="Arial" pitchFamily="34" charset="0"/>
+              </a:defRPr>
+            </a:lvl5pPr>
+            <a:lvl6pPr marL="2514600" indent="-228600" defTabSz="685800" fontAlgn="base">
+              <a:spcBef>
+                <a:spcPct val="0"/>
+              </a:spcBef>
+              <a:spcAft>
+                <a:spcPct val="0"/>
+              </a:spcAft>
+              <a:defRPr>
+                <a:solidFill>
+                  <a:schemeClr val="tx1"/>
+                </a:solidFill>
+                <a:latin typeface="Segoe UI" pitchFamily="34" charset="0"/>
+                <a:cs typeface="Arial" pitchFamily="34" charset="0"/>
+              </a:defRPr>
+            </a:lvl6pPr>
+            <a:lvl7pPr marL="2971800" indent="-228600" defTabSz="685800" fontAlgn="base">
+              <a:spcBef>
+                <a:spcPct val="0"/>
+              </a:spcBef>
+              <a:spcAft>
+                <a:spcPct val="0"/>
+              </a:spcAft>
+              <a:defRPr>
+                <a:solidFill>
+                  <a:schemeClr val="tx1"/>
+                </a:solidFill>
+                <a:latin typeface="Segoe UI" pitchFamily="34" charset="0"/>
+                <a:cs typeface="Arial" pitchFamily="34" charset="0"/>
+              </a:defRPr>
+            </a:lvl7pPr>
+            <a:lvl8pPr marL="3429000" indent="-228600" defTabSz="685800" fontAlgn="base">
+              <a:spcBef>
+                <a:spcPct val="0"/>
+              </a:spcBef>
+              <a:spcAft>
+                <a:spcPct val="0"/>
+              </a:spcAft>
+              <a:defRPr>
+                <a:solidFill>
+                  <a:schemeClr val="tx1"/>
+                </a:solidFill>
+                <a:latin typeface="Segoe UI" pitchFamily="34" charset="0"/>
+                <a:cs typeface="Arial" pitchFamily="34" charset="0"/>
+              </a:defRPr>
+            </a:lvl8pPr>
+            <a:lvl9pPr marL="3886200" indent="-228600" defTabSz="685800" fontAlgn="base">
+              <a:spcBef>
+                <a:spcPct val="0"/>
+              </a:spcBef>
+              <a:spcAft>
+                <a:spcPct val="0"/>
+              </a:spcAft>
+              <a:defRPr>
+                <a:solidFill>
+                  <a:schemeClr val="tx1"/>
+                </a:solidFill>
+                <a:latin typeface="Segoe UI" pitchFamily="34" charset="0"/>
+                <a:cs typeface="Arial" pitchFamily="34" charset="0"/>
+              </a:defRPr>
+            </a:lvl9pPr>
+          </a:lstStyle>
+          <a:p>
+            <a:pPr fontAlgn="base">
+              <a:spcBef>
+                <a:spcPct val="0"/>
+              </a:spcBef>
+              <a:spcAft>
+                <a:spcPct val="0"/>
+              </a:spcAft>
+            </a:pPr>
+            <a:endParaRPr lang="en-US">
+              <a:latin typeface="Calibri" pitchFamily="34" charset="0"/>
             </a:endParaRPr>
           </a:p>
         </p:txBody>
       </p:sp>
       <p:sp>
         <p:nvSpPr>
-          <p:cNvPr id="5" name="Footer Placeholder 4"/>
+          <p:cNvPr id="73732" name="Date Placeholder 4"/>
           <p:cNvSpPr>
             <a:spLocks noGrp="1"/>
           </p:cNvSpPr>
           <p:nvPr>
-            <p:ph type="ftr" sz="quarter" idx="11"/>
+            <p:ph type="dt" sz="quarter" idx="1"/>
           </p:nvPr>
         </p:nvSpPr>
-        <p:spPr/>
+        <p:spPr bwMode="auto">
+          <a:noFill/>
+          <a:extLst>
+            <a:ext uri="{909E8E84-426E-40DD-AFC4-6F175D3DCCD1}">
+              <a14:hiddenFill xmlns:a14="http://schemas.microsoft.com/office/drawing/2010/main">
+                <a:solidFill>
+                  <a:srgbClr val="FFFFFF"/>
+                </a:solidFill>
+              </a14:hiddenFill>
+            </a:ext>
+            <a:ext uri="{91240B29-F687-4F45-9708-019B960494DF}">
+              <a14:hiddenLine xmlns:a14="http://schemas.microsoft.com/office/drawing/2010/main" w="9525">
+                <a:solidFill>
+                  <a:srgbClr val="000000"/>
+                </a:solidFill>
+                <a:miter lim="800000"/>
+                <a:headEnd/>
+                <a:tailEnd/>
+              </a14:hiddenLine>
+            </a:ext>
+          </a:extLst>
+        </p:spPr>
         <p:txBody>
-          <a:bodyPr/>
-          <a:lstStyle/>
-          <a:p>
-            <a:pPr defTabSz="914099" eaLnBrk="0" hangingPunct="0"/>
-            <a:r>
-              <a:rPr lang="en-US" sz="400" smtClean="0">
-                <a:gradFill>
-                  <a:gsLst>
-                    <a:gs pos="0">
-                      <a:prstClr val="black"/>
-                    </a:gs>
-                    <a:gs pos="100000">
-                      <a:prstClr val="black"/>
-                    </a:gs>
-                  </a:gsLst>
-                  <a:lin ang="5400000" scaled="0"/>
-                </a:gradFill>
+          <a:bodyPr wrap="square" numCol="1" anchor="t" anchorCtr="0" compatLnSpc="1">
+            <a:prstTxWarp prst="textNoShape">
+              <a:avLst/>
+            </a:prstTxWarp>
+          </a:bodyPr>
+          <a:lstStyle>
+            <a:lvl1pPr>
+              <a:defRPr>
+                <a:solidFill>
+                  <a:schemeClr val="tx1"/>
+                </a:solidFill>
                 <a:latin typeface="Segoe UI" pitchFamily="34" charset="0"/>
-                <a:ea typeface="Segoe UI" pitchFamily="34" charset="0"/>
-                <a:cs typeface="Segoe UI" pitchFamily="34" charset="0"/>
-              </a:rPr>
-              <a:t>© 2015 Microsoft Corporation. All rights reserved. MICROSOFT MAKES NO WARRANTIES, EXPRESS, IMPLIED OR STATUTORY, AS TO THE INFORMATION IN THIS PRESENTATION.</a:t>
-            </a:r>
-            <a:endParaRPr lang="en-US" sz="400" dirty="0" smtClean="0">
-              <a:gradFill>
-                <a:gsLst>
-                  <a:gs pos="0">
-                    <a:prstClr val="black"/>
-                  </a:gs>
-                  <a:gs pos="100000">
-                    <a:prstClr val="black"/>
-                  </a:gs>
-                </a:gsLst>
-                <a:lin ang="5400000" scaled="0"/>
-              </a:gradFill>
-              <a:latin typeface="Segoe UI" pitchFamily="34" charset="0"/>
-              <a:ea typeface="Segoe UI" pitchFamily="34" charset="0"/>
-              <a:cs typeface="Segoe UI" pitchFamily="34" charset="0"/>
-            </a:endParaRPr>
+                <a:cs typeface="Arial" pitchFamily="34" charset="0"/>
+              </a:defRPr>
+            </a:lvl1pPr>
+            <a:lvl2pPr marL="742950" indent="-285750">
+              <a:defRPr>
+                <a:solidFill>
+                  <a:schemeClr val="tx1"/>
+                </a:solidFill>
+                <a:latin typeface="Segoe UI" pitchFamily="34" charset="0"/>
+                <a:cs typeface="Arial" pitchFamily="34" charset="0"/>
+              </a:defRPr>
+            </a:lvl2pPr>
+            <a:lvl3pPr marL="1143000" indent="-228600">
+              <a:defRPr>
+                <a:solidFill>
+                  <a:schemeClr val="tx1"/>
+                </a:solidFill>
+                <a:latin typeface="Segoe UI" pitchFamily="34" charset="0"/>
+                <a:cs typeface="Arial" pitchFamily="34" charset="0"/>
+              </a:defRPr>
+            </a:lvl3pPr>
+            <a:lvl4pPr marL="1600200" indent="-228600">
+              <a:defRPr>
+                <a:solidFill>
+                  <a:schemeClr val="tx1"/>
+                </a:solidFill>
+                <a:latin typeface="Segoe UI" pitchFamily="34" charset="0"/>
+                <a:cs typeface="Arial" pitchFamily="34" charset="0"/>
+              </a:defRPr>
+            </a:lvl4pPr>
+            <a:lvl5pPr marL="2057400" indent="-228600">
+              <a:defRPr>
+                <a:solidFill>
+                  <a:schemeClr val="tx1"/>
+                </a:solidFill>
+                <a:latin typeface="Segoe UI" pitchFamily="34" charset="0"/>
+                <a:cs typeface="Arial" pitchFamily="34" charset="0"/>
+              </a:defRPr>
+            </a:lvl5pPr>
+            <a:lvl6pPr marL="2514600" indent="-228600" defTabSz="912813" fontAlgn="base">
+              <a:spcBef>
+                <a:spcPct val="0"/>
+              </a:spcBef>
+              <a:spcAft>
+                <a:spcPct val="0"/>
+              </a:spcAft>
+              <a:defRPr>
+                <a:solidFill>
+                  <a:schemeClr val="tx1"/>
+                </a:solidFill>
+                <a:latin typeface="Segoe UI" pitchFamily="34" charset="0"/>
+                <a:cs typeface="Arial" pitchFamily="34" charset="0"/>
+              </a:defRPr>
+            </a:lvl6pPr>
+            <a:lvl7pPr marL="2971800" indent="-228600" defTabSz="912813" fontAlgn="base">
+              <a:spcBef>
+                <a:spcPct val="0"/>
+              </a:spcBef>
+              <a:spcAft>
+                <a:spcPct val="0"/>
+              </a:spcAft>
+              <a:defRPr>
+                <a:solidFill>
+                  <a:schemeClr val="tx1"/>
+                </a:solidFill>
+                <a:latin typeface="Segoe UI" pitchFamily="34" charset="0"/>
+                <a:cs typeface="Arial" pitchFamily="34" charset="0"/>
+              </a:defRPr>
+            </a:lvl7pPr>
+            <a:lvl8pPr marL="3429000" indent="-228600" defTabSz="912813" fontAlgn="base">
+              <a:spcBef>
+                <a:spcPct val="0"/>
+              </a:spcBef>
+              <a:spcAft>
+                <a:spcPct val="0"/>
+              </a:spcAft>
+              <a:defRPr>
+                <a:solidFill>
+                  <a:schemeClr val="tx1"/>
+                </a:solidFill>
+                <a:latin typeface="Segoe UI" pitchFamily="34" charset="0"/>
+                <a:cs typeface="Arial" pitchFamily="34" charset="0"/>
+              </a:defRPr>
+            </a:lvl8pPr>
+            <a:lvl9pPr marL="3886200" indent="-228600" defTabSz="912813" fontAlgn="base">
+              <a:spcBef>
+                <a:spcPct val="0"/>
+              </a:spcBef>
+              <a:spcAft>
+                <a:spcPct val="0"/>
+              </a:spcAft>
+              <a:defRPr>
+                <a:solidFill>
+                  <a:schemeClr val="tx1"/>
+                </a:solidFill>
+                <a:latin typeface="Segoe UI" pitchFamily="34" charset="0"/>
+                <a:cs typeface="Arial" pitchFamily="34" charset="0"/>
+              </a:defRPr>
+            </a:lvl9pPr>
+          </a:lstStyle>
+          <a:p>
+            <a:pPr defTabSz="912813" fontAlgn="base">
+              <a:spcBef>
+                <a:spcPct val="0"/>
+              </a:spcBef>
+              <a:spcAft>
+                <a:spcPct val="0"/>
+              </a:spcAft>
+            </a:pPr>
+            <a:fld id="{63E8B34E-B922-4962-9FB0-F05FDA8499D7}" type="datetime8">
+              <a:rPr lang="en-US"/>
+              <a:pPr defTabSz="912813" fontAlgn="base">
+                <a:spcBef>
+                  <a:spcPct val="0"/>
+                </a:spcBef>
+                <a:spcAft>
+                  <a:spcPct val="0"/>
+                </a:spcAft>
+              </a:pPr>
+              <a:t>12/7/2015 12:34 AM</a:t>
+            </a:fld>
+            <a:endParaRPr lang="en-US"/>
           </a:p>
         </p:txBody>
       </p:sp>
       <p:sp>
         <p:nvSpPr>
-          <p:cNvPr id="6" name="Date Placeholder 5"/>
+          <p:cNvPr id="73733" name="Slide Number Placeholder 6"/>
           <p:cNvSpPr>
             <a:spLocks noGrp="1"/>
           </p:cNvSpPr>
           <p:nvPr>
-            <p:ph type="dt" idx="12"/>
+            <p:ph type="sldNum" sz="quarter" idx="5"/>
           </p:nvPr>
         </p:nvSpPr>
-        <p:spPr/>
+        <p:spPr bwMode="auto">
+          <a:noFill/>
+          <a:extLst>
+            <a:ext uri="{909E8E84-426E-40DD-AFC4-6F175D3DCCD1}">
+              <a14:hiddenFill xmlns:a14="http://schemas.microsoft.com/office/drawing/2010/main">
+                <a:solidFill>
+                  <a:srgbClr val="FFFFFF"/>
+                </a:solidFill>
+              </a14:hiddenFill>
+            </a:ext>
+            <a:ext uri="{91240B29-F687-4F45-9708-019B960494DF}">
+              <a14:hiddenLine xmlns:a14="http://schemas.microsoft.com/office/drawing/2010/main" w="9525">
+                <a:solidFill>
+                  <a:srgbClr val="000000"/>
+                </a:solidFill>
+                <a:miter lim="800000"/>
+                <a:headEnd/>
+                <a:tailEnd/>
+              </a14:hiddenLine>
+            </a:ext>
+          </a:extLst>
+        </p:spPr>
         <p:txBody>
-          <a:bodyPr/>
-          <a:lstStyle/>
-          <a:p>
-            <a:fld id="{38EEC551-8CDA-4EB6-89BB-2A86C9F091C8}" type="datetime8">
-              <a:rPr lang="en-US" smtClean="0">
+          <a:bodyPr wrap="square" numCol="1" anchorCtr="0" compatLnSpc="1">
+            <a:prstTxWarp prst="textNoShape">
+              <a:avLst/>
+            </a:prstTxWarp>
+          </a:bodyPr>
+          <a:lstStyle>
+            <a:lvl1pPr>
+              <a:defRPr>
                 <a:solidFill>
-                  <a:prstClr val="black"/>
+                  <a:schemeClr val="tx1"/>
                 </a:solidFill>
-              </a:rPr>
-              <a:pPr/>
-              <a:t>12/6/2015 7:40 PM</a:t>
+                <a:latin typeface="Segoe UI" pitchFamily="34" charset="0"/>
+                <a:cs typeface="Arial" pitchFamily="34" charset="0"/>
+              </a:defRPr>
+            </a:lvl1pPr>
+            <a:lvl2pPr marL="742950" indent="-285750">
+              <a:defRPr>
+                <a:solidFill>
+                  <a:schemeClr val="tx1"/>
+                </a:solidFill>
+                <a:latin typeface="Segoe UI" pitchFamily="34" charset="0"/>
+                <a:cs typeface="Arial" pitchFamily="34" charset="0"/>
+              </a:defRPr>
+            </a:lvl2pPr>
+            <a:lvl3pPr marL="1143000" indent="-228600">
+              <a:defRPr>
+                <a:solidFill>
+                  <a:schemeClr val="tx1"/>
+                </a:solidFill>
+                <a:latin typeface="Segoe UI" pitchFamily="34" charset="0"/>
+                <a:cs typeface="Arial" pitchFamily="34" charset="0"/>
+              </a:defRPr>
+            </a:lvl3pPr>
+            <a:lvl4pPr marL="1600200" indent="-228600">
+              <a:defRPr>
+                <a:solidFill>
+                  <a:schemeClr val="tx1"/>
+                </a:solidFill>
+                <a:latin typeface="Segoe UI" pitchFamily="34" charset="0"/>
+                <a:cs typeface="Arial" pitchFamily="34" charset="0"/>
+              </a:defRPr>
+            </a:lvl4pPr>
+            <a:lvl5pPr marL="2057400" indent="-228600">
+              <a:defRPr>
+                <a:solidFill>
+                  <a:schemeClr val="tx1"/>
+                </a:solidFill>
+                <a:latin typeface="Segoe UI" pitchFamily="34" charset="0"/>
+                <a:cs typeface="Arial" pitchFamily="34" charset="0"/>
+              </a:defRPr>
+            </a:lvl5pPr>
+            <a:lvl6pPr marL="2514600" indent="-228600" defTabSz="912813" fontAlgn="base">
+              <a:spcBef>
+                <a:spcPct val="0"/>
+              </a:spcBef>
+              <a:spcAft>
+                <a:spcPct val="0"/>
+              </a:spcAft>
+              <a:defRPr>
+                <a:solidFill>
+                  <a:schemeClr val="tx1"/>
+                </a:solidFill>
+                <a:latin typeface="Segoe UI" pitchFamily="34" charset="0"/>
+                <a:cs typeface="Arial" pitchFamily="34" charset="0"/>
+              </a:defRPr>
+            </a:lvl6pPr>
+            <a:lvl7pPr marL="2971800" indent="-228600" defTabSz="912813" fontAlgn="base">
+              <a:spcBef>
+                <a:spcPct val="0"/>
+              </a:spcBef>
+              <a:spcAft>
+                <a:spcPct val="0"/>
+              </a:spcAft>
+              <a:defRPr>
+                <a:solidFill>
+                  <a:schemeClr val="tx1"/>
+                </a:solidFill>
+                <a:latin typeface="Segoe UI" pitchFamily="34" charset="0"/>
+                <a:cs typeface="Arial" pitchFamily="34" charset="0"/>
+              </a:defRPr>
+            </a:lvl7pPr>
+            <a:lvl8pPr marL="3429000" indent="-228600" defTabSz="912813" fontAlgn="base">
+              <a:spcBef>
+                <a:spcPct val="0"/>
+              </a:spcBef>
+              <a:spcAft>
+                <a:spcPct val="0"/>
+              </a:spcAft>
+              <a:defRPr>
+                <a:solidFill>
+                  <a:schemeClr val="tx1"/>
+                </a:solidFill>
+                <a:latin typeface="Segoe UI" pitchFamily="34" charset="0"/>
+                <a:cs typeface="Arial" pitchFamily="34" charset="0"/>
+              </a:defRPr>
+            </a:lvl8pPr>
+            <a:lvl9pPr marL="3886200" indent="-228600" defTabSz="912813" fontAlgn="base">
+              <a:spcBef>
+                <a:spcPct val="0"/>
+              </a:spcBef>
+              <a:spcAft>
+                <a:spcPct val="0"/>
+              </a:spcAft>
+              <a:defRPr>
+                <a:solidFill>
+                  <a:schemeClr val="tx1"/>
+                </a:solidFill>
+                <a:latin typeface="Segoe UI" pitchFamily="34" charset="0"/>
+                <a:cs typeface="Arial" pitchFamily="34" charset="0"/>
+              </a:defRPr>
+            </a:lvl9pPr>
+          </a:lstStyle>
+          <a:p>
+            <a:pPr defTabSz="912813" fontAlgn="base">
+              <a:spcBef>
+                <a:spcPct val="0"/>
+              </a:spcBef>
+              <a:spcAft>
+                <a:spcPct val="0"/>
+              </a:spcAft>
+            </a:pPr>
+            <a:fld id="{A1EF5684-E3A9-43B6-95B2-0B463CC8A24C}" type="slidenum">
+              <a:rPr lang="en-US"/>
+              <a:pPr defTabSz="912813" fontAlgn="base">
+                <a:spcBef>
+                  <a:spcPct val="0"/>
+                </a:spcBef>
+                <a:spcAft>
+                  <a:spcPct val="0"/>
+                </a:spcAft>
+              </a:pPr>
+              <a:t>13</a:t>
             </a:fld>
-            <a:endParaRPr lang="en-US" dirty="0">
-              <a:solidFill>
-                <a:prstClr val="black"/>
-              </a:solidFill>
-            </a:endParaRPr>
+            <a:endParaRPr lang="en-US"/>
           </a:p>
         </p:txBody>
       </p:sp>
       <p:sp>
         <p:nvSpPr>
-          <p:cNvPr id="7" name="Slide Number Placeholder 6"/>
+          <p:cNvPr id="73734" name="Footer Placeholder 3"/>
           <p:cNvSpPr>
             <a:spLocks noGrp="1"/>
           </p:cNvSpPr>
           <p:nvPr>
-            <p:ph type="sldNum" sz="quarter" idx="13"/>
+            <p:ph type="ftr" sz="quarter" idx="4"/>
           </p:nvPr>
         </p:nvSpPr>
-        <p:spPr/>
+        <p:spPr bwMode="auto">
+          <a:xfrm>
+            <a:off x="0" y="8685213"/>
+            <a:ext cx="6248400" cy="457200"/>
+          </a:xfrm>
+          <a:noFill/>
+          <a:extLst>
+            <a:ext uri="{909E8E84-426E-40DD-AFC4-6F175D3DCCD1}">
+              <a14:hiddenFill xmlns:a14="http://schemas.microsoft.com/office/drawing/2010/main">
+                <a:solidFill>
+                  <a:srgbClr val="FFFFFF"/>
+                </a:solidFill>
+              </a14:hiddenFill>
+            </a:ext>
+            <a:ext uri="{91240B29-F687-4F45-9708-019B960494DF}">
+              <a14:hiddenLine xmlns:a14="http://schemas.microsoft.com/office/drawing/2010/main" w="9525">
+                <a:solidFill>
+                  <a:srgbClr val="000000"/>
+                </a:solidFill>
+                <a:miter lim="800000"/>
+                <a:headEnd/>
+                <a:tailEnd/>
+              </a14:hiddenLine>
+            </a:ext>
+          </a:extLst>
+        </p:spPr>
         <p:txBody>
-          <a:bodyPr/>
-          <a:lstStyle/>
-          <a:p>
-            <a:fld id="{B4008EB6-D09E-4580-8CD6-DDB14511944F}" type="slidenum">
-              <a:rPr lang="en-US" smtClean="0">
+          <a:bodyPr wrap="square" numCol="1" anchorCtr="0" compatLnSpc="1">
+            <a:prstTxWarp prst="textNoShape">
+              <a:avLst/>
+            </a:prstTxWarp>
+          </a:bodyPr>
+          <a:lstStyle>
+            <a:lvl1pPr>
+              <a:defRPr>
                 <a:solidFill>
-                  <a:prstClr val="black"/>
+                  <a:schemeClr val="tx1"/>
+                </a:solidFill>
+                <a:latin typeface="Segoe UI" pitchFamily="34" charset="0"/>
+                <a:cs typeface="Arial" pitchFamily="34" charset="0"/>
+              </a:defRPr>
+            </a:lvl1pPr>
+            <a:lvl2pPr marL="742950" indent="-285750">
+              <a:defRPr>
+                <a:solidFill>
+                  <a:schemeClr val="tx1"/>
+                </a:solidFill>
+                <a:latin typeface="Segoe UI" pitchFamily="34" charset="0"/>
+                <a:cs typeface="Arial" pitchFamily="34" charset="0"/>
+              </a:defRPr>
+            </a:lvl2pPr>
+            <a:lvl3pPr marL="1143000" indent="-228600">
+              <a:defRPr>
+                <a:solidFill>
+                  <a:schemeClr val="tx1"/>
+                </a:solidFill>
+                <a:latin typeface="Segoe UI" pitchFamily="34" charset="0"/>
+                <a:cs typeface="Arial" pitchFamily="34" charset="0"/>
+              </a:defRPr>
+            </a:lvl3pPr>
+            <a:lvl4pPr marL="1600200" indent="-228600">
+              <a:defRPr>
+                <a:solidFill>
+                  <a:schemeClr val="tx1"/>
+                </a:solidFill>
+                <a:latin typeface="Segoe UI" pitchFamily="34" charset="0"/>
+                <a:cs typeface="Arial" pitchFamily="34" charset="0"/>
+              </a:defRPr>
+            </a:lvl4pPr>
+            <a:lvl5pPr marL="2057400" indent="-228600">
+              <a:defRPr>
+                <a:solidFill>
+                  <a:schemeClr val="tx1"/>
+                </a:solidFill>
+                <a:latin typeface="Segoe UI" pitchFamily="34" charset="0"/>
+                <a:cs typeface="Arial" pitchFamily="34" charset="0"/>
+              </a:defRPr>
+            </a:lvl5pPr>
+            <a:lvl6pPr marL="2514600" indent="-228600" defTabSz="912813" fontAlgn="base">
+              <a:spcBef>
+                <a:spcPct val="0"/>
+              </a:spcBef>
+              <a:spcAft>
+                <a:spcPct val="0"/>
+              </a:spcAft>
+              <a:defRPr>
+                <a:solidFill>
+                  <a:schemeClr val="tx1"/>
+                </a:solidFill>
+                <a:latin typeface="Segoe UI" pitchFamily="34" charset="0"/>
+                <a:cs typeface="Arial" pitchFamily="34" charset="0"/>
+              </a:defRPr>
+            </a:lvl6pPr>
+            <a:lvl7pPr marL="2971800" indent="-228600" defTabSz="912813" fontAlgn="base">
+              <a:spcBef>
+                <a:spcPct val="0"/>
+              </a:spcBef>
+              <a:spcAft>
+                <a:spcPct val="0"/>
+              </a:spcAft>
+              <a:defRPr>
+                <a:solidFill>
+                  <a:schemeClr val="tx1"/>
+                </a:solidFill>
+                <a:latin typeface="Segoe UI" pitchFamily="34" charset="0"/>
+                <a:cs typeface="Arial" pitchFamily="34" charset="0"/>
+              </a:defRPr>
+            </a:lvl7pPr>
+            <a:lvl8pPr marL="3429000" indent="-228600" defTabSz="912813" fontAlgn="base">
+              <a:spcBef>
+                <a:spcPct val="0"/>
+              </a:spcBef>
+              <a:spcAft>
+                <a:spcPct val="0"/>
+              </a:spcAft>
+              <a:defRPr>
+                <a:solidFill>
+                  <a:schemeClr val="tx1"/>
+                </a:solidFill>
+                <a:latin typeface="Segoe UI" pitchFamily="34" charset="0"/>
+                <a:cs typeface="Arial" pitchFamily="34" charset="0"/>
+              </a:defRPr>
+            </a:lvl8pPr>
+            <a:lvl9pPr marL="3886200" indent="-228600" defTabSz="912813" fontAlgn="base">
+              <a:spcBef>
+                <a:spcPct val="0"/>
+              </a:spcBef>
+              <a:spcAft>
+                <a:spcPct val="0"/>
+              </a:spcAft>
+              <a:defRPr>
+                <a:solidFill>
+                  <a:schemeClr val="tx1"/>
+                </a:solidFill>
+                <a:latin typeface="Segoe UI" pitchFamily="34" charset="0"/>
+                <a:cs typeface="Arial" pitchFamily="34" charset="0"/>
+              </a:defRPr>
+            </a:lvl9pPr>
+          </a:lstStyle>
+          <a:p>
+            <a:pPr defTabSz="912813" fontAlgn="base">
+              <a:spcBef>
+                <a:spcPct val="0"/>
+              </a:spcBef>
+              <a:spcAft>
+                <a:spcPct val="0"/>
+              </a:spcAft>
+            </a:pPr>
+            <a:r>
+              <a:rPr lang="en-US">
+                <a:solidFill>
+                  <a:srgbClr val="000000"/>
                 </a:solidFill>
               </a:rPr>
-              <a:pPr/>
-              <a:t>11</a:t>
-            </a:fld>
-            <a:endParaRPr lang="en-US" dirty="0">
-              <a:solidFill>
-                <a:prstClr val="black"/>
-              </a:solidFill>
-            </a:endParaRPr>
+              <a:t>© 2010 Microsoft Corporation. All rights reserved. Microsoft, Windows, Windows Vista and other product names are or may be registered trademarks and/or trademarks in the U.S. and/or other countries.</a:t>
+            </a:r>
+          </a:p>
+          <a:p>
+            <a:pPr defTabSz="912813" fontAlgn="base">
+              <a:spcBef>
+                <a:spcPct val="0"/>
+              </a:spcBef>
+              <a:spcAft>
+                <a:spcPct val="0"/>
+              </a:spcAft>
+            </a:pPr>
+            <a:r>
+              <a:rPr lang="en-US">
+                <a:solidFill>
+                  <a:srgbClr val="000000"/>
+                </a:solidFill>
+              </a:rPr>
+              <a:t>The information herein is for informational purposes only and represents the current view of Microsoft Corporation as of the date of this presentation.  Because Microsoft must respond to changing market conditions, it should not be interpreted to be a commitment on the part of Microsoft, and Microsoft cannot guarantee the accuracy of any information provided after the date of this presentation.  </a:t>
+            </a:r>
+            <a:br>
+              <a:rPr lang="en-US">
+                <a:solidFill>
+                  <a:srgbClr val="000000"/>
+                </a:solidFill>
+              </a:rPr>
+            </a:br>
+            <a:r>
+              <a:rPr lang="en-US">
+                <a:solidFill>
+                  <a:srgbClr val="000000"/>
+                </a:solidFill>
+              </a:rPr>
+              <a:t>MICROSOFT MAKES NO WARRANTIES, EXPRESS, IMPLIED OR STATUTORY, AS TO THE INFORMATION IN THIS PRESENTATION.</a:t>
+            </a:r>
           </a:p>
         </p:txBody>
       </p:sp>
     </p:spTree>
     <p:extLst>
       <p:ext uri="{BB962C8B-B14F-4D97-AF65-F5344CB8AC3E}">
-        <p14:creationId xmlns:p14="http://schemas.microsoft.com/office/powerpoint/2010/main" val="2224839860"/>
+        <p14:creationId xmlns:p14="http://schemas.microsoft.com/office/powerpoint/2010/main" val="3315061005"/>
       </p:ext>
     </p:extLst>
   </p:cSld>
@@ -3257,6 +3963,736 @@
 </file>
 
 <file path=ppt/slideLayouts/slideLayout19.xml><?xml version="1.0" encoding="utf-8"?>
+<p:sldLayout xmlns:a="http://schemas.openxmlformats.org/drawingml/2006/main" xmlns:r="http://schemas.openxmlformats.org/officeDocument/2006/relationships" xmlns:p="http://schemas.openxmlformats.org/presentationml/2006/main" userDrawn="1">
+  <p:cSld name="Demo slide Charcoal">
+    <p:bg>
+      <p:bgPr>
+        <a:solidFill>
+          <a:schemeClr val="bg1"/>
+        </a:solidFill>
+        <a:effectLst/>
+      </p:bgPr>
+    </p:bg>
+    <p:spTree>
+      <p:nvGrpSpPr>
+        <p:cNvPr id="1" name=""/>
+        <p:cNvGrpSpPr/>
+        <p:nvPr/>
+      </p:nvGrpSpPr>
+      <p:grpSpPr>
+        <a:xfrm>
+          <a:off x="0" y="0"/>
+          <a:ext cx="0" cy="0"/>
+          <a:chOff x="0" y="0"/>
+          <a:chExt cx="0" cy="0"/>
+        </a:xfrm>
+      </p:grpSpPr>
+      <p:sp>
+        <p:nvSpPr>
+          <p:cNvPr id="2" name="Title 1"/>
+          <p:cNvSpPr>
+            <a:spLocks noGrp="1"/>
+          </p:cNvSpPr>
+          <p:nvPr>
+            <p:ph type="title" hasCustomPrompt="1"/>
+          </p:nvPr>
+        </p:nvSpPr>
+        <p:spPr>
+          <a:xfrm>
+            <a:off x="816076" y="2240362"/>
+            <a:ext cx="9859116" cy="995838"/>
+          </a:xfrm>
+          <a:noFill/>
+        </p:spPr>
+        <p:txBody>
+          <a:bodyPr tIns="91440" bIns="91440" anchor="b" anchorCtr="0">
+            <a:spAutoFit/>
+          </a:bodyPr>
+          <a:lstStyle>
+            <a:lvl1pPr>
+              <a:defRPr sz="5882" spc="-98" baseline="0">
+                <a:gradFill>
+                  <a:gsLst>
+                    <a:gs pos="0">
+                      <a:schemeClr val="tx1"/>
+                    </a:gs>
+                    <a:gs pos="100000">
+                      <a:schemeClr val="tx1"/>
+                    </a:gs>
+                  </a:gsLst>
+                  <a:lin ang="5400000" scaled="0"/>
+                </a:gradFill>
+              </a:defRPr>
+            </a:lvl1pPr>
+          </a:lstStyle>
+          <a:p>
+            <a:r>
+              <a:rPr lang="en-US" dirty="0" smtClean="0"/>
+              <a:t>Demo title</a:t>
+            </a:r>
+            <a:endParaRPr lang="en-US" dirty="0"/>
+          </a:p>
+        </p:txBody>
+      </p:sp>
+      <p:sp>
+        <p:nvSpPr>
+          <p:cNvPr id="5" name="Text Placeholder 4"/>
+          <p:cNvSpPr>
+            <a:spLocks noGrp="1"/>
+          </p:cNvSpPr>
+          <p:nvPr>
+            <p:ph type="body" sz="quarter" idx="12" hasCustomPrompt="1"/>
+          </p:nvPr>
+        </p:nvSpPr>
+        <p:spPr>
+          <a:xfrm>
+            <a:off x="836308" y="3694460"/>
+            <a:ext cx="9860674" cy="669927"/>
+          </a:xfrm>
+          <a:noFill/>
+        </p:spPr>
+        <p:txBody>
+          <a:bodyPr lIns="182880" tIns="146304" rIns="182880" bIns="146304">
+            <a:spAutoFit/>
+          </a:bodyPr>
+          <a:lstStyle>
+            <a:lvl1pPr marL="0" indent="0">
+              <a:spcBef>
+                <a:spcPts val="0"/>
+              </a:spcBef>
+              <a:buNone/>
+              <a:defRPr sz="2745" spc="0" baseline="0">
+                <a:gradFill>
+                  <a:gsLst>
+                    <a:gs pos="0">
+                      <a:schemeClr val="tx1"/>
+                    </a:gs>
+                    <a:gs pos="100000">
+                      <a:schemeClr val="tx1"/>
+                    </a:gs>
+                  </a:gsLst>
+                  <a:lin ang="5400000" scaled="0"/>
+                </a:gradFill>
+                <a:latin typeface="Segoe UI Semilight" panose="020B0402040204020203" pitchFamily="34" charset="0"/>
+                <a:cs typeface="Segoe UI Semilight" panose="020B0402040204020203" pitchFamily="34" charset="0"/>
+              </a:defRPr>
+            </a:lvl1pPr>
+          </a:lstStyle>
+          <a:p>
+            <a:pPr lvl="0"/>
+            <a:r>
+              <a:rPr lang="en-US" dirty="0" smtClean="0"/>
+              <a:t>Speaker Name</a:t>
+            </a:r>
+          </a:p>
+        </p:txBody>
+      </p:sp>
+      <p:cxnSp>
+        <p:nvCxnSpPr>
+          <p:cNvPr id="14" name="Straight Connector 13"/>
+          <p:cNvCxnSpPr/>
+          <p:nvPr userDrawn="1"/>
+        </p:nvCxnSpPr>
+        <p:spPr>
+          <a:xfrm>
+            <a:off x="1010612" y="3429000"/>
+            <a:ext cx="7169065" cy="0"/>
+          </a:xfrm>
+          <a:prstGeom prst="line">
+            <a:avLst/>
+          </a:prstGeom>
+          <a:ln w="12700">
+            <a:solidFill>
+              <a:schemeClr val="accent2"/>
+            </a:solidFill>
+            <a:headEnd type="none"/>
+            <a:tailEnd type="none"/>
+          </a:ln>
+        </p:spPr>
+        <p:style>
+          <a:lnRef idx="1">
+            <a:schemeClr val="accent1"/>
+          </a:lnRef>
+          <a:fillRef idx="0">
+            <a:schemeClr val="accent1"/>
+          </a:fillRef>
+          <a:effectRef idx="0">
+            <a:schemeClr val="accent1"/>
+          </a:effectRef>
+          <a:fontRef idx="minor">
+            <a:schemeClr val="tx1"/>
+          </a:fontRef>
+        </p:style>
+      </p:cxnSp>
+      <p:sp>
+        <p:nvSpPr>
+          <p:cNvPr id="15" name="Text Placeholder 4"/>
+          <p:cNvSpPr>
+            <a:spLocks noGrp="1"/>
+          </p:cNvSpPr>
+          <p:nvPr>
+            <p:ph type="body" sz="quarter" idx="16" hasCustomPrompt="1"/>
+          </p:nvPr>
+        </p:nvSpPr>
+        <p:spPr>
+          <a:xfrm>
+            <a:off x="836308" y="4207039"/>
+            <a:ext cx="9860674" cy="615609"/>
+          </a:xfrm>
+          <a:noFill/>
+        </p:spPr>
+        <p:txBody>
+          <a:bodyPr lIns="182880" tIns="146304" rIns="182880" bIns="146304">
+            <a:spAutoFit/>
+          </a:bodyPr>
+          <a:lstStyle>
+            <a:lvl1pPr marL="0" indent="0">
+              <a:spcBef>
+                <a:spcPts val="0"/>
+              </a:spcBef>
+              <a:buNone/>
+              <a:defRPr sz="2353" spc="0" baseline="0">
+                <a:gradFill>
+                  <a:gsLst>
+                    <a:gs pos="0">
+                      <a:schemeClr val="tx1"/>
+                    </a:gs>
+                    <a:gs pos="100000">
+                      <a:schemeClr val="tx1"/>
+                    </a:gs>
+                  </a:gsLst>
+                  <a:lin ang="5400000" scaled="0"/>
+                </a:gradFill>
+                <a:latin typeface="Segoe UI Semilight" panose="020B0402040204020203" pitchFamily="34" charset="0"/>
+                <a:cs typeface="Segoe UI Semilight" panose="020B0402040204020203" pitchFamily="34" charset="0"/>
+              </a:defRPr>
+            </a:lvl1pPr>
+          </a:lstStyle>
+          <a:p>
+            <a:pPr lvl="0"/>
+            <a:r>
+              <a:rPr lang="en-US" dirty="0" smtClean="0"/>
+              <a:t>Optional Title Role, Company</a:t>
+            </a:r>
+          </a:p>
+        </p:txBody>
+      </p:sp>
+    </p:spTree>
+    <p:extLst>
+      <p:ext uri="{BB962C8B-B14F-4D97-AF65-F5344CB8AC3E}">
+        <p14:creationId xmlns:p14="http://schemas.microsoft.com/office/powerpoint/2010/main" val="772337557"/>
+      </p:ext>
+    </p:extLst>
+  </p:cSld>
+  <p:clrMapOvr>
+    <a:overrideClrMapping bg1="dk1" tx1="lt1" bg2="dk2" tx2="lt2" accent1="accent1" accent2="accent2" accent3="accent3" accent4="accent4" accent5="accent5" accent6="accent6" hlink="hlink" folHlink="folHlink"/>
+  </p:clrMapOvr>
+  <mc:AlternateContent xmlns:mc="http://schemas.openxmlformats.org/markup-compatibility/2006" xmlns:p14="http://schemas.microsoft.com/office/powerpoint/2010/main">
+    <mc:Choice Requires="p14">
+      <p:transition spd="slow" p14:dur="3400">
+        <p14:reveal/>
+      </p:transition>
+    </mc:Choice>
+    <mc:Fallback xmlns="">
+      <p:transition spd="slow">
+        <p:fade/>
+      </p:transition>
+    </mc:Fallback>
+  </mc:AlternateContent>
+  <p:timing>
+    <p:tnLst>
+      <p:par>
+        <p:cTn id="1" dur="indefinite" restart="never" nodeType="tmRoot">
+          <p:childTnLst>
+            <p:seq concurrent="1" nextAc="seek">
+              <p:cTn id="2" dur="indefinite" nodeType="mainSeq">
+                <p:childTnLst>
+                  <p:par>
+                    <p:cTn id="3" fill="hold">
+                      <p:stCondLst>
+                        <p:cond delay="indefinite"/>
+                        <p:cond evt="onBegin" delay="0">
+                          <p:tn val="2"/>
+                        </p:cond>
+                      </p:stCondLst>
+                      <p:childTnLst>
+                        <p:par>
+                          <p:cTn id="4" fill="hold">
+                            <p:stCondLst>
+                              <p:cond delay="0"/>
+                            </p:stCondLst>
+                            <p:childTnLst>
+                              <p:par>
+                                <p:cTn id="5" presetID="10" presetClass="entr" presetSubtype="0" fill="hold" grpId="0" nodeType="withEffect">
+                                  <p:stCondLst>
+                                    <p:cond delay="250"/>
+                                  </p:stCondLst>
+                                  <p:childTnLst>
+                                    <p:set>
+                                      <p:cBhvr>
+                                        <p:cTn id="6" dur="1" fill="hold">
+                                          <p:stCondLst>
+                                            <p:cond delay="0"/>
+                                          </p:stCondLst>
+                                        </p:cTn>
+                                        <p:tgtEl>
+                                          <p:spTgt spid="2"/>
+                                        </p:tgtEl>
+                                        <p:attrNameLst>
+                                          <p:attrName>style.visibility</p:attrName>
+                                        </p:attrNameLst>
+                                      </p:cBhvr>
+                                      <p:to>
+                                        <p:strVal val="visible"/>
+                                      </p:to>
+                                    </p:set>
+                                    <p:animEffect transition="in" filter="fade">
+                                      <p:cBhvr>
+                                        <p:cTn id="7" dur="500"/>
+                                        <p:tgtEl>
+                                          <p:spTgt spid="2"/>
+                                        </p:tgtEl>
+                                      </p:cBhvr>
+                                    </p:animEffect>
+                                  </p:childTnLst>
+                                </p:cTn>
+                              </p:par>
+                              <p:par>
+                                <p:cTn id="8" presetID="10" presetClass="entr" presetSubtype="0" fill="hold" nodeType="withEffect">
+                                  <p:stCondLst>
+                                    <p:cond delay="500"/>
+                                  </p:stCondLst>
+                                  <p:childTnLst>
+                                    <p:set>
+                                      <p:cBhvr>
+                                        <p:cTn id="9" dur="1" fill="hold">
+                                          <p:stCondLst>
+                                            <p:cond delay="0"/>
+                                          </p:stCondLst>
+                                        </p:cTn>
+                                        <p:tgtEl>
+                                          <p:spTgt spid="14"/>
+                                        </p:tgtEl>
+                                        <p:attrNameLst>
+                                          <p:attrName>style.visibility</p:attrName>
+                                        </p:attrNameLst>
+                                      </p:cBhvr>
+                                      <p:to>
+                                        <p:strVal val="visible"/>
+                                      </p:to>
+                                    </p:set>
+                                    <p:animEffect transition="in" filter="fade">
+                                      <p:cBhvr>
+                                        <p:cTn id="10" dur="500"/>
+                                        <p:tgtEl>
+                                          <p:spTgt spid="14"/>
+                                        </p:tgtEl>
+                                      </p:cBhvr>
+                                    </p:animEffect>
+                                  </p:childTnLst>
+                                </p:cTn>
+                              </p:par>
+                              <p:par>
+                                <p:cTn id="11" presetID="10" presetClass="entr" presetSubtype="0" fill="hold" grpId="0" nodeType="withEffect">
+                                  <p:stCondLst>
+                                    <p:cond delay="500"/>
+                                  </p:stCondLst>
+                                  <p:childTnLst>
+                                    <p:set>
+                                      <p:cBhvr>
+                                        <p:cTn id="12" dur="1" fill="hold">
+                                          <p:stCondLst>
+                                            <p:cond delay="0"/>
+                                          </p:stCondLst>
+                                        </p:cTn>
+                                        <p:tgtEl>
+                                          <p:spTgt spid="5"/>
+                                        </p:tgtEl>
+                                        <p:attrNameLst>
+                                          <p:attrName>style.visibility</p:attrName>
+                                        </p:attrNameLst>
+                                      </p:cBhvr>
+                                      <p:to>
+                                        <p:strVal val="visible"/>
+                                      </p:to>
+                                    </p:set>
+                                    <p:animEffect transition="in" filter="fade">
+                                      <p:cBhvr>
+                                        <p:cTn id="13" dur="500"/>
+                                        <p:tgtEl>
+                                          <p:spTgt spid="5"/>
+                                        </p:tgtEl>
+                                      </p:cBhvr>
+                                    </p:animEffect>
+                                  </p:childTnLst>
+                                </p:cTn>
+                              </p:par>
+                              <p:par>
+                                <p:cTn id="14" presetID="42" presetClass="path" presetSubtype="0" decel="100000" fill="hold" grpId="1" nodeType="withEffect">
+                                  <p:stCondLst>
+                                    <p:cond delay="500"/>
+                                  </p:stCondLst>
+                                  <p:childTnLst>
+                                    <p:animMotion origin="layout" path="M -0.03944 -0.00046 L 1.52668E-6 2.19246E-6 " pathEditMode="relative" rAng="0" ptsTypes="AA">
+                                      <p:cBhvr>
+                                        <p:cTn id="15" dur="600" fill="hold"/>
+                                        <p:tgtEl>
+                                          <p:spTgt spid="5"/>
+                                        </p:tgtEl>
+                                        <p:attrNameLst>
+                                          <p:attrName>ppt_x</p:attrName>
+                                          <p:attrName>ppt_y</p:attrName>
+                                        </p:attrNameLst>
+                                      </p:cBhvr>
+                                      <p:rCtr x="1966" y="23"/>
+                                    </p:animMotion>
+                                  </p:childTnLst>
+                                </p:cTn>
+                              </p:par>
+                            </p:childTnLst>
+                          </p:cTn>
+                        </p:par>
+                        <p:par>
+                          <p:cTn id="16" fill="hold">
+                            <p:stCondLst>
+                              <p:cond delay="1100"/>
+                            </p:stCondLst>
+                            <p:childTnLst>
+                              <p:par>
+                                <p:cTn id="17" presetID="10" presetClass="entr" presetSubtype="0" fill="hold" grpId="0" nodeType="afterEffect">
+                                  <p:stCondLst>
+                                    <p:cond delay="0"/>
+                                  </p:stCondLst>
+                                  <p:childTnLst>
+                                    <p:set>
+                                      <p:cBhvr>
+                                        <p:cTn id="18" dur="1" fill="hold">
+                                          <p:stCondLst>
+                                            <p:cond delay="0"/>
+                                          </p:stCondLst>
+                                        </p:cTn>
+                                        <p:tgtEl>
+                                          <p:spTgt spid="15"/>
+                                        </p:tgtEl>
+                                        <p:attrNameLst>
+                                          <p:attrName>style.visibility</p:attrName>
+                                        </p:attrNameLst>
+                                      </p:cBhvr>
+                                      <p:to>
+                                        <p:strVal val="visible"/>
+                                      </p:to>
+                                    </p:set>
+                                    <p:animEffect transition="in" filter="fade">
+                                      <p:cBhvr>
+                                        <p:cTn id="19" dur="500"/>
+                                        <p:tgtEl>
+                                          <p:spTgt spid="15"/>
+                                        </p:tgtEl>
+                                      </p:cBhvr>
+                                    </p:animEffect>
+                                  </p:childTnLst>
+                                </p:cTn>
+                              </p:par>
+                              <p:par>
+                                <p:cTn id="20" presetID="42" presetClass="path" presetSubtype="0" decel="100000" fill="hold" grpId="1" nodeType="withEffect">
+                                  <p:stCondLst>
+                                    <p:cond delay="0"/>
+                                  </p:stCondLst>
+                                  <p:childTnLst>
+                                    <p:animMotion origin="layout" path="M -0.03944 -0.00045 L 1.52668E-6 -3.37267E-6 " pathEditMode="relative" rAng="0" ptsTypes="AA">
+                                      <p:cBhvr>
+                                        <p:cTn id="21" dur="600" fill="hold"/>
+                                        <p:tgtEl>
+                                          <p:spTgt spid="15"/>
+                                        </p:tgtEl>
+                                        <p:attrNameLst>
+                                          <p:attrName>ppt_x</p:attrName>
+                                          <p:attrName>ppt_y</p:attrName>
+                                        </p:attrNameLst>
+                                      </p:cBhvr>
+                                      <p:rCtr x="1966" y="23"/>
+                                    </p:animMotion>
+                                  </p:childTnLst>
+                                </p:cTn>
+                              </p:par>
+                            </p:childTnLst>
+                          </p:cTn>
+                        </p:par>
+                      </p:childTnLst>
+                    </p:cTn>
+                  </p:par>
+                </p:childTnLst>
+              </p:cTn>
+              <p:prevCondLst>
+                <p:cond evt="onPrev" delay="0">
+                  <p:tgtEl>
+                    <p:sldTgt/>
+                  </p:tgtEl>
+                </p:cond>
+              </p:prevCondLst>
+              <p:nextCondLst>
+                <p:cond evt="onNext" delay="0">
+                  <p:tgtEl>
+                    <p:sldTgt/>
+                  </p:tgtEl>
+                </p:cond>
+              </p:nextCondLst>
+            </p:seq>
+          </p:childTnLst>
+        </p:cTn>
+      </p:par>
+    </p:tnLst>
+    <p:bldLst>
+      <p:bldP spid="2" grpId="0"/>
+      <p:bldP spid="5" grpId="0">
+        <p:tmplLst>
+          <p:tmpl>
+            <p:tnLst>
+              <p:par>
+                <p:cTn presetID="10" presetClass="entr" presetSubtype="0" fill="hold" nodeType="withEffect">
+                  <p:stCondLst>
+                    <p:cond delay="500"/>
+                  </p:stCondLst>
+                  <p:childTnLst>
+                    <p:set>
+                      <p:cBhvr>
+                        <p:cTn dur="1" fill="hold">
+                          <p:stCondLst>
+                            <p:cond delay="0"/>
+                          </p:stCondLst>
+                        </p:cTn>
+                        <p:tgtEl>
+                          <p:spTgt spid="5"/>
+                        </p:tgtEl>
+                        <p:attrNameLst>
+                          <p:attrName>style.visibility</p:attrName>
+                        </p:attrNameLst>
+                      </p:cBhvr>
+                      <p:to>
+                        <p:strVal val="visible"/>
+                      </p:to>
+                    </p:set>
+                    <p:animEffect transition="in" filter="fade">
+                      <p:cBhvr>
+                        <p:cTn dur="500"/>
+                        <p:tgtEl>
+                          <p:spTgt spid="5"/>
+                        </p:tgtEl>
+                      </p:cBhvr>
+                    </p:animEffect>
+                  </p:childTnLst>
+                </p:cTn>
+              </p:par>
+            </p:tnLst>
+          </p:tmpl>
+        </p:tmplLst>
+      </p:bldP>
+      <p:bldP spid="5" grpId="1"/>
+      <p:bldP spid="15" grpId="0">
+        <p:tmplLst>
+          <p:tmpl>
+            <p:tnLst>
+              <p:par>
+                <p:cTn presetID="10" presetClass="entr" presetSubtype="0" fill="hold" nodeType="afterEffect">
+                  <p:stCondLst>
+                    <p:cond delay="0"/>
+                  </p:stCondLst>
+                  <p:childTnLst>
+                    <p:set>
+                      <p:cBhvr>
+                        <p:cTn dur="1" fill="hold">
+                          <p:stCondLst>
+                            <p:cond delay="0"/>
+                          </p:stCondLst>
+                        </p:cTn>
+                        <p:tgtEl>
+                          <p:spTgt spid="15"/>
+                        </p:tgtEl>
+                        <p:attrNameLst>
+                          <p:attrName>style.visibility</p:attrName>
+                        </p:attrNameLst>
+                      </p:cBhvr>
+                      <p:to>
+                        <p:strVal val="visible"/>
+                      </p:to>
+                    </p:set>
+                    <p:animEffect transition="in" filter="fade">
+                      <p:cBhvr>
+                        <p:cTn dur="500"/>
+                        <p:tgtEl>
+                          <p:spTgt spid="15"/>
+                        </p:tgtEl>
+                      </p:cBhvr>
+                    </p:animEffect>
+                  </p:childTnLst>
+                </p:cTn>
+              </p:par>
+            </p:tnLst>
+          </p:tmpl>
+        </p:tmplLst>
+      </p:bldP>
+      <p:bldP spid="15" grpId="1">
+        <p:tmplLst>
+          <p:tmpl>
+            <p:tnLst>
+              <p:par>
+                <p:cTn presetID="42" presetClass="path" presetSubtype="0" decel="100000" fill="hold" nodeType="withEffect">
+                  <p:stCondLst>
+                    <p:cond delay="0"/>
+                  </p:stCondLst>
+                  <p:childTnLst>
+                    <p:animMotion origin="layout" path="M -0.03944 -0.00045 L 1.52668E-6 -3.37267E-6 " pathEditMode="relative" rAng="0" ptsTypes="AA">
+                      <p:cBhvr>
+                        <p:cTn dur="600" fill="hold"/>
+                        <p:tgtEl>
+                          <p:spTgt spid="15"/>
+                        </p:tgtEl>
+                        <p:attrNameLst>
+                          <p:attrName>ppt_x</p:attrName>
+                          <p:attrName>ppt_y</p:attrName>
+                        </p:attrNameLst>
+                      </p:cBhvr>
+                      <p:rCtr x="1966" y="23"/>
+                    </p:animMotion>
+                  </p:childTnLst>
+                </p:cTn>
+              </p:par>
+            </p:tnLst>
+          </p:tmpl>
+        </p:tmplLst>
+      </p:bldP>
+    </p:bldLst>
+  </p:timing>
+</p:sldLayout>
+</file>
+
+<file path=ppt/slideLayouts/slideLayout2.xml><?xml version="1.0" encoding="utf-8"?>
+<p:sldLayout xmlns:a="http://schemas.openxmlformats.org/drawingml/2006/main" xmlns:r="http://schemas.openxmlformats.org/officeDocument/2006/relationships" xmlns:p="http://schemas.openxmlformats.org/presentationml/2006/main" preserve="1" userDrawn="1">
+  <p:cSld name="Title and Content">
+    <p:spTree>
+      <p:nvGrpSpPr>
+        <p:cNvPr id="1" name=""/>
+        <p:cNvGrpSpPr/>
+        <p:nvPr/>
+      </p:nvGrpSpPr>
+      <p:grpSpPr>
+        <a:xfrm>
+          <a:off x="0" y="0"/>
+          <a:ext cx="0" cy="0"/>
+          <a:chOff x="0" y="0"/>
+          <a:chExt cx="0" cy="0"/>
+        </a:xfrm>
+      </p:grpSpPr>
+      <p:sp>
+        <p:nvSpPr>
+          <p:cNvPr id="4" name="Text Placeholder 3"/>
+          <p:cNvSpPr>
+            <a:spLocks noGrp="1"/>
+          </p:cNvSpPr>
+          <p:nvPr>
+            <p:ph type="body" sz="quarter" idx="10"/>
+          </p:nvPr>
+        </p:nvSpPr>
+        <p:spPr>
+          <a:xfrm>
+            <a:off x="269239" y="1189177"/>
+            <a:ext cx="11653523" cy="2052030"/>
+          </a:xfrm>
+        </p:spPr>
+        <p:txBody>
+          <a:bodyPr>
+            <a:spAutoFit/>
+          </a:bodyPr>
+          <a:lstStyle>
+            <a:lvl1pPr>
+              <a:defRPr sz="3921"/>
+            </a:lvl1pPr>
+          </a:lstStyle>
+          <a:p>
+            <a:pPr lvl="0"/>
+            <a:r>
+              <a:rPr lang="en-US" smtClean="0"/>
+              <a:t>Click to edit Master text styles</a:t>
+            </a:r>
+          </a:p>
+          <a:p>
+            <a:pPr lvl="1"/>
+            <a:r>
+              <a:rPr lang="en-US" smtClean="0"/>
+              <a:t>Second level</a:t>
+            </a:r>
+          </a:p>
+          <a:p>
+            <a:pPr lvl="2"/>
+            <a:r>
+              <a:rPr lang="en-US" smtClean="0"/>
+              <a:t>Third level</a:t>
+            </a:r>
+          </a:p>
+          <a:p>
+            <a:pPr lvl="3"/>
+            <a:r>
+              <a:rPr lang="en-US" smtClean="0"/>
+              <a:t>Fourth level</a:t>
+            </a:r>
+          </a:p>
+          <a:p>
+            <a:pPr lvl="4"/>
+            <a:r>
+              <a:rPr lang="en-US" smtClean="0"/>
+              <a:t>Fifth level</a:t>
+            </a:r>
+            <a:endParaRPr lang="en-US" dirty="0"/>
+          </a:p>
+        </p:txBody>
+      </p:sp>
+      <p:sp>
+        <p:nvSpPr>
+          <p:cNvPr id="6" name="Title 5"/>
+          <p:cNvSpPr>
+            <a:spLocks noGrp="1"/>
+          </p:cNvSpPr>
+          <p:nvPr>
+            <p:ph type="title"/>
+          </p:nvPr>
+        </p:nvSpPr>
+        <p:spPr/>
+        <p:txBody>
+          <a:bodyPr/>
+          <a:lstStyle/>
+          <a:p>
+            <a:r>
+              <a:rPr lang="en-US" smtClean="0"/>
+              <a:t>Click to edit Master title style</a:t>
+            </a:r>
+            <a:endParaRPr lang="en-US"/>
+          </a:p>
+        </p:txBody>
+      </p:sp>
+    </p:spTree>
+    <p:extLst>
+      <p:ext uri="{BB962C8B-B14F-4D97-AF65-F5344CB8AC3E}">
+        <p14:creationId xmlns:p14="http://schemas.microsoft.com/office/powerpoint/2010/main" val="4025054516"/>
+      </p:ext>
+    </p:extLst>
+  </p:cSld>
+  <p:clrMapOvr>
+    <a:masterClrMapping/>
+  </p:clrMapOvr>
+  <p:transition>
+    <p:fade/>
+  </p:transition>
+  <p:timing>
+    <p:tnLst>
+      <p:par>
+        <p:cTn id="1" dur="indefinite" restart="never" nodeType="tmRoot"/>
+      </p:par>
+    </p:tnLst>
+  </p:timing>
+</p:sldLayout>
+</file>
+
+<file path=ppt/slideLayouts/slideLayout20.xml><?xml version="1.0" encoding="utf-8"?>
 <p:sldLayout xmlns:a="http://schemas.openxmlformats.org/drawingml/2006/main" xmlns:r="http://schemas.openxmlformats.org/officeDocument/2006/relationships" xmlns:p="http://schemas.openxmlformats.org/presentationml/2006/main" preserve="1" userDrawn="1">
   <p:cSld name="Title &amp; 2-color Non-bulleted text">
     <p:spTree>
@@ -3410,133 +4846,7 @@
 </p:sldLayout>
 </file>
 
-<file path=ppt/slideLayouts/slideLayout2.xml><?xml version="1.0" encoding="utf-8"?>
-<p:sldLayout xmlns:a="http://schemas.openxmlformats.org/drawingml/2006/main" xmlns:r="http://schemas.openxmlformats.org/officeDocument/2006/relationships" xmlns:p="http://schemas.openxmlformats.org/presentationml/2006/main" preserve="1" userDrawn="1">
-  <p:cSld name="Title and Content">
-    <p:spTree>
-      <p:nvGrpSpPr>
-        <p:cNvPr id="1" name=""/>
-        <p:cNvGrpSpPr/>
-        <p:nvPr/>
-      </p:nvGrpSpPr>
-      <p:grpSpPr>
-        <a:xfrm>
-          <a:off x="0" y="0"/>
-          <a:ext cx="0" cy="0"/>
-          <a:chOff x="0" y="0"/>
-          <a:chExt cx="0" cy="0"/>
-        </a:xfrm>
-      </p:grpSpPr>
-      <p:sp>
-        <p:nvSpPr>
-          <p:cNvPr id="4" name="Text Placeholder 3"/>
-          <p:cNvSpPr>
-            <a:spLocks noGrp="1"/>
-          </p:cNvSpPr>
-          <p:nvPr>
-            <p:ph type="body" sz="quarter" idx="10"/>
-          </p:nvPr>
-        </p:nvSpPr>
-        <p:spPr>
-          <a:xfrm>
-            <a:off x="269239" y="1189177"/>
-            <a:ext cx="11653523" cy="2052030"/>
-          </a:xfrm>
-        </p:spPr>
-        <p:txBody>
-          <a:bodyPr>
-            <a:spAutoFit/>
-          </a:bodyPr>
-          <a:lstStyle>
-            <a:lvl1pPr>
-              <a:defRPr sz="3921"/>
-            </a:lvl1pPr>
-          </a:lstStyle>
-          <a:p>
-            <a:pPr lvl="0"/>
-            <a:r>
-              <a:rPr lang="en-US" smtClean="0"/>
-              <a:t>Click to edit Master text styles</a:t>
-            </a:r>
-          </a:p>
-          <a:p>
-            <a:pPr lvl="1"/>
-            <a:r>
-              <a:rPr lang="en-US" smtClean="0"/>
-              <a:t>Second level</a:t>
-            </a:r>
-          </a:p>
-          <a:p>
-            <a:pPr lvl="2"/>
-            <a:r>
-              <a:rPr lang="en-US" smtClean="0"/>
-              <a:t>Third level</a:t>
-            </a:r>
-          </a:p>
-          <a:p>
-            <a:pPr lvl="3"/>
-            <a:r>
-              <a:rPr lang="en-US" smtClean="0"/>
-              <a:t>Fourth level</a:t>
-            </a:r>
-          </a:p>
-          <a:p>
-            <a:pPr lvl="4"/>
-            <a:r>
-              <a:rPr lang="en-US" smtClean="0"/>
-              <a:t>Fifth level</a:t>
-            </a:r>
-            <a:endParaRPr lang="en-US" dirty="0"/>
-          </a:p>
-        </p:txBody>
-      </p:sp>
-      <p:sp>
-        <p:nvSpPr>
-          <p:cNvPr id="6" name="Title 5"/>
-          <p:cNvSpPr>
-            <a:spLocks noGrp="1"/>
-          </p:cNvSpPr>
-          <p:nvPr>
-            <p:ph type="title"/>
-          </p:nvPr>
-        </p:nvSpPr>
-        <p:spPr/>
-        <p:txBody>
-          <a:bodyPr/>
-          <a:lstStyle/>
-          <a:p>
-            <a:r>
-              <a:rPr lang="en-US" smtClean="0"/>
-              <a:t>Click to edit Master title style</a:t>
-            </a:r>
-            <a:endParaRPr lang="en-US"/>
-          </a:p>
-        </p:txBody>
-      </p:sp>
-    </p:spTree>
-    <p:extLst>
-      <p:ext uri="{BB962C8B-B14F-4D97-AF65-F5344CB8AC3E}">
-        <p14:creationId xmlns:p14="http://schemas.microsoft.com/office/powerpoint/2010/main" val="4025054516"/>
-      </p:ext>
-    </p:extLst>
-  </p:cSld>
-  <p:clrMapOvr>
-    <a:masterClrMapping/>
-  </p:clrMapOvr>
-  <p:transition>
-    <p:fade/>
-  </p:transition>
-  <p:timing>
-    <p:tnLst>
-      <p:par>
-        <p:cTn id="1" dur="indefinite" restart="never" nodeType="tmRoot"/>
-      </p:par>
-    </p:tnLst>
-  </p:timing>
-</p:sldLayout>
-</file>
-
-<file path=ppt/slideLayouts/slideLayout20.xml><?xml version="1.0" encoding="utf-8"?>
+<file path=ppt/slideLayouts/slideLayout21.xml><?xml version="1.0" encoding="utf-8"?>
 <p:sldLayout xmlns:a="http://schemas.openxmlformats.org/drawingml/2006/main" xmlns:r="http://schemas.openxmlformats.org/officeDocument/2006/relationships" xmlns:p="http://schemas.openxmlformats.org/presentationml/2006/main" preserve="1" userDrawn="1">
   <p:cSld name="Title &amp; Non-bulleted text">
     <p:spTree>
@@ -3690,7 +5000,7 @@
 </p:sldLayout>
 </file>
 
-<file path=ppt/slideLayouts/slideLayout21.xml><?xml version="1.0" encoding="utf-8"?>
+<file path=ppt/slideLayouts/slideLayout22.xml><?xml version="1.0" encoding="utf-8"?>
 <p:sldLayout xmlns:a="http://schemas.openxmlformats.org/drawingml/2006/main" xmlns:r="http://schemas.openxmlformats.org/officeDocument/2006/relationships" xmlns:p="http://schemas.openxmlformats.org/presentationml/2006/main" preserve="1" userDrawn="1">
   <p:cSld name="Title and Content 1st level color text">
     <p:spTree>
@@ -3828,7 +5138,7 @@
 </p:sldLayout>
 </file>
 
-<file path=ppt/slideLayouts/slideLayout22.xml><?xml version="1.0" encoding="utf-8"?>
+<file path=ppt/slideLayouts/slideLayout23.xml><?xml version="1.0" encoding="utf-8"?>
 <p:sldLayout xmlns:a="http://schemas.openxmlformats.org/drawingml/2006/main" xmlns:r="http://schemas.openxmlformats.org/officeDocument/2006/relationships" xmlns:p="http://schemas.openxmlformats.org/presentationml/2006/main" preserve="1" userDrawn="1">
   <p:cSld name="Title and Content">
     <p:spTree>
@@ -3954,7 +5264,7 @@
 </p:sldLayout>
 </file>
 
-<file path=ppt/slideLayouts/slideLayout23.xml><?xml version="1.0" encoding="utf-8"?>
+<file path=ppt/slideLayouts/slideLayout24.xml><?xml version="1.0" encoding="utf-8"?>
 <p:sldLayout xmlns:a="http://schemas.openxmlformats.org/drawingml/2006/main" xmlns:r="http://schemas.openxmlformats.org/officeDocument/2006/relationships" xmlns:p="http://schemas.openxmlformats.org/presentationml/2006/main" preserve="1" userDrawn="1">
   <p:cSld name="Two Column 2-color Non-bulleted">
     <p:spTree>
@@ -4219,7 +5529,7 @@
 </p:sldLayout>
 </file>
 
-<file path=ppt/slideLayouts/slideLayout24.xml><?xml version="1.0" encoding="utf-8"?>
+<file path=ppt/slideLayouts/slideLayout25.xml><?xml version="1.0" encoding="utf-8"?>
 <p:sldLayout xmlns:a="http://schemas.openxmlformats.org/drawingml/2006/main" xmlns:r="http://schemas.openxmlformats.org/officeDocument/2006/relationships" xmlns:p="http://schemas.openxmlformats.org/presentationml/2006/main" preserve="1" userDrawn="1">
   <p:cSld name="Two Column Non-bulleted text">
     <p:spTree>
@@ -4460,7 +5770,7 @@
 </p:sldLayout>
 </file>
 
-<file path=ppt/slideLayouts/slideLayout25.xml><?xml version="1.0" encoding="utf-8"?>
+<file path=ppt/slideLayouts/slideLayout26.xml><?xml version="1.0" encoding="utf-8"?>
 <p:sldLayout xmlns:a="http://schemas.openxmlformats.org/drawingml/2006/main" xmlns:r="http://schemas.openxmlformats.org/officeDocument/2006/relationships" xmlns:p="http://schemas.openxmlformats.org/presentationml/2006/main" preserve="1" userDrawn="1">
   <p:cSld name="Two Column Bullet text 1st level color">
     <p:spTree>
@@ -4717,7 +6027,7 @@
 </p:sldLayout>
 </file>
 
-<file path=ppt/slideLayouts/slideLayout26.xml><?xml version="1.0" encoding="utf-8"?>
+<file path=ppt/slideLayouts/slideLayout27.xml><?xml version="1.0" encoding="utf-8"?>
 <p:sldLayout xmlns:a="http://schemas.openxmlformats.org/drawingml/2006/main" xmlns:r="http://schemas.openxmlformats.org/officeDocument/2006/relationships" xmlns:p="http://schemas.openxmlformats.org/presentationml/2006/main" preserve="1" userDrawn="1">
   <p:cSld name="Two Column Bullet text">
     <p:spTree>
@@ -4950,7 +6260,7 @@
 </p:sldLayout>
 </file>
 
-<file path=ppt/slideLayouts/slideLayout27.xml><?xml version="1.0" encoding="utf-8"?>
+<file path=ppt/slideLayouts/slideLayout28.xml><?xml version="1.0" encoding="utf-8"?>
 <p:sldLayout xmlns:a="http://schemas.openxmlformats.org/drawingml/2006/main" xmlns:r="http://schemas.openxmlformats.org/officeDocument/2006/relationships" xmlns:p="http://schemas.openxmlformats.org/presentationml/2006/main" preserve="1" userDrawn="1">
   <p:cSld name="Title Only">
     <p:spTree>
@@ -5013,7 +6323,7 @@
 </p:sldLayout>
 </file>
 
-<file path=ppt/slideLayouts/slideLayout28.xml><?xml version="1.0" encoding="utf-8"?>
+<file path=ppt/slideLayouts/slideLayout29.xml><?xml version="1.0" encoding="utf-8"?>
 <p:sldLayout xmlns:a="http://schemas.openxmlformats.org/drawingml/2006/main" xmlns:r="http://schemas.openxmlformats.org/officeDocument/2006/relationships" xmlns:p="http://schemas.openxmlformats.org/presentationml/2006/main" preserve="1" userDrawn="1">
   <p:cSld name="Demo slide Charcoal">
     <p:bg>
@@ -5617,7 +6927,248 @@
 </p:sldLayout>
 </file>
 
-<file path=ppt/slideLayouts/slideLayout29.xml><?xml version="1.0" encoding="utf-8"?>
+<file path=ppt/slideLayouts/slideLayout3.xml><?xml version="1.0" encoding="utf-8"?>
+<p:sldLayout xmlns:a="http://schemas.openxmlformats.org/drawingml/2006/main" xmlns:r="http://schemas.openxmlformats.org/officeDocument/2006/relationships" xmlns:p="http://schemas.openxmlformats.org/presentationml/2006/main" preserve="1" userDrawn="1">
+  <p:cSld name="Two Column Non-bulleted text">
+    <p:spTree>
+      <p:nvGrpSpPr>
+        <p:cNvPr id="1" name=""/>
+        <p:cNvGrpSpPr/>
+        <p:nvPr/>
+      </p:nvGrpSpPr>
+      <p:grpSpPr>
+        <a:xfrm>
+          <a:off x="0" y="0"/>
+          <a:ext cx="0" cy="0"/>
+          <a:chOff x="0" y="0"/>
+          <a:chExt cx="0" cy="0"/>
+        </a:xfrm>
+      </p:grpSpPr>
+      <p:sp>
+        <p:nvSpPr>
+          <p:cNvPr id="2" name="Title 1"/>
+          <p:cNvSpPr>
+            <a:spLocks noGrp="1"/>
+          </p:cNvSpPr>
+          <p:nvPr>
+            <p:ph type="title"/>
+          </p:nvPr>
+        </p:nvSpPr>
+        <p:spPr/>
+        <p:txBody>
+          <a:bodyPr/>
+          <a:lstStyle/>
+          <a:p>
+            <a:r>
+              <a:rPr lang="en-US" smtClean="0"/>
+              <a:t>Click to edit Master title style</a:t>
+            </a:r>
+            <a:endParaRPr lang="en-US" dirty="0"/>
+          </a:p>
+        </p:txBody>
+      </p:sp>
+      <p:sp>
+        <p:nvSpPr>
+          <p:cNvPr id="4" name="Text Placeholder 3"/>
+          <p:cNvSpPr>
+            <a:spLocks noGrp="1"/>
+          </p:cNvSpPr>
+          <p:nvPr>
+            <p:ph type="body" sz="quarter" idx="10"/>
+          </p:nvPr>
+        </p:nvSpPr>
+        <p:spPr>
+          <a:xfrm>
+            <a:off x="269241" y="1189175"/>
+            <a:ext cx="5378548" cy="1877004"/>
+          </a:xfrm>
+        </p:spPr>
+        <p:txBody>
+          <a:bodyPr wrap="square">
+            <a:spAutoFit/>
+          </a:bodyPr>
+          <a:lstStyle>
+            <a:lvl1pPr marL="0" indent="0">
+              <a:spcBef>
+                <a:spcPts val="1200"/>
+              </a:spcBef>
+              <a:buClr>
+                <a:schemeClr val="tx1"/>
+              </a:buClr>
+              <a:buFont typeface="Wingdings" pitchFamily="2" charset="2"/>
+              <a:buNone/>
+              <a:defRPr sz="3137"/>
+            </a:lvl1pPr>
+            <a:lvl2pPr marL="0" indent="0">
+              <a:buNone/>
+              <a:defRPr sz="1961"/>
+            </a:lvl2pPr>
+            <a:lvl3pPr marL="227209" indent="0">
+              <a:buNone/>
+              <a:tabLst/>
+              <a:defRPr sz="1961"/>
+            </a:lvl3pPr>
+            <a:lvl4pPr marL="451306" indent="0">
+              <a:buNone/>
+              <a:defRPr/>
+            </a:lvl4pPr>
+            <a:lvl5pPr marL="672290" indent="0">
+              <a:buNone/>
+              <a:tabLst/>
+              <a:defRPr/>
+            </a:lvl5pPr>
+          </a:lstStyle>
+          <a:p>
+            <a:pPr lvl="0"/>
+            <a:r>
+              <a:rPr lang="en-US" smtClean="0"/>
+              <a:t>Click to edit Master text styles</a:t>
+            </a:r>
+          </a:p>
+          <a:p>
+            <a:pPr lvl="1"/>
+            <a:r>
+              <a:rPr lang="en-US" smtClean="0"/>
+              <a:t>Second level</a:t>
+            </a:r>
+          </a:p>
+          <a:p>
+            <a:pPr lvl="2"/>
+            <a:r>
+              <a:rPr lang="en-US" smtClean="0"/>
+              <a:t>Third level</a:t>
+            </a:r>
+          </a:p>
+          <a:p>
+            <a:pPr lvl="3"/>
+            <a:r>
+              <a:rPr lang="en-US" smtClean="0"/>
+              <a:t>Fourth level</a:t>
+            </a:r>
+          </a:p>
+          <a:p>
+            <a:pPr lvl="4"/>
+            <a:r>
+              <a:rPr lang="en-US" smtClean="0"/>
+              <a:t>Fifth level</a:t>
+            </a:r>
+            <a:endParaRPr lang="en-US" dirty="0"/>
+          </a:p>
+        </p:txBody>
+      </p:sp>
+      <p:sp>
+        <p:nvSpPr>
+          <p:cNvPr id="5" name="Text Placeholder 3"/>
+          <p:cNvSpPr>
+            <a:spLocks noGrp="1"/>
+          </p:cNvSpPr>
+          <p:nvPr>
+            <p:ph type="body" sz="quarter" idx="11"/>
+          </p:nvPr>
+        </p:nvSpPr>
+        <p:spPr>
+          <a:xfrm>
+            <a:off x="6544214" y="1189175"/>
+            <a:ext cx="5378548" cy="1877004"/>
+          </a:xfrm>
+        </p:spPr>
+        <p:txBody>
+          <a:bodyPr wrap="square">
+            <a:spAutoFit/>
+          </a:bodyPr>
+          <a:lstStyle>
+            <a:lvl1pPr marL="0" indent="0">
+              <a:spcBef>
+                <a:spcPts val="1200"/>
+              </a:spcBef>
+              <a:buClr>
+                <a:schemeClr val="tx1"/>
+              </a:buClr>
+              <a:buFont typeface="Wingdings" pitchFamily="2" charset="2"/>
+              <a:buNone/>
+              <a:defRPr sz="3137"/>
+            </a:lvl1pPr>
+            <a:lvl2pPr marL="0" indent="0">
+              <a:buNone/>
+              <a:defRPr sz="1961"/>
+            </a:lvl2pPr>
+            <a:lvl3pPr marL="227209" indent="0">
+              <a:buNone/>
+              <a:tabLst/>
+              <a:defRPr sz="1961"/>
+            </a:lvl3pPr>
+            <a:lvl4pPr marL="451306" indent="0">
+              <a:buNone/>
+              <a:defRPr/>
+            </a:lvl4pPr>
+            <a:lvl5pPr marL="672290" indent="0">
+              <a:buNone/>
+              <a:tabLst/>
+              <a:defRPr/>
+            </a:lvl5pPr>
+          </a:lstStyle>
+          <a:p>
+            <a:pPr lvl="0"/>
+            <a:r>
+              <a:rPr lang="en-US" smtClean="0"/>
+              <a:t>Click to edit Master text styles</a:t>
+            </a:r>
+          </a:p>
+          <a:p>
+            <a:pPr lvl="1"/>
+            <a:r>
+              <a:rPr lang="en-US" smtClean="0"/>
+              <a:t>Second level</a:t>
+            </a:r>
+          </a:p>
+          <a:p>
+            <a:pPr lvl="2"/>
+            <a:r>
+              <a:rPr lang="en-US" smtClean="0"/>
+              <a:t>Third level</a:t>
+            </a:r>
+          </a:p>
+          <a:p>
+            <a:pPr lvl="3"/>
+            <a:r>
+              <a:rPr lang="en-US" smtClean="0"/>
+              <a:t>Fourth level</a:t>
+            </a:r>
+          </a:p>
+          <a:p>
+            <a:pPr lvl="4"/>
+            <a:r>
+              <a:rPr lang="en-US" smtClean="0"/>
+              <a:t>Fifth level</a:t>
+            </a:r>
+            <a:endParaRPr lang="en-US" dirty="0"/>
+          </a:p>
+        </p:txBody>
+      </p:sp>
+    </p:spTree>
+    <p:extLst>
+      <p:ext uri="{BB962C8B-B14F-4D97-AF65-F5344CB8AC3E}">
+        <p14:creationId xmlns:p14="http://schemas.microsoft.com/office/powerpoint/2010/main" val="515753831"/>
+      </p:ext>
+    </p:extLst>
+  </p:cSld>
+  <p:clrMapOvr>
+    <a:masterClrMapping/>
+  </p:clrMapOvr>
+  <p:transition>
+    <p:fade/>
+  </p:transition>
+  <p:timing>
+    <p:tnLst>
+      <p:par>
+        <p:cTn id="1" dur="indefinite" restart="never" nodeType="tmRoot"/>
+      </p:par>
+    </p:tnLst>
+  </p:timing>
+</p:sldLayout>
+</file>
+
+<file path=ppt/slideLayouts/slideLayout30.xml><?xml version="1.0" encoding="utf-8"?>
 <p:sldLayout xmlns:a="http://schemas.openxmlformats.org/drawingml/2006/main" xmlns:r="http://schemas.openxmlformats.org/officeDocument/2006/relationships" xmlns:p="http://schemas.openxmlformats.org/presentationml/2006/main" preserve="1">
   <p:cSld name="Recording">
     <p:spTree>
@@ -5714,248 +7265,7 @@
 </p:sldLayout>
 </file>
 
-<file path=ppt/slideLayouts/slideLayout3.xml><?xml version="1.0" encoding="utf-8"?>
-<p:sldLayout xmlns:a="http://schemas.openxmlformats.org/drawingml/2006/main" xmlns:r="http://schemas.openxmlformats.org/officeDocument/2006/relationships" xmlns:p="http://schemas.openxmlformats.org/presentationml/2006/main" preserve="1" userDrawn="1">
-  <p:cSld name="Two Column Non-bulleted text">
-    <p:spTree>
-      <p:nvGrpSpPr>
-        <p:cNvPr id="1" name=""/>
-        <p:cNvGrpSpPr/>
-        <p:nvPr/>
-      </p:nvGrpSpPr>
-      <p:grpSpPr>
-        <a:xfrm>
-          <a:off x="0" y="0"/>
-          <a:ext cx="0" cy="0"/>
-          <a:chOff x="0" y="0"/>
-          <a:chExt cx="0" cy="0"/>
-        </a:xfrm>
-      </p:grpSpPr>
-      <p:sp>
-        <p:nvSpPr>
-          <p:cNvPr id="2" name="Title 1"/>
-          <p:cNvSpPr>
-            <a:spLocks noGrp="1"/>
-          </p:cNvSpPr>
-          <p:nvPr>
-            <p:ph type="title"/>
-          </p:nvPr>
-        </p:nvSpPr>
-        <p:spPr/>
-        <p:txBody>
-          <a:bodyPr/>
-          <a:lstStyle/>
-          <a:p>
-            <a:r>
-              <a:rPr lang="en-US" smtClean="0"/>
-              <a:t>Click to edit Master title style</a:t>
-            </a:r>
-            <a:endParaRPr lang="en-US" dirty="0"/>
-          </a:p>
-        </p:txBody>
-      </p:sp>
-      <p:sp>
-        <p:nvSpPr>
-          <p:cNvPr id="4" name="Text Placeholder 3"/>
-          <p:cNvSpPr>
-            <a:spLocks noGrp="1"/>
-          </p:cNvSpPr>
-          <p:nvPr>
-            <p:ph type="body" sz="quarter" idx="10"/>
-          </p:nvPr>
-        </p:nvSpPr>
-        <p:spPr>
-          <a:xfrm>
-            <a:off x="269241" y="1189175"/>
-            <a:ext cx="5378548" cy="1877004"/>
-          </a:xfrm>
-        </p:spPr>
-        <p:txBody>
-          <a:bodyPr wrap="square">
-            <a:spAutoFit/>
-          </a:bodyPr>
-          <a:lstStyle>
-            <a:lvl1pPr marL="0" indent="0">
-              <a:spcBef>
-                <a:spcPts val="1200"/>
-              </a:spcBef>
-              <a:buClr>
-                <a:schemeClr val="tx1"/>
-              </a:buClr>
-              <a:buFont typeface="Wingdings" pitchFamily="2" charset="2"/>
-              <a:buNone/>
-              <a:defRPr sz="3137"/>
-            </a:lvl1pPr>
-            <a:lvl2pPr marL="0" indent="0">
-              <a:buNone/>
-              <a:defRPr sz="1961"/>
-            </a:lvl2pPr>
-            <a:lvl3pPr marL="227209" indent="0">
-              <a:buNone/>
-              <a:tabLst/>
-              <a:defRPr sz="1961"/>
-            </a:lvl3pPr>
-            <a:lvl4pPr marL="451306" indent="0">
-              <a:buNone/>
-              <a:defRPr/>
-            </a:lvl4pPr>
-            <a:lvl5pPr marL="672290" indent="0">
-              <a:buNone/>
-              <a:tabLst/>
-              <a:defRPr/>
-            </a:lvl5pPr>
-          </a:lstStyle>
-          <a:p>
-            <a:pPr lvl="0"/>
-            <a:r>
-              <a:rPr lang="en-US" smtClean="0"/>
-              <a:t>Click to edit Master text styles</a:t>
-            </a:r>
-          </a:p>
-          <a:p>
-            <a:pPr lvl="1"/>
-            <a:r>
-              <a:rPr lang="en-US" smtClean="0"/>
-              <a:t>Second level</a:t>
-            </a:r>
-          </a:p>
-          <a:p>
-            <a:pPr lvl="2"/>
-            <a:r>
-              <a:rPr lang="en-US" smtClean="0"/>
-              <a:t>Third level</a:t>
-            </a:r>
-          </a:p>
-          <a:p>
-            <a:pPr lvl="3"/>
-            <a:r>
-              <a:rPr lang="en-US" smtClean="0"/>
-              <a:t>Fourth level</a:t>
-            </a:r>
-          </a:p>
-          <a:p>
-            <a:pPr lvl="4"/>
-            <a:r>
-              <a:rPr lang="en-US" smtClean="0"/>
-              <a:t>Fifth level</a:t>
-            </a:r>
-            <a:endParaRPr lang="en-US" dirty="0"/>
-          </a:p>
-        </p:txBody>
-      </p:sp>
-      <p:sp>
-        <p:nvSpPr>
-          <p:cNvPr id="5" name="Text Placeholder 3"/>
-          <p:cNvSpPr>
-            <a:spLocks noGrp="1"/>
-          </p:cNvSpPr>
-          <p:nvPr>
-            <p:ph type="body" sz="quarter" idx="11"/>
-          </p:nvPr>
-        </p:nvSpPr>
-        <p:spPr>
-          <a:xfrm>
-            <a:off x="6544214" y="1189175"/>
-            <a:ext cx="5378548" cy="1877004"/>
-          </a:xfrm>
-        </p:spPr>
-        <p:txBody>
-          <a:bodyPr wrap="square">
-            <a:spAutoFit/>
-          </a:bodyPr>
-          <a:lstStyle>
-            <a:lvl1pPr marL="0" indent="0">
-              <a:spcBef>
-                <a:spcPts val="1200"/>
-              </a:spcBef>
-              <a:buClr>
-                <a:schemeClr val="tx1"/>
-              </a:buClr>
-              <a:buFont typeface="Wingdings" pitchFamily="2" charset="2"/>
-              <a:buNone/>
-              <a:defRPr sz="3137"/>
-            </a:lvl1pPr>
-            <a:lvl2pPr marL="0" indent="0">
-              <a:buNone/>
-              <a:defRPr sz="1961"/>
-            </a:lvl2pPr>
-            <a:lvl3pPr marL="227209" indent="0">
-              <a:buNone/>
-              <a:tabLst/>
-              <a:defRPr sz="1961"/>
-            </a:lvl3pPr>
-            <a:lvl4pPr marL="451306" indent="0">
-              <a:buNone/>
-              <a:defRPr/>
-            </a:lvl4pPr>
-            <a:lvl5pPr marL="672290" indent="0">
-              <a:buNone/>
-              <a:tabLst/>
-              <a:defRPr/>
-            </a:lvl5pPr>
-          </a:lstStyle>
-          <a:p>
-            <a:pPr lvl="0"/>
-            <a:r>
-              <a:rPr lang="en-US" smtClean="0"/>
-              <a:t>Click to edit Master text styles</a:t>
-            </a:r>
-          </a:p>
-          <a:p>
-            <a:pPr lvl="1"/>
-            <a:r>
-              <a:rPr lang="en-US" smtClean="0"/>
-              <a:t>Second level</a:t>
-            </a:r>
-          </a:p>
-          <a:p>
-            <a:pPr lvl="2"/>
-            <a:r>
-              <a:rPr lang="en-US" smtClean="0"/>
-              <a:t>Third level</a:t>
-            </a:r>
-          </a:p>
-          <a:p>
-            <a:pPr lvl="3"/>
-            <a:r>
-              <a:rPr lang="en-US" smtClean="0"/>
-              <a:t>Fourth level</a:t>
-            </a:r>
-          </a:p>
-          <a:p>
-            <a:pPr lvl="4"/>
-            <a:r>
-              <a:rPr lang="en-US" smtClean="0"/>
-              <a:t>Fifth level</a:t>
-            </a:r>
-            <a:endParaRPr lang="en-US" dirty="0"/>
-          </a:p>
-        </p:txBody>
-      </p:sp>
-    </p:spTree>
-    <p:extLst>
-      <p:ext uri="{BB962C8B-B14F-4D97-AF65-F5344CB8AC3E}">
-        <p14:creationId xmlns:p14="http://schemas.microsoft.com/office/powerpoint/2010/main" val="515753831"/>
-      </p:ext>
-    </p:extLst>
-  </p:cSld>
-  <p:clrMapOvr>
-    <a:masterClrMapping/>
-  </p:clrMapOvr>
-  <p:transition>
-    <p:fade/>
-  </p:transition>
-  <p:timing>
-    <p:tnLst>
-      <p:par>
-        <p:cTn id="1" dur="indefinite" restart="never" nodeType="tmRoot"/>
-      </p:par>
-    </p:tnLst>
-  </p:timing>
-</p:sldLayout>
-</file>
-
-<file path=ppt/slideLayouts/slideLayout30.xml><?xml version="1.0" encoding="utf-8"?>
+<file path=ppt/slideLayouts/slideLayout31.xml><?xml version="1.0" encoding="utf-8"?>
 <p:sldLayout xmlns:a="http://schemas.openxmlformats.org/drawingml/2006/main" xmlns:r="http://schemas.openxmlformats.org/officeDocument/2006/relationships" xmlns:p="http://schemas.openxmlformats.org/presentationml/2006/main" preserve="1" userDrawn="1">
   <p:cSld name="Section Title Accent Color 2">
     <p:bg>
@@ -6050,7 +7360,313 @@
 </p:sldLayout>
 </file>
 
-<file path=ppt/slideLayouts/slideLayout31.xml><?xml version="1.0" encoding="utf-8"?>
+<file path=ppt/slideLayouts/slideLayout32.xml><?xml version="1.0" encoding="utf-8"?>
+<p:sldLayout xmlns:a="http://schemas.openxmlformats.org/drawingml/2006/main" xmlns:r="http://schemas.openxmlformats.org/officeDocument/2006/relationships" xmlns:p="http://schemas.openxmlformats.org/presentationml/2006/main" userDrawn="1">
+  <p:cSld name="Contacts">
+    <p:bg>
+      <p:bgPr>
+        <a:solidFill>
+          <a:schemeClr val="tx2"/>
+        </a:solidFill>
+        <a:effectLst/>
+      </p:bgPr>
+    </p:bg>
+    <p:spTree>
+      <p:nvGrpSpPr>
+        <p:cNvPr id="1" name=""/>
+        <p:cNvGrpSpPr/>
+        <p:nvPr/>
+      </p:nvGrpSpPr>
+      <p:grpSpPr>
+        <a:xfrm>
+          <a:off x="0" y="0"/>
+          <a:ext cx="0" cy="0"/>
+          <a:chOff x="0" y="0"/>
+          <a:chExt cx="0" cy="0"/>
+        </a:xfrm>
+      </p:grpSpPr>
+      <p:sp>
+        <p:nvSpPr>
+          <p:cNvPr id="2" name="Заголовок 1"/>
+          <p:cNvSpPr>
+            <a:spLocks noGrp="1"/>
+          </p:cNvSpPr>
+          <p:nvPr>
+            <p:ph type="title"/>
+          </p:nvPr>
+        </p:nvSpPr>
+        <p:spPr/>
+        <p:txBody>
+          <a:bodyPr/>
+          <a:lstStyle>
+            <a:lvl1pPr>
+              <a:defRPr>
+                <a:solidFill>
+                  <a:schemeClr val="bg1"/>
+                </a:solidFill>
+              </a:defRPr>
+            </a:lvl1pPr>
+          </a:lstStyle>
+          <a:p>
+            <a:r>
+              <a:rPr lang="ru-RU" dirty="0" smtClean="0"/>
+              <a:t>Образец заголовка</a:t>
+            </a:r>
+            <a:endParaRPr lang="ru-RU" dirty="0"/>
+          </a:p>
+        </p:txBody>
+      </p:sp>
+      <p:sp>
+        <p:nvSpPr>
+          <p:cNvPr id="3" name="Объект 2"/>
+          <p:cNvSpPr>
+            <a:spLocks noGrp="1"/>
+          </p:cNvSpPr>
+          <p:nvPr>
+            <p:ph idx="1"/>
+          </p:nvPr>
+        </p:nvSpPr>
+        <p:spPr>
+          <a:xfrm>
+            <a:off x="1056000" y="4149138"/>
+            <a:ext cx="10297800" cy="2159862"/>
+          </a:xfrm>
+        </p:spPr>
+        <p:txBody>
+          <a:bodyPr/>
+          <a:lstStyle>
+            <a:lvl1pPr marL="0" indent="0">
+              <a:buNone/>
+              <a:defRPr lang="en-US" dirty="0" smtClean="0">
+                <a:solidFill>
+                  <a:schemeClr val="bg1"/>
+                </a:solidFill>
+              </a:defRPr>
+            </a:lvl1pPr>
+            <a:lvl2pPr marL="0" indent="0">
+              <a:buNone/>
+              <a:defRPr>
+                <a:ln>
+                  <a:noFill/>
+                </a:ln>
+                <a:solidFill>
+                  <a:schemeClr val="bg1">
+                    <a:lumMod val="85000"/>
+                  </a:schemeClr>
+                </a:solidFill>
+              </a:defRPr>
+            </a:lvl2pPr>
+            <a:lvl3pPr marL="273050" indent="-185738">
+              <a:buFont typeface="Wingdings" panose="05000000000000000000" pitchFamily="2" charset="2"/>
+              <a:buChar char="§"/>
+              <a:defRPr>
+                <a:ln>
+                  <a:noFill/>
+                </a:ln>
+                <a:solidFill>
+                  <a:schemeClr val="bg1">
+                    <a:lumMod val="85000"/>
+                  </a:schemeClr>
+                </a:solidFill>
+              </a:defRPr>
+            </a:lvl3pPr>
+            <a:lvl4pPr marL="1371600" indent="0">
+              <a:buNone/>
+              <a:defRPr/>
+            </a:lvl4pPr>
+            <a:lvl5pPr marL="1828800" indent="0">
+              <a:buNone/>
+              <a:defRPr/>
+            </a:lvl5pPr>
+          </a:lstStyle>
+          <a:p>
+            <a:pPr lvl="0"/>
+            <a:r>
+              <a:rPr lang="ru-RU" dirty="0" smtClean="0"/>
+              <a:t>Образец текста</a:t>
+            </a:r>
+            <a:endParaRPr lang="en-US" dirty="0" smtClean="0"/>
+          </a:p>
+          <a:p>
+            <a:pPr lvl="1"/>
+            <a:r>
+              <a:rPr lang="ru-RU" dirty="0" smtClean="0"/>
+              <a:t>Второй уровень</a:t>
+            </a:r>
+          </a:p>
+          <a:p>
+            <a:pPr lvl="2"/>
+            <a:r>
+              <a:rPr lang="ru-RU" dirty="0" smtClean="0"/>
+              <a:t>Третий уровень</a:t>
+            </a:r>
+            <a:endParaRPr lang="ru-RU" dirty="0"/>
+          </a:p>
+        </p:txBody>
+      </p:sp>
+      <p:sp>
+        <p:nvSpPr>
+          <p:cNvPr id="5" name="Рисунок 4"/>
+          <p:cNvSpPr>
+            <a:spLocks noGrp="1"/>
+          </p:cNvSpPr>
+          <p:nvPr>
+            <p:ph type="pic" sz="quarter" idx="10"/>
+          </p:nvPr>
+        </p:nvSpPr>
+        <p:spPr>
+          <a:xfrm>
+            <a:off x="1116000" y="1449388"/>
+            <a:ext cx="2460000" cy="2519362"/>
+          </a:xfrm>
+          <a:prstGeom prst="wedgeEllipseCallout">
+            <a:avLst>
+              <a:gd name="adj1" fmla="val -49528"/>
+              <a:gd name="adj2" fmla="val 49797"/>
+            </a:avLst>
+          </a:prstGeom>
+          <a:solidFill>
+            <a:schemeClr val="accent3"/>
+          </a:solidFill>
+        </p:spPr>
+        <p:txBody>
+          <a:bodyPr/>
+          <a:lstStyle/>
+          <a:p>
+            <a:endParaRPr lang="ru-RU"/>
+          </a:p>
+        </p:txBody>
+      </p:sp>
+    </p:spTree>
+    <p:extLst>
+      <p:ext uri="{BB962C8B-B14F-4D97-AF65-F5344CB8AC3E}">
+        <p14:creationId xmlns:p14="http://schemas.microsoft.com/office/powerpoint/2010/main" val="2231920653"/>
+      </p:ext>
+    </p:extLst>
+  </p:cSld>
+  <p:clrMapOvr>
+    <a:masterClrMapping/>
+  </p:clrMapOvr>
+</p:sldLayout>
+</file>
+
+<file path=ppt/slideLayouts/slideLayout33.xml><?xml version="1.0" encoding="utf-8"?>
+<p:sldLayout xmlns:a="http://schemas.openxmlformats.org/drawingml/2006/main" xmlns:r="http://schemas.openxmlformats.org/officeDocument/2006/relationships" xmlns:p="http://schemas.openxmlformats.org/presentationml/2006/main" userDrawn="1">
+  <p:cSld name="Microsoft">
+    <p:spTree>
+      <p:nvGrpSpPr>
+        <p:cNvPr id="1" name=""/>
+        <p:cNvGrpSpPr/>
+        <p:nvPr/>
+      </p:nvGrpSpPr>
+      <p:grpSpPr>
+        <a:xfrm>
+          <a:off x="0" y="0"/>
+          <a:ext cx="0" cy="0"/>
+          <a:chOff x="0" y="0"/>
+          <a:chExt cx="0" cy="0"/>
+        </a:xfrm>
+      </p:grpSpPr>
+      <p:sp>
+        <p:nvSpPr>
+          <p:cNvPr id="3" name="Text Box 3"/>
+          <p:cNvSpPr txBox="1">
+            <a:spLocks noChangeArrowheads="1"/>
+          </p:cNvSpPr>
+          <p:nvPr userDrawn="1"/>
+        </p:nvSpPr>
+        <p:spPr bwMode="blackWhite">
+          <a:xfrm>
+            <a:off x="522288" y="6298299"/>
+            <a:ext cx="11173090" cy="323165"/>
+          </a:xfrm>
+          <a:prstGeom prst="rect">
+            <a:avLst/>
+          </a:prstGeom>
+          <a:noFill/>
+          <a:ln w="12700">
+            <a:noFill/>
+            <a:miter lim="800000"/>
+            <a:headEnd type="none" w="sm" len="sm"/>
+            <a:tailEnd type="none" w="sm" len="sm"/>
+          </a:ln>
+          <a:effectLst/>
+        </p:spPr>
+        <p:txBody>
+          <a:bodyPr lIns="0" tIns="0" rIns="0" bIns="0">
+            <a:spAutoFit/>
+          </a:bodyPr>
+          <a:lstStyle/>
+          <a:p>
+            <a:pPr defTabSz="914099" eaLnBrk="0" hangingPunct="0">
+              <a:defRPr/>
+            </a:pPr>
+            <a:r>
+              <a:rPr lang="en-US" sz="700" dirty="0">
+                <a:latin typeface="Segoe UI" pitchFamily="34" charset="0"/>
+                <a:cs typeface="Arial" charset="0"/>
+              </a:rPr>
+              <a:t>© 2013 Microsoft Corporation. All rights reserved. Microsoft, Windows, Windows Vista and other product names are or may be registered trademarks and/or trademarks in the U.S. and/or other countries.</a:t>
+            </a:r>
+          </a:p>
+          <a:p>
+            <a:pPr defTabSz="914099" eaLnBrk="0" hangingPunct="0">
+              <a:defRPr/>
+            </a:pPr>
+            <a:r>
+              <a:rPr lang="en-US" sz="700" dirty="0">
+                <a:latin typeface="Segoe UI" pitchFamily="34" charset="0"/>
+                <a:cs typeface="Arial" charset="0"/>
+              </a:rPr>
+              <a:t>The information herein is for informational purposes only and represents the current view of Microsoft Corporation as of the date of this presentation.  Because Microsoft must respond to changing market conditions, it should not be interpreted to be a commitment on the part of Microsoft, and Microsoft cannot guarantee the accuracy of any information provided after the date of this presentation.  MICROSOFT MAKES NO WARRANTIES, EXPRESS, IMPLIED OR STATUTORY, AS TO THE INFORMATION IN THIS PRESENTATION.</a:t>
+            </a:r>
+          </a:p>
+        </p:txBody>
+      </p:sp>
+      <p:pic>
+        <p:nvPicPr>
+          <p:cNvPr id="4" name="Рисунок 3"/>
+          <p:cNvPicPr>
+            <a:picLocks noChangeAspect="1"/>
+          </p:cNvPicPr>
+          <p:nvPr userDrawn="1"/>
+        </p:nvPicPr>
+        <p:blipFill>
+          <a:blip r:embed="rId2">
+            <a:extLst>
+              <a:ext uri="{28A0092B-C50C-407E-A947-70E740481C1C}">
+                <a14:useLocalDpi xmlns:a14="http://schemas.microsoft.com/office/drawing/2010/main" val="0"/>
+              </a:ext>
+            </a:extLst>
+          </a:blip>
+          <a:stretch>
+            <a:fillRect/>
+          </a:stretch>
+        </p:blipFill>
+        <p:spPr>
+          <a:xfrm>
+            <a:off x="3429001" y="2743200"/>
+            <a:ext cx="5102225" cy="1091876"/>
+          </a:xfrm>
+          <a:prstGeom prst="rect">
+            <a:avLst/>
+          </a:prstGeom>
+        </p:spPr>
+      </p:pic>
+    </p:spTree>
+    <p:extLst>
+      <p:ext uri="{BB962C8B-B14F-4D97-AF65-F5344CB8AC3E}">
+        <p14:creationId xmlns:p14="http://schemas.microsoft.com/office/powerpoint/2010/main" val="2149031111"/>
+      </p:ext>
+    </p:extLst>
+  </p:cSld>
+  <p:clrMapOvr>
+    <a:masterClrMapping/>
+  </p:clrMapOvr>
+</p:sldLayout>
+</file>
+
+<file path=ppt/slideLayouts/slideLayout34.xml><?xml version="1.0" encoding="utf-8"?>
 <p:sldLayout xmlns:a="http://schemas.openxmlformats.org/drawingml/2006/main" xmlns:r="http://schemas.openxmlformats.org/officeDocument/2006/relationships" xmlns:p="http://schemas.openxmlformats.org/presentationml/2006/main" preserve="1" userDrawn="1">
   <p:cSld name="Title Slide">
     <p:spTree>
@@ -6293,7 +7909,7 @@
 </p:sldLayout>
 </file>
 
-<file path=ppt/slideLayouts/slideLayout32.xml><?xml version="1.0" encoding="utf-8"?>
+<file path=ppt/slideLayouts/slideLayout35.xml><?xml version="1.0" encoding="utf-8"?>
 <p:sldLayout xmlns:a="http://schemas.openxmlformats.org/drawingml/2006/main" xmlns:r="http://schemas.openxmlformats.org/officeDocument/2006/relationships" xmlns:p="http://schemas.openxmlformats.org/presentationml/2006/main" preserve="1" userDrawn="1">
   <p:cSld name="Title slide - 2">
     <p:spTree>
@@ -7527,7 +9143,7 @@
 </p:sldLayout>
 </file>
 
-<file path=ppt/slideLayouts/slideLayout33.xml><?xml version="1.0" encoding="utf-8"?>
+<file path=ppt/slideLayouts/slideLayout36.xml><?xml version="1.0" encoding="utf-8"?>
 <p:sldLayout xmlns:a="http://schemas.openxmlformats.org/drawingml/2006/main" xmlns:r="http://schemas.openxmlformats.org/officeDocument/2006/relationships" xmlns:p="http://schemas.openxmlformats.org/presentationml/2006/main" preserve="1" userDrawn="1">
   <p:cSld name="Title and Content">
     <p:spTree>
@@ -7659,7 +9275,7 @@
 </p:sldLayout>
 </file>
 
-<file path=ppt/slideLayouts/slideLayout34.xml><?xml version="1.0" encoding="utf-8"?>
+<file path=ppt/slideLayouts/slideLayout37.xml><?xml version="1.0" encoding="utf-8"?>
 <p:sldLayout xmlns:a="http://schemas.openxmlformats.org/drawingml/2006/main" xmlns:r="http://schemas.openxmlformats.org/officeDocument/2006/relationships" xmlns:p="http://schemas.openxmlformats.org/presentationml/2006/main" preserve="1" userDrawn="1">
   <p:cSld name="Title and Content - 2">
     <p:spTree>
@@ -7867,7 +9483,7 @@
 </p:sldLayout>
 </file>
 
-<file path=ppt/slideLayouts/slideLayout35.xml><?xml version="1.0" encoding="utf-8"?>
+<file path=ppt/slideLayouts/slideLayout38.xml><?xml version="1.0" encoding="utf-8"?>
 <p:sldLayout xmlns:a="http://schemas.openxmlformats.org/drawingml/2006/main" xmlns:r="http://schemas.openxmlformats.org/officeDocument/2006/relationships" xmlns:p="http://schemas.openxmlformats.org/presentationml/2006/main" preserve="1" userDrawn="1">
   <p:cSld name="Text Only Large">
     <p:spTree>
@@ -7939,7 +9555,7 @@
 </p:sldLayout>
 </file>
 
-<file path=ppt/slideLayouts/slideLayout36.xml><?xml version="1.0" encoding="utf-8"?>
+<file path=ppt/slideLayouts/slideLayout39.xml><?xml version="1.0" encoding="utf-8"?>
 <p:sldLayout xmlns:a="http://schemas.openxmlformats.org/drawingml/2006/main" xmlns:r="http://schemas.openxmlformats.org/officeDocument/2006/relationships" xmlns:p="http://schemas.openxmlformats.org/presentationml/2006/main" preserve="1" userDrawn="1">
   <p:cSld name="Custom Layout">
     <p:spTree>
@@ -8085,7 +9701,240 @@
 </p:sldLayout>
 </file>
 
-<file path=ppt/slideLayouts/slideLayout37.xml><?xml version="1.0" encoding="utf-8"?>
+<file path=ppt/slideLayouts/slideLayout4.xml><?xml version="1.0" encoding="utf-8"?>
+<p:sldLayout xmlns:a="http://schemas.openxmlformats.org/drawingml/2006/main" xmlns:r="http://schemas.openxmlformats.org/officeDocument/2006/relationships" xmlns:p="http://schemas.openxmlformats.org/presentationml/2006/main" preserve="1" userDrawn="1">
+  <p:cSld name="Two Column Bullet text">
+    <p:spTree>
+      <p:nvGrpSpPr>
+        <p:cNvPr id="1" name=""/>
+        <p:cNvGrpSpPr/>
+        <p:nvPr/>
+      </p:nvGrpSpPr>
+      <p:grpSpPr>
+        <a:xfrm>
+          <a:off x="0" y="0"/>
+          <a:ext cx="0" cy="0"/>
+          <a:chOff x="0" y="0"/>
+          <a:chExt cx="0" cy="0"/>
+        </a:xfrm>
+      </p:grpSpPr>
+      <p:sp>
+        <p:nvSpPr>
+          <p:cNvPr id="2" name="Title 1"/>
+          <p:cNvSpPr>
+            <a:spLocks noGrp="1"/>
+          </p:cNvSpPr>
+          <p:nvPr>
+            <p:ph type="title"/>
+          </p:nvPr>
+        </p:nvSpPr>
+        <p:spPr/>
+        <p:txBody>
+          <a:bodyPr/>
+          <a:lstStyle/>
+          <a:p>
+            <a:r>
+              <a:rPr lang="en-US" smtClean="0"/>
+              <a:t>Click to edit Master title style</a:t>
+            </a:r>
+            <a:endParaRPr lang="en-US" dirty="0"/>
+          </a:p>
+        </p:txBody>
+      </p:sp>
+      <p:sp>
+        <p:nvSpPr>
+          <p:cNvPr id="4" name="Text Placeholder 3"/>
+          <p:cNvSpPr>
+            <a:spLocks noGrp="1"/>
+          </p:cNvSpPr>
+          <p:nvPr>
+            <p:ph type="body" sz="quarter" idx="10"/>
+          </p:nvPr>
+        </p:nvSpPr>
+        <p:spPr>
+          <a:xfrm>
+            <a:off x="269241" y="1189176"/>
+            <a:ext cx="5378548" cy="2377940"/>
+          </a:xfrm>
+        </p:spPr>
+        <p:txBody>
+          <a:bodyPr wrap="square">
+            <a:spAutoFit/>
+          </a:bodyPr>
+          <a:lstStyle>
+            <a:lvl1pPr marL="281677" indent="-281677">
+              <a:spcBef>
+                <a:spcPts val="1200"/>
+              </a:spcBef>
+              <a:buClr>
+                <a:schemeClr val="tx1"/>
+              </a:buClr>
+              <a:buFont typeface="Arial" pitchFamily="34" charset="0"/>
+              <a:buChar char="•"/>
+              <a:defRPr sz="3137"/>
+            </a:lvl1pPr>
+            <a:lvl2pPr marL="520702" indent="-228601">
+              <a:defRPr sz="2353"/>
+            </a:lvl2pPr>
+            <a:lvl3pPr marL="685803" indent="-165101">
+              <a:tabLst/>
+              <a:defRPr sz="1961"/>
+            </a:lvl3pPr>
+            <a:lvl4pPr marL="863603" indent="-177801">
+              <a:defRPr/>
+            </a:lvl4pPr>
+            <a:lvl5pPr marL="1028704" indent="-165101">
+              <a:tabLst/>
+              <a:defRPr/>
+            </a:lvl5pPr>
+          </a:lstStyle>
+          <a:p>
+            <a:pPr lvl="0"/>
+            <a:r>
+              <a:rPr lang="en-US" smtClean="0"/>
+              <a:t>Click to edit Master text styles</a:t>
+            </a:r>
+          </a:p>
+          <a:p>
+            <a:pPr lvl="1"/>
+            <a:r>
+              <a:rPr lang="en-US" smtClean="0"/>
+              <a:t>Second level</a:t>
+            </a:r>
+          </a:p>
+          <a:p>
+            <a:pPr lvl="2"/>
+            <a:r>
+              <a:rPr lang="en-US" smtClean="0"/>
+              <a:t>Third level</a:t>
+            </a:r>
+          </a:p>
+          <a:p>
+            <a:pPr lvl="3"/>
+            <a:r>
+              <a:rPr lang="en-US" smtClean="0"/>
+              <a:t>Fourth level</a:t>
+            </a:r>
+          </a:p>
+          <a:p>
+            <a:pPr lvl="4"/>
+            <a:r>
+              <a:rPr lang="en-US" smtClean="0"/>
+              <a:t>Fifth level</a:t>
+            </a:r>
+            <a:endParaRPr lang="en-US" dirty="0"/>
+          </a:p>
+        </p:txBody>
+      </p:sp>
+      <p:sp>
+        <p:nvSpPr>
+          <p:cNvPr id="5" name="Text Placeholder 3"/>
+          <p:cNvSpPr>
+            <a:spLocks noGrp="1"/>
+          </p:cNvSpPr>
+          <p:nvPr>
+            <p:ph type="body" sz="quarter" idx="11"/>
+          </p:nvPr>
+        </p:nvSpPr>
+        <p:spPr>
+          <a:xfrm>
+            <a:off x="6544214" y="1189176"/>
+            <a:ext cx="5378548" cy="2377940"/>
+          </a:xfrm>
+        </p:spPr>
+        <p:txBody>
+          <a:bodyPr wrap="square">
+            <a:spAutoFit/>
+          </a:bodyPr>
+          <a:lstStyle>
+            <a:lvl1pPr marL="281677" indent="-281677">
+              <a:spcBef>
+                <a:spcPts val="1200"/>
+              </a:spcBef>
+              <a:buClr>
+                <a:schemeClr val="tx1"/>
+              </a:buClr>
+              <a:buFont typeface="Arial" pitchFamily="34" charset="0"/>
+              <a:buChar char="•"/>
+              <a:defRPr sz="3137"/>
+            </a:lvl1pPr>
+            <a:lvl2pPr marL="520702" indent="-228601">
+              <a:defRPr sz="2353"/>
+            </a:lvl2pPr>
+            <a:lvl3pPr marL="685803" indent="-165101">
+              <a:tabLst/>
+              <a:defRPr sz="1961"/>
+            </a:lvl3pPr>
+            <a:lvl4pPr marL="863603" indent="-177801">
+              <a:defRPr/>
+            </a:lvl4pPr>
+            <a:lvl5pPr marL="1028704" indent="-165101">
+              <a:tabLst/>
+              <a:defRPr/>
+            </a:lvl5pPr>
+          </a:lstStyle>
+          <a:p>
+            <a:pPr lvl="0"/>
+            <a:r>
+              <a:rPr lang="en-US" smtClean="0"/>
+              <a:t>Click to edit Master text styles</a:t>
+            </a:r>
+          </a:p>
+          <a:p>
+            <a:pPr lvl="1"/>
+            <a:r>
+              <a:rPr lang="en-US" smtClean="0"/>
+              <a:t>Second level</a:t>
+            </a:r>
+          </a:p>
+          <a:p>
+            <a:pPr lvl="2"/>
+            <a:r>
+              <a:rPr lang="en-US" smtClean="0"/>
+              <a:t>Third level</a:t>
+            </a:r>
+          </a:p>
+          <a:p>
+            <a:pPr lvl="3"/>
+            <a:r>
+              <a:rPr lang="en-US" smtClean="0"/>
+              <a:t>Fourth level</a:t>
+            </a:r>
+          </a:p>
+          <a:p>
+            <a:pPr lvl="4"/>
+            <a:r>
+              <a:rPr lang="en-US" smtClean="0"/>
+              <a:t>Fifth level</a:t>
+            </a:r>
+            <a:endParaRPr lang="en-US" dirty="0"/>
+          </a:p>
+        </p:txBody>
+      </p:sp>
+    </p:spTree>
+    <p:extLst>
+      <p:ext uri="{BB962C8B-B14F-4D97-AF65-F5344CB8AC3E}">
+        <p14:creationId xmlns:p14="http://schemas.microsoft.com/office/powerpoint/2010/main" val="169924464"/>
+      </p:ext>
+    </p:extLst>
+  </p:cSld>
+  <p:clrMapOvr>
+    <a:masterClrMapping/>
+  </p:clrMapOvr>
+  <p:transition>
+    <p:fade/>
+  </p:transition>
+  <p:timing>
+    <p:tnLst>
+      <p:par>
+        <p:cTn id="1" dur="indefinite" restart="never" nodeType="tmRoot"/>
+      </p:par>
+    </p:tnLst>
+  </p:timing>
+</p:sldLayout>
+</file>
+
+<file path=ppt/slideLayouts/slideLayout40.xml><?xml version="1.0" encoding="utf-8"?>
 <p:sldLayout xmlns:a="http://schemas.openxmlformats.org/drawingml/2006/main" xmlns:r="http://schemas.openxmlformats.org/officeDocument/2006/relationships" xmlns:p="http://schemas.openxmlformats.org/presentationml/2006/main" preserve="1" userDrawn="1">
   <p:cSld name="Color Shape &amp; Color Background">
     <p:spTree>
@@ -8505,7 +10354,7 @@
 </p:sldLayout>
 </file>
 
-<file path=ppt/slideLayouts/slideLayout38.xml><?xml version="1.0" encoding="utf-8"?>
+<file path=ppt/slideLayouts/slideLayout41.xml><?xml version="1.0" encoding="utf-8"?>
 <p:sldLayout xmlns:a="http://schemas.openxmlformats.org/drawingml/2006/main" xmlns:r="http://schemas.openxmlformats.org/officeDocument/2006/relationships" xmlns:p="http://schemas.openxmlformats.org/presentationml/2006/main" preserve="1" userDrawn="1">
   <p:cSld name="Color Shape &amp; Color Background w/ Title">
     <p:spTree>
@@ -8931,7 +10780,7 @@
 </p:sldLayout>
 </file>
 
-<file path=ppt/slideLayouts/slideLayout39.xml><?xml version="1.0" encoding="utf-8"?>
+<file path=ppt/slideLayouts/slideLayout42.xml><?xml version="1.0" encoding="utf-8"?>
 <p:sldLayout xmlns:a="http://schemas.openxmlformats.org/drawingml/2006/main" xmlns:r="http://schemas.openxmlformats.org/officeDocument/2006/relationships" xmlns:p="http://schemas.openxmlformats.org/presentationml/2006/main" preserve="1" userDrawn="1">
   <p:cSld name="Picture Shape &amp; Color Background w/ Title">
     <p:spTree>
@@ -9368,240 +11217,7 @@
 </p:sldLayout>
 </file>
 
-<file path=ppt/slideLayouts/slideLayout4.xml><?xml version="1.0" encoding="utf-8"?>
-<p:sldLayout xmlns:a="http://schemas.openxmlformats.org/drawingml/2006/main" xmlns:r="http://schemas.openxmlformats.org/officeDocument/2006/relationships" xmlns:p="http://schemas.openxmlformats.org/presentationml/2006/main" preserve="1" userDrawn="1">
-  <p:cSld name="Two Column Bullet text">
-    <p:spTree>
-      <p:nvGrpSpPr>
-        <p:cNvPr id="1" name=""/>
-        <p:cNvGrpSpPr/>
-        <p:nvPr/>
-      </p:nvGrpSpPr>
-      <p:grpSpPr>
-        <a:xfrm>
-          <a:off x="0" y="0"/>
-          <a:ext cx="0" cy="0"/>
-          <a:chOff x="0" y="0"/>
-          <a:chExt cx="0" cy="0"/>
-        </a:xfrm>
-      </p:grpSpPr>
-      <p:sp>
-        <p:nvSpPr>
-          <p:cNvPr id="2" name="Title 1"/>
-          <p:cNvSpPr>
-            <a:spLocks noGrp="1"/>
-          </p:cNvSpPr>
-          <p:nvPr>
-            <p:ph type="title"/>
-          </p:nvPr>
-        </p:nvSpPr>
-        <p:spPr/>
-        <p:txBody>
-          <a:bodyPr/>
-          <a:lstStyle/>
-          <a:p>
-            <a:r>
-              <a:rPr lang="en-US" smtClean="0"/>
-              <a:t>Click to edit Master title style</a:t>
-            </a:r>
-            <a:endParaRPr lang="en-US" dirty="0"/>
-          </a:p>
-        </p:txBody>
-      </p:sp>
-      <p:sp>
-        <p:nvSpPr>
-          <p:cNvPr id="4" name="Text Placeholder 3"/>
-          <p:cNvSpPr>
-            <a:spLocks noGrp="1"/>
-          </p:cNvSpPr>
-          <p:nvPr>
-            <p:ph type="body" sz="quarter" idx="10"/>
-          </p:nvPr>
-        </p:nvSpPr>
-        <p:spPr>
-          <a:xfrm>
-            <a:off x="269241" y="1189176"/>
-            <a:ext cx="5378548" cy="2377940"/>
-          </a:xfrm>
-        </p:spPr>
-        <p:txBody>
-          <a:bodyPr wrap="square">
-            <a:spAutoFit/>
-          </a:bodyPr>
-          <a:lstStyle>
-            <a:lvl1pPr marL="281677" indent="-281677">
-              <a:spcBef>
-                <a:spcPts val="1200"/>
-              </a:spcBef>
-              <a:buClr>
-                <a:schemeClr val="tx1"/>
-              </a:buClr>
-              <a:buFont typeface="Arial" pitchFamily="34" charset="0"/>
-              <a:buChar char="•"/>
-              <a:defRPr sz="3137"/>
-            </a:lvl1pPr>
-            <a:lvl2pPr marL="520702" indent="-228601">
-              <a:defRPr sz="2353"/>
-            </a:lvl2pPr>
-            <a:lvl3pPr marL="685803" indent="-165101">
-              <a:tabLst/>
-              <a:defRPr sz="1961"/>
-            </a:lvl3pPr>
-            <a:lvl4pPr marL="863603" indent="-177801">
-              <a:defRPr/>
-            </a:lvl4pPr>
-            <a:lvl5pPr marL="1028704" indent="-165101">
-              <a:tabLst/>
-              <a:defRPr/>
-            </a:lvl5pPr>
-          </a:lstStyle>
-          <a:p>
-            <a:pPr lvl="0"/>
-            <a:r>
-              <a:rPr lang="en-US" smtClean="0"/>
-              <a:t>Click to edit Master text styles</a:t>
-            </a:r>
-          </a:p>
-          <a:p>
-            <a:pPr lvl="1"/>
-            <a:r>
-              <a:rPr lang="en-US" smtClean="0"/>
-              <a:t>Second level</a:t>
-            </a:r>
-          </a:p>
-          <a:p>
-            <a:pPr lvl="2"/>
-            <a:r>
-              <a:rPr lang="en-US" smtClean="0"/>
-              <a:t>Third level</a:t>
-            </a:r>
-          </a:p>
-          <a:p>
-            <a:pPr lvl="3"/>
-            <a:r>
-              <a:rPr lang="en-US" smtClean="0"/>
-              <a:t>Fourth level</a:t>
-            </a:r>
-          </a:p>
-          <a:p>
-            <a:pPr lvl="4"/>
-            <a:r>
-              <a:rPr lang="en-US" smtClean="0"/>
-              <a:t>Fifth level</a:t>
-            </a:r>
-            <a:endParaRPr lang="en-US" dirty="0"/>
-          </a:p>
-        </p:txBody>
-      </p:sp>
-      <p:sp>
-        <p:nvSpPr>
-          <p:cNvPr id="5" name="Text Placeholder 3"/>
-          <p:cNvSpPr>
-            <a:spLocks noGrp="1"/>
-          </p:cNvSpPr>
-          <p:nvPr>
-            <p:ph type="body" sz="quarter" idx="11"/>
-          </p:nvPr>
-        </p:nvSpPr>
-        <p:spPr>
-          <a:xfrm>
-            <a:off x="6544214" y="1189176"/>
-            <a:ext cx="5378548" cy="2377940"/>
-          </a:xfrm>
-        </p:spPr>
-        <p:txBody>
-          <a:bodyPr wrap="square">
-            <a:spAutoFit/>
-          </a:bodyPr>
-          <a:lstStyle>
-            <a:lvl1pPr marL="281677" indent="-281677">
-              <a:spcBef>
-                <a:spcPts val="1200"/>
-              </a:spcBef>
-              <a:buClr>
-                <a:schemeClr val="tx1"/>
-              </a:buClr>
-              <a:buFont typeface="Arial" pitchFamily="34" charset="0"/>
-              <a:buChar char="•"/>
-              <a:defRPr sz="3137"/>
-            </a:lvl1pPr>
-            <a:lvl2pPr marL="520702" indent="-228601">
-              <a:defRPr sz="2353"/>
-            </a:lvl2pPr>
-            <a:lvl3pPr marL="685803" indent="-165101">
-              <a:tabLst/>
-              <a:defRPr sz="1961"/>
-            </a:lvl3pPr>
-            <a:lvl4pPr marL="863603" indent="-177801">
-              <a:defRPr/>
-            </a:lvl4pPr>
-            <a:lvl5pPr marL="1028704" indent="-165101">
-              <a:tabLst/>
-              <a:defRPr/>
-            </a:lvl5pPr>
-          </a:lstStyle>
-          <a:p>
-            <a:pPr lvl="0"/>
-            <a:r>
-              <a:rPr lang="en-US" smtClean="0"/>
-              <a:t>Click to edit Master text styles</a:t>
-            </a:r>
-          </a:p>
-          <a:p>
-            <a:pPr lvl="1"/>
-            <a:r>
-              <a:rPr lang="en-US" smtClean="0"/>
-              <a:t>Second level</a:t>
-            </a:r>
-          </a:p>
-          <a:p>
-            <a:pPr lvl="2"/>
-            <a:r>
-              <a:rPr lang="en-US" smtClean="0"/>
-              <a:t>Third level</a:t>
-            </a:r>
-          </a:p>
-          <a:p>
-            <a:pPr lvl="3"/>
-            <a:r>
-              <a:rPr lang="en-US" smtClean="0"/>
-              <a:t>Fourth level</a:t>
-            </a:r>
-          </a:p>
-          <a:p>
-            <a:pPr lvl="4"/>
-            <a:r>
-              <a:rPr lang="en-US" smtClean="0"/>
-              <a:t>Fifth level</a:t>
-            </a:r>
-            <a:endParaRPr lang="en-US" dirty="0"/>
-          </a:p>
-        </p:txBody>
-      </p:sp>
-    </p:spTree>
-    <p:extLst>
-      <p:ext uri="{BB962C8B-B14F-4D97-AF65-F5344CB8AC3E}">
-        <p14:creationId xmlns:p14="http://schemas.microsoft.com/office/powerpoint/2010/main" val="169924464"/>
-      </p:ext>
-    </p:extLst>
-  </p:cSld>
-  <p:clrMapOvr>
-    <a:masterClrMapping/>
-  </p:clrMapOvr>
-  <p:transition>
-    <p:fade/>
-  </p:transition>
-  <p:timing>
-    <p:tnLst>
-      <p:par>
-        <p:cTn id="1" dur="indefinite" restart="never" nodeType="tmRoot"/>
-      </p:par>
-    </p:tnLst>
-  </p:timing>
-</p:sldLayout>
-</file>
-
-<file path=ppt/slideLayouts/slideLayout40.xml><?xml version="1.0" encoding="utf-8"?>
+<file path=ppt/slideLayouts/slideLayout43.xml><?xml version="1.0" encoding="utf-8"?>
 <p:sldLayout xmlns:a="http://schemas.openxmlformats.org/drawingml/2006/main" xmlns:r="http://schemas.openxmlformats.org/officeDocument/2006/relationships" xmlns:p="http://schemas.openxmlformats.org/presentationml/2006/main" preserve="1" userDrawn="1">
   <p:cSld name="Title and Content - Code">
     <p:spTree>
@@ -9796,7 +11412,7 @@
 </p:sldLayout>
 </file>
 
-<file path=ppt/slideLayouts/slideLayout41.xml><?xml version="1.0" encoding="utf-8"?>
+<file path=ppt/slideLayouts/slideLayout44.xml><?xml version="1.0" encoding="utf-8"?>
 <p:sldLayout xmlns:a="http://schemas.openxmlformats.org/drawingml/2006/main" xmlns:r="http://schemas.openxmlformats.org/officeDocument/2006/relationships" xmlns:p="http://schemas.openxmlformats.org/presentationml/2006/main" preserve="1" userDrawn="1">
   <p:cSld name="Blank">
     <p:bg bwMode="gray">
@@ -9844,7 +11460,7 @@
 </p:sldLayout>
 </file>
 
-<file path=ppt/slideLayouts/slideLayout42.xml><?xml version="1.0" encoding="utf-8"?>
+<file path=ppt/slideLayouts/slideLayout45.xml><?xml version="1.0" encoding="utf-8"?>
 <p:sldLayout xmlns:a="http://schemas.openxmlformats.org/drawingml/2006/main" xmlns:r="http://schemas.openxmlformats.org/officeDocument/2006/relationships" xmlns:p="http://schemas.openxmlformats.org/presentationml/2006/main" preserve="1" userDrawn="1">
   <p:cSld name="Walk-in">
     <p:bg>
@@ -10951,7 +12567,7 @@
 </p:sldLayout>
 </file>
 
-<file path=ppt/slideLayouts/slideLayout43.xml><?xml version="1.0" encoding="utf-8"?>
+<file path=ppt/slideLayouts/slideLayout46.xml><?xml version="1.0" encoding="utf-8"?>
 <p:sldLayout xmlns:a="http://schemas.openxmlformats.org/drawingml/2006/main" xmlns:r="http://schemas.openxmlformats.org/officeDocument/2006/relationships" xmlns:p="http://schemas.openxmlformats.org/presentationml/2006/main" preserve="1" userDrawn="1">
   <p:cSld name="Closing logo slide">
     <p:spTree>
@@ -11110,7 +12726,7 @@
 </p:sldLayout>
 </file>
 
-<file path=ppt/slideLayouts/slideLayout44.xml><?xml version="1.0" encoding="utf-8"?>
+<file path=ppt/slideLayouts/slideLayout47.xml><?xml version="1.0" encoding="utf-8"?>
 <p:sldLayout xmlns:a="http://schemas.openxmlformats.org/drawingml/2006/main" xmlns:r="http://schemas.openxmlformats.org/officeDocument/2006/relationships" xmlns:p="http://schemas.openxmlformats.org/presentationml/2006/main" preserve="1" userDrawn="1">
   <p:cSld name="Multiple Shapes &amp; Color Background">
     <p:spTree>
@@ -12959,7 +14575,7 @@
 </p:sldLayout>
 </file>
 
-<file path=ppt/slideLayouts/slideLayout45.xml><?xml version="1.0" encoding="utf-8"?>
+<file path=ppt/slideLayouts/slideLayout48.xml><?xml version="1.0" encoding="utf-8"?>
 <p:sldLayout xmlns:a="http://schemas.openxmlformats.org/drawingml/2006/main" xmlns:r="http://schemas.openxmlformats.org/officeDocument/2006/relationships" xmlns:p="http://schemas.openxmlformats.org/presentationml/2006/main" preserve="1" userDrawn="1">
   <p:cSld name="Black Notes slide Layout">
     <p:bg bwMode="black">
@@ -13288,7 +14904,7 @@
 </p:sldLayout>
 </file>
 
-<file path=ppt/slideLayouts/slideLayout46.xml><?xml version="1.0" encoding="utf-8"?>
+<file path=ppt/slideLayouts/slideLayout49.xml><?xml version="1.0" encoding="utf-8"?>
 <p:sldLayout xmlns:a="http://schemas.openxmlformats.org/drawingml/2006/main" xmlns:r="http://schemas.openxmlformats.org/officeDocument/2006/relationships" xmlns:p="http://schemas.openxmlformats.org/presentationml/2006/main" preserve="1" userDrawn="1">
   <p:cSld name="Black Notes slide Layout No Bar">
     <p:bg bwMode="black">
@@ -13556,598 +15172,6 @@
       </p:par>
     </p:tnLst>
   </p:timing>
-</p:sldLayout>
-</file>
-
-<file path=ppt/slideLayouts/slideLayout47.xml><?xml version="1.0" encoding="utf-8"?>
-<p:sldLayout xmlns:a="http://schemas.openxmlformats.org/drawingml/2006/main" xmlns:r="http://schemas.openxmlformats.org/officeDocument/2006/relationships" xmlns:p="http://schemas.openxmlformats.org/presentationml/2006/main" type="twoObj">
-  <p:cSld name="Two Content">
-    <p:spTree>
-      <p:nvGrpSpPr>
-        <p:cNvPr id="1" name=""/>
-        <p:cNvGrpSpPr/>
-        <p:nvPr/>
-      </p:nvGrpSpPr>
-      <p:grpSpPr>
-        <a:xfrm>
-          <a:off x="0" y="0"/>
-          <a:ext cx="0" cy="0"/>
-          <a:chOff x="0" y="0"/>
-          <a:chExt cx="0" cy="0"/>
-        </a:xfrm>
-      </p:grpSpPr>
-      <p:sp>
-        <p:nvSpPr>
-          <p:cNvPr id="2" name="Title 1"/>
-          <p:cNvSpPr>
-            <a:spLocks noGrp="1"/>
-          </p:cNvSpPr>
-          <p:nvPr>
-            <p:ph type="title"/>
-          </p:nvPr>
-        </p:nvSpPr>
-        <p:spPr/>
-        <p:txBody>
-          <a:bodyPr/>
-          <a:lstStyle/>
-          <a:p>
-            <a:r>
-              <a:rPr lang="en-US" smtClean="0"/>
-              <a:t>Click to edit Master title style</a:t>
-            </a:r>
-            <a:endParaRPr lang="en-US"/>
-          </a:p>
-        </p:txBody>
-      </p:sp>
-      <p:sp>
-        <p:nvSpPr>
-          <p:cNvPr id="3" name="Content Placeholder 2"/>
-          <p:cNvSpPr>
-            <a:spLocks noGrp="1"/>
-          </p:cNvSpPr>
-          <p:nvPr>
-            <p:ph sz="half" idx="1"/>
-          </p:nvPr>
-        </p:nvSpPr>
-        <p:spPr>
-          <a:xfrm>
-            <a:off x="838200" y="1825625"/>
-            <a:ext cx="5181600" cy="2595214"/>
-          </a:xfrm>
-        </p:spPr>
-        <p:txBody>
-          <a:bodyPr/>
-          <a:lstStyle/>
-          <a:p>
-            <a:pPr lvl="0"/>
-            <a:r>
-              <a:rPr lang="en-US" smtClean="0"/>
-              <a:t>Click to edit Master text styles</a:t>
-            </a:r>
-          </a:p>
-          <a:p>
-            <a:pPr lvl="1"/>
-            <a:r>
-              <a:rPr lang="en-US" smtClean="0"/>
-              <a:t>Second level</a:t>
-            </a:r>
-          </a:p>
-          <a:p>
-            <a:pPr lvl="2"/>
-            <a:r>
-              <a:rPr lang="en-US" smtClean="0"/>
-              <a:t>Third level</a:t>
-            </a:r>
-          </a:p>
-          <a:p>
-            <a:pPr lvl="3"/>
-            <a:r>
-              <a:rPr lang="en-US" smtClean="0"/>
-              <a:t>Fourth level</a:t>
-            </a:r>
-          </a:p>
-          <a:p>
-            <a:pPr lvl="4"/>
-            <a:r>
-              <a:rPr lang="en-US" smtClean="0"/>
-              <a:t>Fifth level</a:t>
-            </a:r>
-            <a:endParaRPr lang="en-US"/>
-          </a:p>
-        </p:txBody>
-      </p:sp>
-      <p:sp>
-        <p:nvSpPr>
-          <p:cNvPr id="4" name="Content Placeholder 3"/>
-          <p:cNvSpPr>
-            <a:spLocks noGrp="1"/>
-          </p:cNvSpPr>
-          <p:nvPr>
-            <p:ph sz="half" idx="2"/>
-          </p:nvPr>
-        </p:nvSpPr>
-        <p:spPr>
-          <a:xfrm>
-            <a:off x="6172200" y="1825625"/>
-            <a:ext cx="5181600" cy="2595214"/>
-          </a:xfrm>
-        </p:spPr>
-        <p:txBody>
-          <a:bodyPr/>
-          <a:lstStyle/>
-          <a:p>
-            <a:pPr lvl="0"/>
-            <a:r>
-              <a:rPr lang="en-US" smtClean="0"/>
-              <a:t>Click to edit Master text styles</a:t>
-            </a:r>
-          </a:p>
-          <a:p>
-            <a:pPr lvl="1"/>
-            <a:r>
-              <a:rPr lang="en-US" smtClean="0"/>
-              <a:t>Second level</a:t>
-            </a:r>
-          </a:p>
-          <a:p>
-            <a:pPr lvl="2"/>
-            <a:r>
-              <a:rPr lang="en-US" smtClean="0"/>
-              <a:t>Third level</a:t>
-            </a:r>
-          </a:p>
-          <a:p>
-            <a:pPr lvl="3"/>
-            <a:r>
-              <a:rPr lang="en-US" smtClean="0"/>
-              <a:t>Fourth level</a:t>
-            </a:r>
-          </a:p>
-          <a:p>
-            <a:pPr lvl="4"/>
-            <a:r>
-              <a:rPr lang="en-US" smtClean="0"/>
-              <a:t>Fifth level</a:t>
-            </a:r>
-            <a:endParaRPr lang="en-US"/>
-          </a:p>
-        </p:txBody>
-      </p:sp>
-      <p:sp>
-        <p:nvSpPr>
-          <p:cNvPr id="5" name="Date Placeholder 4"/>
-          <p:cNvSpPr>
-            <a:spLocks noGrp="1"/>
-          </p:cNvSpPr>
-          <p:nvPr>
-            <p:ph type="dt" sz="half" idx="10"/>
-          </p:nvPr>
-        </p:nvSpPr>
-        <p:spPr>
-          <a:xfrm>
-            <a:off x="838201" y="6356351"/>
-            <a:ext cx="2743200" cy="365125"/>
-          </a:xfrm>
-          <a:prstGeom prst="rect">
-            <a:avLst/>
-          </a:prstGeom>
-        </p:spPr>
-        <p:txBody>
-          <a:bodyPr/>
-          <a:lstStyle/>
-          <a:p>
-            <a:pPr defTabSz="914367"/>
-            <a:fld id="{E7B94D1A-0277-43F2-91AF-16186F4AA5C7}" type="datetimeFigureOut">
-              <a:rPr lang="en-US" smtClean="0">
-                <a:solidFill>
-                  <a:srgbClr val="404040"/>
-                </a:solidFill>
-              </a:rPr>
-              <a:pPr defTabSz="914367"/>
-              <a:t>12/6/2015</a:t>
-            </a:fld>
-            <a:endParaRPr lang="en-US">
-              <a:solidFill>
-                <a:srgbClr val="404040"/>
-              </a:solidFill>
-            </a:endParaRPr>
-          </a:p>
-        </p:txBody>
-      </p:sp>
-      <p:sp>
-        <p:nvSpPr>
-          <p:cNvPr id="6" name="Footer Placeholder 5"/>
-          <p:cNvSpPr>
-            <a:spLocks noGrp="1"/>
-          </p:cNvSpPr>
-          <p:nvPr>
-            <p:ph type="ftr" sz="quarter" idx="11"/>
-          </p:nvPr>
-        </p:nvSpPr>
-        <p:spPr>
-          <a:xfrm>
-            <a:off x="4038600" y="6356351"/>
-            <a:ext cx="4114800" cy="365125"/>
-          </a:xfrm>
-          <a:prstGeom prst="rect">
-            <a:avLst/>
-          </a:prstGeom>
-        </p:spPr>
-        <p:txBody>
-          <a:bodyPr/>
-          <a:lstStyle/>
-          <a:p>
-            <a:pPr defTabSz="914367"/>
-            <a:endParaRPr lang="en-US">
-              <a:solidFill>
-                <a:srgbClr val="404040"/>
-              </a:solidFill>
-            </a:endParaRPr>
-          </a:p>
-        </p:txBody>
-      </p:sp>
-      <p:sp>
-        <p:nvSpPr>
-          <p:cNvPr id="7" name="Slide Number Placeholder 6"/>
-          <p:cNvSpPr>
-            <a:spLocks noGrp="1"/>
-          </p:cNvSpPr>
-          <p:nvPr>
-            <p:ph type="sldNum" sz="quarter" idx="12"/>
-          </p:nvPr>
-        </p:nvSpPr>
-        <p:spPr>
-          <a:xfrm>
-            <a:off x="8610600" y="6356351"/>
-            <a:ext cx="2743200" cy="365125"/>
-          </a:xfrm>
-          <a:prstGeom prst="rect">
-            <a:avLst/>
-          </a:prstGeom>
-        </p:spPr>
-        <p:txBody>
-          <a:bodyPr/>
-          <a:lstStyle/>
-          <a:p>
-            <a:pPr defTabSz="914367"/>
-            <a:fld id="{F244BFF5-CF07-4137-9059-16D41660439E}" type="slidenum">
-              <a:rPr lang="en-US" smtClean="0">
-                <a:solidFill>
-                  <a:srgbClr val="404040"/>
-                </a:solidFill>
-              </a:rPr>
-              <a:pPr defTabSz="914367"/>
-              <a:t>‹#›</a:t>
-            </a:fld>
-            <a:endParaRPr lang="en-US">
-              <a:solidFill>
-                <a:srgbClr val="404040"/>
-              </a:solidFill>
-            </a:endParaRPr>
-          </a:p>
-        </p:txBody>
-      </p:sp>
-    </p:spTree>
-    <p:extLst>
-      <p:ext uri="{BB962C8B-B14F-4D97-AF65-F5344CB8AC3E}">
-        <p14:creationId xmlns:p14="http://schemas.microsoft.com/office/powerpoint/2010/main" val="1479093059"/>
-      </p:ext>
-    </p:extLst>
-  </p:cSld>
-  <p:clrMapOvr>
-    <a:masterClrMapping/>
-  </p:clrMapOvr>
-</p:sldLayout>
-</file>
-
-<file path=ppt/slideLayouts/slideLayout48.xml><?xml version="1.0" encoding="utf-8"?>
-<p:sldLayout xmlns:a="http://schemas.openxmlformats.org/drawingml/2006/main" xmlns:r="http://schemas.openxmlformats.org/officeDocument/2006/relationships" xmlns:p="http://schemas.openxmlformats.org/presentationml/2006/main" userDrawn="1">
-  <p:cSld name="Title Only">
-    <p:spTree>
-      <p:nvGrpSpPr>
-        <p:cNvPr id="1" name=""/>
-        <p:cNvGrpSpPr/>
-        <p:nvPr/>
-      </p:nvGrpSpPr>
-      <p:grpSpPr>
-        <a:xfrm>
-          <a:off x="0" y="0"/>
-          <a:ext cx="0" cy="0"/>
-          <a:chOff x="0" y="0"/>
-          <a:chExt cx="0" cy="0"/>
-        </a:xfrm>
-      </p:grpSpPr>
-      <p:sp>
-        <p:nvSpPr>
-          <p:cNvPr id="2" name="Title 1"/>
-          <p:cNvSpPr>
-            <a:spLocks noGrp="1"/>
-          </p:cNvSpPr>
-          <p:nvPr>
-            <p:ph type="title"/>
-          </p:nvPr>
-        </p:nvSpPr>
-        <p:spPr>
-          <a:xfrm>
-            <a:off x="257176" y="225146"/>
-            <a:ext cx="11615490" cy="739775"/>
-          </a:xfrm>
-        </p:spPr>
-        <p:txBody>
-          <a:bodyPr/>
-          <a:lstStyle>
-            <a:lvl1pPr>
-              <a:defRPr>
-                <a:solidFill>
-                  <a:schemeClr val="accent3"/>
-                </a:solidFill>
-                <a:latin typeface="Segoe UI Semilight" panose="020B0402040204020203" pitchFamily="34" charset="0"/>
-                <a:cs typeface="Segoe UI Semilight" panose="020B0402040204020203" pitchFamily="34" charset="0"/>
-              </a:defRPr>
-            </a:lvl1pPr>
-          </a:lstStyle>
-          <a:p>
-            <a:r>
-              <a:rPr lang="en-US" smtClean="0"/>
-              <a:t>Click to edit Master title style</a:t>
-            </a:r>
-            <a:endParaRPr lang="en-US" dirty="0"/>
-          </a:p>
-        </p:txBody>
-      </p:sp>
-    </p:spTree>
-    <p:extLst>
-      <p:ext uri="{BB962C8B-B14F-4D97-AF65-F5344CB8AC3E}">
-        <p14:creationId xmlns:p14="http://schemas.microsoft.com/office/powerpoint/2010/main" val="217112799"/>
-      </p:ext>
-    </p:extLst>
-  </p:cSld>
-  <p:clrMapOvr>
-    <a:masterClrMapping/>
-  </p:clrMapOvr>
-</p:sldLayout>
-</file>
-
-<file path=ppt/slideLayouts/slideLayout49.xml><?xml version="1.0" encoding="utf-8"?>
-<p:sldLayout xmlns:a="http://schemas.openxmlformats.org/drawingml/2006/main" xmlns:r="http://schemas.openxmlformats.org/officeDocument/2006/relationships" xmlns:p="http://schemas.openxmlformats.org/presentationml/2006/main" preserve="1" userDrawn="1">
-  <p:cSld name="Title Slide">
-    <p:spTree>
-      <p:nvGrpSpPr>
-        <p:cNvPr id="1" name=""/>
-        <p:cNvGrpSpPr/>
-        <p:nvPr/>
-      </p:nvGrpSpPr>
-      <p:grpSpPr>
-        <a:xfrm>
-          <a:off x="0" y="0"/>
-          <a:ext cx="0" cy="0"/>
-          <a:chOff x="0" y="0"/>
-          <a:chExt cx="0" cy="0"/>
-        </a:xfrm>
-      </p:grpSpPr>
-      <p:sp>
-        <p:nvSpPr>
-          <p:cNvPr id="5" name="Text Placeholder 4"/>
-          <p:cNvSpPr>
-            <a:spLocks noGrp="1"/>
-          </p:cNvSpPr>
-          <p:nvPr>
-            <p:ph type="body" sz="quarter" idx="12" hasCustomPrompt="1"/>
-          </p:nvPr>
-        </p:nvSpPr>
-        <p:spPr>
-          <a:xfrm>
-            <a:off x="271104" y="4053841"/>
-            <a:ext cx="8962384" cy="884990"/>
-          </a:xfrm>
-          <a:noFill/>
-        </p:spPr>
-        <p:txBody>
-          <a:bodyPr lIns="146304" tIns="109728" rIns="146304" bIns="109728" anchor="b">
-            <a:noAutofit/>
-          </a:bodyPr>
-          <a:lstStyle>
-            <a:lvl1pPr marL="0" indent="0">
-              <a:spcBef>
-                <a:spcPts val="0"/>
-              </a:spcBef>
-              <a:buNone/>
-              <a:defRPr sz="1961" spc="0" baseline="0">
-                <a:gradFill>
-                  <a:gsLst>
-                    <a:gs pos="0">
-                      <a:schemeClr val="tx1"/>
-                    </a:gs>
-                    <a:gs pos="100000">
-                      <a:schemeClr val="tx1"/>
-                    </a:gs>
-                  </a:gsLst>
-                  <a:lin ang="5400000" scaled="0"/>
-                </a:gradFill>
-                <a:latin typeface="+mn-lt"/>
-              </a:defRPr>
-            </a:lvl1pPr>
-          </a:lstStyle>
-          <a:p>
-            <a:pPr lvl="0"/>
-            <a:r>
-              <a:rPr lang="en-US" dirty="0" smtClean="0"/>
-              <a:t>Speaker Name</a:t>
-            </a:r>
-          </a:p>
-        </p:txBody>
-      </p:sp>
-      <p:sp>
-        <p:nvSpPr>
-          <p:cNvPr id="9" name="Title 1"/>
-          <p:cNvSpPr>
-            <a:spLocks noGrp="1"/>
-          </p:cNvSpPr>
-          <p:nvPr>
-            <p:ph type="title" hasCustomPrompt="1"/>
-          </p:nvPr>
-        </p:nvSpPr>
-        <p:spPr>
-          <a:xfrm>
-            <a:off x="269302" y="2075840"/>
-            <a:ext cx="11653459" cy="1801436"/>
-          </a:xfrm>
-          <a:noFill/>
-        </p:spPr>
-        <p:txBody>
-          <a:bodyPr lIns="146304" tIns="91440" rIns="146304" bIns="91440" anchor="t" anchorCtr="0"/>
-          <a:lstStyle>
-            <a:lvl1pPr>
-              <a:defRPr sz="5294" spc="-98" baseline="0">
-                <a:gradFill>
-                  <a:gsLst>
-                    <a:gs pos="3333">
-                      <a:schemeClr val="tx1"/>
-                    </a:gs>
-                    <a:gs pos="39000">
-                      <a:schemeClr val="tx1"/>
-                    </a:gs>
-                  </a:gsLst>
-                  <a:lin ang="5400000" scaled="0"/>
-                </a:gradFill>
-              </a:defRPr>
-            </a:lvl1pPr>
-          </a:lstStyle>
-          <a:p>
-            <a:r>
-              <a:rPr lang="en-US" dirty="0" smtClean="0"/>
-              <a:t>Presentation title</a:t>
-            </a:r>
-            <a:endParaRPr lang="en-US" dirty="0"/>
-          </a:p>
-        </p:txBody>
-      </p:sp>
-      <p:pic>
-        <p:nvPicPr>
-          <p:cNvPr id="4" name="Picture 3"/>
-          <p:cNvPicPr>
-            <a:picLocks noChangeAspect="1"/>
-          </p:cNvPicPr>
-          <p:nvPr userDrawn="1"/>
-        </p:nvPicPr>
-        <p:blipFill>
-          <a:blip r:embed="rId2" cstate="screen">
-            <a:extLst>
-              <a:ext uri="{28A0092B-C50C-407E-A947-70E740481C1C}">
-                <a14:useLocalDpi xmlns:a14="http://schemas.microsoft.com/office/drawing/2010/main"/>
-              </a:ext>
-            </a:extLst>
-          </a:blip>
-          <a:stretch>
-            <a:fillRect/>
-          </a:stretch>
-        </p:blipFill>
-        <p:spPr bwMode="invGray">
-          <a:xfrm>
-            <a:off x="454618" y="6006587"/>
-            <a:ext cx="1813243" cy="387120"/>
-          </a:xfrm>
-          <a:prstGeom prst="rect">
-            <a:avLst/>
-          </a:prstGeom>
-          <a:noFill/>
-          <a:ln>
-            <a:noFill/>
-          </a:ln>
-        </p:spPr>
-      </p:pic>
-      <p:sp>
-        <p:nvSpPr>
-          <p:cNvPr id="3" name="Text Placeholder 2"/>
-          <p:cNvSpPr>
-            <a:spLocks noGrp="1"/>
-          </p:cNvSpPr>
-          <p:nvPr>
-            <p:ph type="body" sz="quarter" idx="13" hasCustomPrompt="1"/>
-          </p:nvPr>
-        </p:nvSpPr>
-        <p:spPr>
-          <a:xfrm>
-            <a:off x="269303" y="301617"/>
-            <a:ext cx="3584143" cy="567015"/>
-          </a:xfrm>
-        </p:spPr>
-        <p:txBody>
-          <a:bodyPr lIns="182880" tIns="146304" rIns="182880" bIns="146304"/>
-          <a:lstStyle>
-            <a:lvl1pPr marL="0" indent="0">
-              <a:buNone/>
-              <a:defRPr sz="1961">
-                <a:latin typeface="+mn-lt"/>
-              </a:defRPr>
-            </a:lvl1pPr>
-            <a:lvl2pPr marL="336145" indent="0">
-              <a:buNone/>
-              <a:defRPr sz="1961"/>
-            </a:lvl2pPr>
-            <a:lvl3pPr marL="560241" indent="0">
-              <a:buNone/>
-              <a:defRPr sz="1961"/>
-            </a:lvl3pPr>
-            <a:lvl4pPr marL="784338" indent="0">
-              <a:buNone/>
-              <a:defRPr sz="1961"/>
-            </a:lvl4pPr>
-            <a:lvl5pPr marL="1008435" indent="0">
-              <a:buNone/>
-              <a:defRPr sz="1961"/>
-            </a:lvl5pPr>
-          </a:lstStyle>
-          <a:p>
-            <a:pPr lvl="0"/>
-            <a:r>
-              <a:rPr lang="en-US" dirty="0" smtClean="0"/>
-              <a:t>Session Code Here</a:t>
-            </a:r>
-            <a:endParaRPr lang="en-US" dirty="0"/>
-          </a:p>
-        </p:txBody>
-      </p:sp>
-    </p:spTree>
-    <p:extLst>
-      <p:ext uri="{BB962C8B-B14F-4D97-AF65-F5344CB8AC3E}">
-        <p14:creationId xmlns:p14="http://schemas.microsoft.com/office/powerpoint/2010/main" val="1417180763"/>
-      </p:ext>
-    </p:extLst>
-  </p:cSld>
-  <p:clrMapOvr>
-    <a:masterClrMapping/>
-  </p:clrMapOvr>
-  <mc:AlternateContent xmlns:mc="http://schemas.openxmlformats.org/markup-compatibility/2006" xmlns:p14="http://schemas.microsoft.com/office/powerpoint/2010/main">
-    <mc:Choice Requires="p14">
-      <p:transition spd="slow" p14:dur="3400">
-        <p14:reveal/>
-      </p:transition>
-    </mc:Choice>
-    <mc:Fallback xmlns="">
-      <p:transition spd="slow">
-        <p:fade/>
-      </p:transition>
-    </mc:Fallback>
-  </mc:AlternateContent>
-  <p:timing>
-    <p:tnLst>
-      <p:par>
-        <p:cTn id="1" dur="indefinite" restart="never" nodeType="tmRoot"/>
-      </p:par>
-    </p:tnLst>
-  </p:timing>
-  <p:extLst mod="1">
-    <p:ext uri="{DCECCB84-F9BA-43D5-87BE-67443E8EF086}">
-      <p15:sldGuideLst xmlns:p15="http://schemas.microsoft.com/office/powerpoint/2012/main">
-        <p15:guide id="1" orient="horz" pos="4406">
-          <p15:clr>
-            <a:srgbClr val="C35EA4"/>
-          </p15:clr>
-        </p15:guide>
-      </p15:sldGuideLst>
-    </p:ext>
-  </p:extLst>
 </p:sldLayout>
 </file>
 
@@ -14785,6 +15809,598 @@
 </file>
 
 <file path=ppt/slideLayouts/slideLayout50.xml><?xml version="1.0" encoding="utf-8"?>
+<p:sldLayout xmlns:a="http://schemas.openxmlformats.org/drawingml/2006/main" xmlns:r="http://schemas.openxmlformats.org/officeDocument/2006/relationships" xmlns:p="http://schemas.openxmlformats.org/presentationml/2006/main" type="twoObj">
+  <p:cSld name="Two Content">
+    <p:spTree>
+      <p:nvGrpSpPr>
+        <p:cNvPr id="1" name=""/>
+        <p:cNvGrpSpPr/>
+        <p:nvPr/>
+      </p:nvGrpSpPr>
+      <p:grpSpPr>
+        <a:xfrm>
+          <a:off x="0" y="0"/>
+          <a:ext cx="0" cy="0"/>
+          <a:chOff x="0" y="0"/>
+          <a:chExt cx="0" cy="0"/>
+        </a:xfrm>
+      </p:grpSpPr>
+      <p:sp>
+        <p:nvSpPr>
+          <p:cNvPr id="2" name="Title 1"/>
+          <p:cNvSpPr>
+            <a:spLocks noGrp="1"/>
+          </p:cNvSpPr>
+          <p:nvPr>
+            <p:ph type="title"/>
+          </p:nvPr>
+        </p:nvSpPr>
+        <p:spPr/>
+        <p:txBody>
+          <a:bodyPr/>
+          <a:lstStyle/>
+          <a:p>
+            <a:r>
+              <a:rPr lang="en-US" smtClean="0"/>
+              <a:t>Click to edit Master title style</a:t>
+            </a:r>
+            <a:endParaRPr lang="en-US"/>
+          </a:p>
+        </p:txBody>
+      </p:sp>
+      <p:sp>
+        <p:nvSpPr>
+          <p:cNvPr id="3" name="Content Placeholder 2"/>
+          <p:cNvSpPr>
+            <a:spLocks noGrp="1"/>
+          </p:cNvSpPr>
+          <p:nvPr>
+            <p:ph sz="half" idx="1"/>
+          </p:nvPr>
+        </p:nvSpPr>
+        <p:spPr>
+          <a:xfrm>
+            <a:off x="838200" y="1825625"/>
+            <a:ext cx="5181600" cy="2595214"/>
+          </a:xfrm>
+        </p:spPr>
+        <p:txBody>
+          <a:bodyPr/>
+          <a:lstStyle/>
+          <a:p>
+            <a:pPr lvl="0"/>
+            <a:r>
+              <a:rPr lang="en-US" smtClean="0"/>
+              <a:t>Click to edit Master text styles</a:t>
+            </a:r>
+          </a:p>
+          <a:p>
+            <a:pPr lvl="1"/>
+            <a:r>
+              <a:rPr lang="en-US" smtClean="0"/>
+              <a:t>Second level</a:t>
+            </a:r>
+          </a:p>
+          <a:p>
+            <a:pPr lvl="2"/>
+            <a:r>
+              <a:rPr lang="en-US" smtClean="0"/>
+              <a:t>Third level</a:t>
+            </a:r>
+          </a:p>
+          <a:p>
+            <a:pPr lvl="3"/>
+            <a:r>
+              <a:rPr lang="en-US" smtClean="0"/>
+              <a:t>Fourth level</a:t>
+            </a:r>
+          </a:p>
+          <a:p>
+            <a:pPr lvl="4"/>
+            <a:r>
+              <a:rPr lang="en-US" smtClean="0"/>
+              <a:t>Fifth level</a:t>
+            </a:r>
+            <a:endParaRPr lang="en-US"/>
+          </a:p>
+        </p:txBody>
+      </p:sp>
+      <p:sp>
+        <p:nvSpPr>
+          <p:cNvPr id="4" name="Content Placeholder 3"/>
+          <p:cNvSpPr>
+            <a:spLocks noGrp="1"/>
+          </p:cNvSpPr>
+          <p:nvPr>
+            <p:ph sz="half" idx="2"/>
+          </p:nvPr>
+        </p:nvSpPr>
+        <p:spPr>
+          <a:xfrm>
+            <a:off x="6172200" y="1825625"/>
+            <a:ext cx="5181600" cy="2595214"/>
+          </a:xfrm>
+        </p:spPr>
+        <p:txBody>
+          <a:bodyPr/>
+          <a:lstStyle/>
+          <a:p>
+            <a:pPr lvl="0"/>
+            <a:r>
+              <a:rPr lang="en-US" smtClean="0"/>
+              <a:t>Click to edit Master text styles</a:t>
+            </a:r>
+          </a:p>
+          <a:p>
+            <a:pPr lvl="1"/>
+            <a:r>
+              <a:rPr lang="en-US" smtClean="0"/>
+              <a:t>Second level</a:t>
+            </a:r>
+          </a:p>
+          <a:p>
+            <a:pPr lvl="2"/>
+            <a:r>
+              <a:rPr lang="en-US" smtClean="0"/>
+              <a:t>Third level</a:t>
+            </a:r>
+          </a:p>
+          <a:p>
+            <a:pPr lvl="3"/>
+            <a:r>
+              <a:rPr lang="en-US" smtClean="0"/>
+              <a:t>Fourth level</a:t>
+            </a:r>
+          </a:p>
+          <a:p>
+            <a:pPr lvl="4"/>
+            <a:r>
+              <a:rPr lang="en-US" smtClean="0"/>
+              <a:t>Fifth level</a:t>
+            </a:r>
+            <a:endParaRPr lang="en-US"/>
+          </a:p>
+        </p:txBody>
+      </p:sp>
+      <p:sp>
+        <p:nvSpPr>
+          <p:cNvPr id="5" name="Date Placeholder 4"/>
+          <p:cNvSpPr>
+            <a:spLocks noGrp="1"/>
+          </p:cNvSpPr>
+          <p:nvPr>
+            <p:ph type="dt" sz="half" idx="10"/>
+          </p:nvPr>
+        </p:nvSpPr>
+        <p:spPr>
+          <a:xfrm>
+            <a:off x="838201" y="6356351"/>
+            <a:ext cx="2743200" cy="365125"/>
+          </a:xfrm>
+          <a:prstGeom prst="rect">
+            <a:avLst/>
+          </a:prstGeom>
+        </p:spPr>
+        <p:txBody>
+          <a:bodyPr/>
+          <a:lstStyle/>
+          <a:p>
+            <a:pPr defTabSz="914367"/>
+            <a:fld id="{E7B94D1A-0277-43F2-91AF-16186F4AA5C7}" type="datetimeFigureOut">
+              <a:rPr lang="en-US" smtClean="0">
+                <a:solidFill>
+                  <a:srgbClr val="404040"/>
+                </a:solidFill>
+              </a:rPr>
+              <a:pPr defTabSz="914367"/>
+              <a:t>12/7/2015</a:t>
+            </a:fld>
+            <a:endParaRPr lang="en-US">
+              <a:solidFill>
+                <a:srgbClr val="404040"/>
+              </a:solidFill>
+            </a:endParaRPr>
+          </a:p>
+        </p:txBody>
+      </p:sp>
+      <p:sp>
+        <p:nvSpPr>
+          <p:cNvPr id="6" name="Footer Placeholder 5"/>
+          <p:cNvSpPr>
+            <a:spLocks noGrp="1"/>
+          </p:cNvSpPr>
+          <p:nvPr>
+            <p:ph type="ftr" sz="quarter" idx="11"/>
+          </p:nvPr>
+        </p:nvSpPr>
+        <p:spPr>
+          <a:xfrm>
+            <a:off x="4038600" y="6356351"/>
+            <a:ext cx="4114800" cy="365125"/>
+          </a:xfrm>
+          <a:prstGeom prst="rect">
+            <a:avLst/>
+          </a:prstGeom>
+        </p:spPr>
+        <p:txBody>
+          <a:bodyPr/>
+          <a:lstStyle/>
+          <a:p>
+            <a:pPr defTabSz="914367"/>
+            <a:endParaRPr lang="en-US">
+              <a:solidFill>
+                <a:srgbClr val="404040"/>
+              </a:solidFill>
+            </a:endParaRPr>
+          </a:p>
+        </p:txBody>
+      </p:sp>
+      <p:sp>
+        <p:nvSpPr>
+          <p:cNvPr id="7" name="Slide Number Placeholder 6"/>
+          <p:cNvSpPr>
+            <a:spLocks noGrp="1"/>
+          </p:cNvSpPr>
+          <p:nvPr>
+            <p:ph type="sldNum" sz="quarter" idx="12"/>
+          </p:nvPr>
+        </p:nvSpPr>
+        <p:spPr>
+          <a:xfrm>
+            <a:off x="8610600" y="6356351"/>
+            <a:ext cx="2743200" cy="365125"/>
+          </a:xfrm>
+          <a:prstGeom prst="rect">
+            <a:avLst/>
+          </a:prstGeom>
+        </p:spPr>
+        <p:txBody>
+          <a:bodyPr/>
+          <a:lstStyle/>
+          <a:p>
+            <a:pPr defTabSz="914367"/>
+            <a:fld id="{F244BFF5-CF07-4137-9059-16D41660439E}" type="slidenum">
+              <a:rPr lang="en-US" smtClean="0">
+                <a:solidFill>
+                  <a:srgbClr val="404040"/>
+                </a:solidFill>
+              </a:rPr>
+              <a:pPr defTabSz="914367"/>
+              <a:t>‹#›</a:t>
+            </a:fld>
+            <a:endParaRPr lang="en-US">
+              <a:solidFill>
+                <a:srgbClr val="404040"/>
+              </a:solidFill>
+            </a:endParaRPr>
+          </a:p>
+        </p:txBody>
+      </p:sp>
+    </p:spTree>
+    <p:extLst>
+      <p:ext uri="{BB962C8B-B14F-4D97-AF65-F5344CB8AC3E}">
+        <p14:creationId xmlns:p14="http://schemas.microsoft.com/office/powerpoint/2010/main" val="1479093059"/>
+      </p:ext>
+    </p:extLst>
+  </p:cSld>
+  <p:clrMapOvr>
+    <a:masterClrMapping/>
+  </p:clrMapOvr>
+</p:sldLayout>
+</file>
+
+<file path=ppt/slideLayouts/slideLayout51.xml><?xml version="1.0" encoding="utf-8"?>
+<p:sldLayout xmlns:a="http://schemas.openxmlformats.org/drawingml/2006/main" xmlns:r="http://schemas.openxmlformats.org/officeDocument/2006/relationships" xmlns:p="http://schemas.openxmlformats.org/presentationml/2006/main" userDrawn="1">
+  <p:cSld name="Title Only">
+    <p:spTree>
+      <p:nvGrpSpPr>
+        <p:cNvPr id="1" name=""/>
+        <p:cNvGrpSpPr/>
+        <p:nvPr/>
+      </p:nvGrpSpPr>
+      <p:grpSpPr>
+        <a:xfrm>
+          <a:off x="0" y="0"/>
+          <a:ext cx="0" cy="0"/>
+          <a:chOff x="0" y="0"/>
+          <a:chExt cx="0" cy="0"/>
+        </a:xfrm>
+      </p:grpSpPr>
+      <p:sp>
+        <p:nvSpPr>
+          <p:cNvPr id="2" name="Title 1"/>
+          <p:cNvSpPr>
+            <a:spLocks noGrp="1"/>
+          </p:cNvSpPr>
+          <p:nvPr>
+            <p:ph type="title"/>
+          </p:nvPr>
+        </p:nvSpPr>
+        <p:spPr>
+          <a:xfrm>
+            <a:off x="257176" y="225146"/>
+            <a:ext cx="11615490" cy="739775"/>
+          </a:xfrm>
+        </p:spPr>
+        <p:txBody>
+          <a:bodyPr/>
+          <a:lstStyle>
+            <a:lvl1pPr>
+              <a:defRPr>
+                <a:solidFill>
+                  <a:schemeClr val="accent3"/>
+                </a:solidFill>
+                <a:latin typeface="Segoe UI Semilight" panose="020B0402040204020203" pitchFamily="34" charset="0"/>
+                <a:cs typeface="Segoe UI Semilight" panose="020B0402040204020203" pitchFamily="34" charset="0"/>
+              </a:defRPr>
+            </a:lvl1pPr>
+          </a:lstStyle>
+          <a:p>
+            <a:r>
+              <a:rPr lang="en-US" smtClean="0"/>
+              <a:t>Click to edit Master title style</a:t>
+            </a:r>
+            <a:endParaRPr lang="en-US" dirty="0"/>
+          </a:p>
+        </p:txBody>
+      </p:sp>
+    </p:spTree>
+    <p:extLst>
+      <p:ext uri="{BB962C8B-B14F-4D97-AF65-F5344CB8AC3E}">
+        <p14:creationId xmlns:p14="http://schemas.microsoft.com/office/powerpoint/2010/main" val="217112799"/>
+      </p:ext>
+    </p:extLst>
+  </p:cSld>
+  <p:clrMapOvr>
+    <a:masterClrMapping/>
+  </p:clrMapOvr>
+</p:sldLayout>
+</file>
+
+<file path=ppt/slideLayouts/slideLayout52.xml><?xml version="1.0" encoding="utf-8"?>
+<p:sldLayout xmlns:a="http://schemas.openxmlformats.org/drawingml/2006/main" xmlns:r="http://schemas.openxmlformats.org/officeDocument/2006/relationships" xmlns:p="http://schemas.openxmlformats.org/presentationml/2006/main" preserve="1" userDrawn="1">
+  <p:cSld name="Title Slide">
+    <p:spTree>
+      <p:nvGrpSpPr>
+        <p:cNvPr id="1" name=""/>
+        <p:cNvGrpSpPr/>
+        <p:nvPr/>
+      </p:nvGrpSpPr>
+      <p:grpSpPr>
+        <a:xfrm>
+          <a:off x="0" y="0"/>
+          <a:ext cx="0" cy="0"/>
+          <a:chOff x="0" y="0"/>
+          <a:chExt cx="0" cy="0"/>
+        </a:xfrm>
+      </p:grpSpPr>
+      <p:sp>
+        <p:nvSpPr>
+          <p:cNvPr id="5" name="Text Placeholder 4"/>
+          <p:cNvSpPr>
+            <a:spLocks noGrp="1"/>
+          </p:cNvSpPr>
+          <p:nvPr>
+            <p:ph type="body" sz="quarter" idx="12" hasCustomPrompt="1"/>
+          </p:nvPr>
+        </p:nvSpPr>
+        <p:spPr>
+          <a:xfrm>
+            <a:off x="271104" y="4053841"/>
+            <a:ext cx="8962384" cy="884990"/>
+          </a:xfrm>
+          <a:noFill/>
+        </p:spPr>
+        <p:txBody>
+          <a:bodyPr lIns="146304" tIns="109728" rIns="146304" bIns="109728" anchor="b">
+            <a:noAutofit/>
+          </a:bodyPr>
+          <a:lstStyle>
+            <a:lvl1pPr marL="0" indent="0">
+              <a:spcBef>
+                <a:spcPts val="0"/>
+              </a:spcBef>
+              <a:buNone/>
+              <a:defRPr sz="1961" spc="0" baseline="0">
+                <a:gradFill>
+                  <a:gsLst>
+                    <a:gs pos="0">
+                      <a:schemeClr val="tx1"/>
+                    </a:gs>
+                    <a:gs pos="100000">
+                      <a:schemeClr val="tx1"/>
+                    </a:gs>
+                  </a:gsLst>
+                  <a:lin ang="5400000" scaled="0"/>
+                </a:gradFill>
+                <a:latin typeface="+mn-lt"/>
+              </a:defRPr>
+            </a:lvl1pPr>
+          </a:lstStyle>
+          <a:p>
+            <a:pPr lvl="0"/>
+            <a:r>
+              <a:rPr lang="en-US" dirty="0" smtClean="0"/>
+              <a:t>Speaker Name</a:t>
+            </a:r>
+          </a:p>
+        </p:txBody>
+      </p:sp>
+      <p:sp>
+        <p:nvSpPr>
+          <p:cNvPr id="9" name="Title 1"/>
+          <p:cNvSpPr>
+            <a:spLocks noGrp="1"/>
+          </p:cNvSpPr>
+          <p:nvPr>
+            <p:ph type="title" hasCustomPrompt="1"/>
+          </p:nvPr>
+        </p:nvSpPr>
+        <p:spPr>
+          <a:xfrm>
+            <a:off x="269302" y="2075840"/>
+            <a:ext cx="11653459" cy="1801436"/>
+          </a:xfrm>
+          <a:noFill/>
+        </p:spPr>
+        <p:txBody>
+          <a:bodyPr lIns="146304" tIns="91440" rIns="146304" bIns="91440" anchor="t" anchorCtr="0"/>
+          <a:lstStyle>
+            <a:lvl1pPr>
+              <a:defRPr sz="5294" spc="-98" baseline="0">
+                <a:gradFill>
+                  <a:gsLst>
+                    <a:gs pos="3333">
+                      <a:schemeClr val="tx1"/>
+                    </a:gs>
+                    <a:gs pos="39000">
+                      <a:schemeClr val="tx1"/>
+                    </a:gs>
+                  </a:gsLst>
+                  <a:lin ang="5400000" scaled="0"/>
+                </a:gradFill>
+              </a:defRPr>
+            </a:lvl1pPr>
+          </a:lstStyle>
+          <a:p>
+            <a:r>
+              <a:rPr lang="en-US" dirty="0" smtClean="0"/>
+              <a:t>Presentation title</a:t>
+            </a:r>
+            <a:endParaRPr lang="en-US" dirty="0"/>
+          </a:p>
+        </p:txBody>
+      </p:sp>
+      <p:pic>
+        <p:nvPicPr>
+          <p:cNvPr id="4" name="Picture 3"/>
+          <p:cNvPicPr>
+            <a:picLocks noChangeAspect="1"/>
+          </p:cNvPicPr>
+          <p:nvPr userDrawn="1"/>
+        </p:nvPicPr>
+        <p:blipFill>
+          <a:blip r:embed="rId2" cstate="screen">
+            <a:extLst>
+              <a:ext uri="{28A0092B-C50C-407E-A947-70E740481C1C}">
+                <a14:useLocalDpi xmlns:a14="http://schemas.microsoft.com/office/drawing/2010/main"/>
+              </a:ext>
+            </a:extLst>
+          </a:blip>
+          <a:stretch>
+            <a:fillRect/>
+          </a:stretch>
+        </p:blipFill>
+        <p:spPr bwMode="invGray">
+          <a:xfrm>
+            <a:off x="454618" y="6006587"/>
+            <a:ext cx="1813243" cy="387120"/>
+          </a:xfrm>
+          <a:prstGeom prst="rect">
+            <a:avLst/>
+          </a:prstGeom>
+          <a:noFill/>
+          <a:ln>
+            <a:noFill/>
+          </a:ln>
+        </p:spPr>
+      </p:pic>
+      <p:sp>
+        <p:nvSpPr>
+          <p:cNvPr id="3" name="Text Placeholder 2"/>
+          <p:cNvSpPr>
+            <a:spLocks noGrp="1"/>
+          </p:cNvSpPr>
+          <p:nvPr>
+            <p:ph type="body" sz="quarter" idx="13" hasCustomPrompt="1"/>
+          </p:nvPr>
+        </p:nvSpPr>
+        <p:spPr>
+          <a:xfrm>
+            <a:off x="269303" y="301617"/>
+            <a:ext cx="3584143" cy="567015"/>
+          </a:xfrm>
+        </p:spPr>
+        <p:txBody>
+          <a:bodyPr lIns="182880" tIns="146304" rIns="182880" bIns="146304"/>
+          <a:lstStyle>
+            <a:lvl1pPr marL="0" indent="0">
+              <a:buNone/>
+              <a:defRPr sz="1961">
+                <a:latin typeface="+mn-lt"/>
+              </a:defRPr>
+            </a:lvl1pPr>
+            <a:lvl2pPr marL="336145" indent="0">
+              <a:buNone/>
+              <a:defRPr sz="1961"/>
+            </a:lvl2pPr>
+            <a:lvl3pPr marL="560241" indent="0">
+              <a:buNone/>
+              <a:defRPr sz="1961"/>
+            </a:lvl3pPr>
+            <a:lvl4pPr marL="784338" indent="0">
+              <a:buNone/>
+              <a:defRPr sz="1961"/>
+            </a:lvl4pPr>
+            <a:lvl5pPr marL="1008435" indent="0">
+              <a:buNone/>
+              <a:defRPr sz="1961"/>
+            </a:lvl5pPr>
+          </a:lstStyle>
+          <a:p>
+            <a:pPr lvl="0"/>
+            <a:r>
+              <a:rPr lang="en-US" dirty="0" smtClean="0"/>
+              <a:t>Session Code Here</a:t>
+            </a:r>
+            <a:endParaRPr lang="en-US" dirty="0"/>
+          </a:p>
+        </p:txBody>
+      </p:sp>
+    </p:spTree>
+    <p:extLst>
+      <p:ext uri="{BB962C8B-B14F-4D97-AF65-F5344CB8AC3E}">
+        <p14:creationId xmlns:p14="http://schemas.microsoft.com/office/powerpoint/2010/main" val="1417180763"/>
+      </p:ext>
+    </p:extLst>
+  </p:cSld>
+  <p:clrMapOvr>
+    <a:masterClrMapping/>
+  </p:clrMapOvr>
+  <mc:AlternateContent xmlns:mc="http://schemas.openxmlformats.org/markup-compatibility/2006" xmlns:p14="http://schemas.microsoft.com/office/powerpoint/2010/main">
+    <mc:Choice Requires="p14">
+      <p:transition spd="slow" p14:dur="3400">
+        <p14:reveal/>
+      </p:transition>
+    </mc:Choice>
+    <mc:Fallback xmlns="">
+      <p:transition spd="slow">
+        <p:fade/>
+      </p:transition>
+    </mc:Fallback>
+  </mc:AlternateContent>
+  <p:timing>
+    <p:tnLst>
+      <p:par>
+        <p:cTn id="1" dur="indefinite" restart="never" nodeType="tmRoot"/>
+      </p:par>
+    </p:tnLst>
+  </p:timing>
+  <p:extLst mod="1">
+    <p:ext uri="{DCECCB84-F9BA-43D5-87BE-67443E8EF086}">
+      <p15:sldGuideLst xmlns:p15="http://schemas.microsoft.com/office/powerpoint/2012/main">
+        <p15:guide id="1" orient="horz" pos="4406">
+          <p15:clr>
+            <a:srgbClr val="C35EA4"/>
+          </p15:clr>
+        </p15:guide>
+      </p15:sldGuideLst>
+    </p:ext>
+  </p:extLst>
+</p:sldLayout>
+</file>
+
+<file path=ppt/slideLayouts/slideLayout53.xml><?xml version="1.0" encoding="utf-8"?>
 <p:sldLayout xmlns:a="http://schemas.openxmlformats.org/drawingml/2006/main" xmlns:r="http://schemas.openxmlformats.org/officeDocument/2006/relationships" xmlns:p="http://schemas.openxmlformats.org/presentationml/2006/main" preserve="1" userDrawn="1">
   <p:cSld name="Title slide - 2">
     <p:spTree>
@@ -16018,7 +17634,7 @@
 </p:sldLayout>
 </file>
 
-<file path=ppt/slideLayouts/slideLayout51.xml><?xml version="1.0" encoding="utf-8"?>
+<file path=ppt/slideLayouts/slideLayout54.xml><?xml version="1.0" encoding="utf-8"?>
 <p:sldLayout xmlns:a="http://schemas.openxmlformats.org/drawingml/2006/main" xmlns:r="http://schemas.openxmlformats.org/officeDocument/2006/relationships" xmlns:p="http://schemas.openxmlformats.org/presentationml/2006/main" preserve="1" userDrawn="1">
   <p:cSld name="Title and Content">
     <p:spTree>
@@ -16150,7 +17766,7 @@
 </p:sldLayout>
 </file>
 
-<file path=ppt/slideLayouts/slideLayout52.xml><?xml version="1.0" encoding="utf-8"?>
+<file path=ppt/slideLayouts/slideLayout55.xml><?xml version="1.0" encoding="utf-8"?>
 <p:sldLayout xmlns:a="http://schemas.openxmlformats.org/drawingml/2006/main" xmlns:r="http://schemas.openxmlformats.org/officeDocument/2006/relationships" xmlns:p="http://schemas.openxmlformats.org/presentationml/2006/main" preserve="1" userDrawn="1">
   <p:cSld name="Title and Content - 2">
     <p:spTree>
@@ -16358,7 +17974,7 @@
 </p:sldLayout>
 </file>
 
-<file path=ppt/slideLayouts/slideLayout53.xml><?xml version="1.0" encoding="utf-8"?>
+<file path=ppt/slideLayouts/slideLayout56.xml><?xml version="1.0" encoding="utf-8"?>
 <p:sldLayout xmlns:a="http://schemas.openxmlformats.org/drawingml/2006/main" xmlns:r="http://schemas.openxmlformats.org/officeDocument/2006/relationships" xmlns:p="http://schemas.openxmlformats.org/presentationml/2006/main" preserve="1" userDrawn="1">
   <p:cSld name="Text Only Large">
     <p:spTree>
@@ -16430,7 +18046,7 @@
 </p:sldLayout>
 </file>
 
-<file path=ppt/slideLayouts/slideLayout54.xml><?xml version="1.0" encoding="utf-8"?>
+<file path=ppt/slideLayouts/slideLayout57.xml><?xml version="1.0" encoding="utf-8"?>
 <p:sldLayout xmlns:a="http://schemas.openxmlformats.org/drawingml/2006/main" xmlns:r="http://schemas.openxmlformats.org/officeDocument/2006/relationships" xmlns:p="http://schemas.openxmlformats.org/presentationml/2006/main" preserve="1" userDrawn="1">
   <p:cSld name="Custom Layout">
     <p:spTree>
@@ -16576,7 +18192,7 @@
 </p:sldLayout>
 </file>
 
-<file path=ppt/slideLayouts/slideLayout55.xml><?xml version="1.0" encoding="utf-8"?>
+<file path=ppt/slideLayouts/slideLayout58.xml><?xml version="1.0" encoding="utf-8"?>
 <p:sldLayout xmlns:a="http://schemas.openxmlformats.org/drawingml/2006/main" xmlns:r="http://schemas.openxmlformats.org/officeDocument/2006/relationships" xmlns:p="http://schemas.openxmlformats.org/presentationml/2006/main" preserve="1" userDrawn="1">
   <p:cSld name="Color Shape &amp; Color Background">
     <p:spTree>
@@ -16996,7 +18612,7 @@
 </p:sldLayout>
 </file>
 
-<file path=ppt/slideLayouts/slideLayout56.xml><?xml version="1.0" encoding="utf-8"?>
+<file path=ppt/slideLayouts/slideLayout59.xml><?xml version="1.0" encoding="utf-8"?>
 <p:sldLayout xmlns:a="http://schemas.openxmlformats.org/drawingml/2006/main" xmlns:r="http://schemas.openxmlformats.org/officeDocument/2006/relationships" xmlns:p="http://schemas.openxmlformats.org/presentationml/2006/main" preserve="1" userDrawn="1">
   <p:cSld name="Color Shape &amp; Color Background w/ Title">
     <p:spTree>
@@ -17422,7 +19038,102 @@
 </p:sldLayout>
 </file>
 
-<file path=ppt/slideLayouts/slideLayout57.xml><?xml version="1.0" encoding="utf-8"?>
+<file path=ppt/slideLayouts/slideLayout6.xml><?xml version="1.0" encoding="utf-8"?>
+<p:sldLayout xmlns:a="http://schemas.openxmlformats.org/drawingml/2006/main" xmlns:r="http://schemas.openxmlformats.org/officeDocument/2006/relationships" xmlns:p="http://schemas.openxmlformats.org/presentationml/2006/main" preserve="1" userDrawn="1">
+  <p:cSld name="Section Title">
+    <p:bg>
+      <p:bgPr>
+        <a:solidFill>
+          <a:schemeClr val="bg1"/>
+        </a:solidFill>
+        <a:effectLst/>
+      </p:bgPr>
+    </p:bg>
+    <p:spTree>
+      <p:nvGrpSpPr>
+        <p:cNvPr id="1" name=""/>
+        <p:cNvGrpSpPr/>
+        <p:nvPr/>
+      </p:nvGrpSpPr>
+      <p:grpSpPr>
+        <a:xfrm>
+          <a:off x="0" y="0"/>
+          <a:ext cx="0" cy="0"/>
+          <a:chOff x="0" y="0"/>
+          <a:chExt cx="0" cy="0"/>
+        </a:xfrm>
+      </p:grpSpPr>
+      <p:sp>
+        <p:nvSpPr>
+          <p:cNvPr id="2" name="Title 1"/>
+          <p:cNvSpPr>
+            <a:spLocks noGrp="1"/>
+          </p:cNvSpPr>
+          <p:nvPr>
+            <p:ph type="title" hasCustomPrompt="1"/>
+          </p:nvPr>
+        </p:nvSpPr>
+        <p:spPr>
+          <a:xfrm>
+            <a:off x="816076" y="2238872"/>
+            <a:ext cx="11106686" cy="995838"/>
+          </a:xfrm>
+          <a:noFill/>
+        </p:spPr>
+        <p:txBody>
+          <a:bodyPr wrap="square" tIns="91440" bIns="91440" anchor="t" anchorCtr="0">
+            <a:spAutoFit/>
+          </a:bodyPr>
+          <a:lstStyle>
+            <a:lvl1pPr>
+              <a:defRPr sz="5882" spc="-98" baseline="0">
+                <a:gradFill>
+                  <a:gsLst>
+                    <a:gs pos="100000">
+                      <a:schemeClr val="tx1"/>
+                    </a:gs>
+                    <a:gs pos="0">
+                      <a:schemeClr val="tx1"/>
+                    </a:gs>
+                  </a:gsLst>
+                  <a:lin ang="5400000" scaled="0"/>
+                </a:gradFill>
+              </a:defRPr>
+            </a:lvl1pPr>
+          </a:lstStyle>
+          <a:p>
+            <a:r>
+              <a:rPr lang="en-US" dirty="0" smtClean="0"/>
+              <a:t>Section title</a:t>
+            </a:r>
+            <a:endParaRPr lang="en-US" dirty="0"/>
+          </a:p>
+        </p:txBody>
+      </p:sp>
+    </p:spTree>
+    <p:extLst>
+      <p:ext uri="{BB962C8B-B14F-4D97-AF65-F5344CB8AC3E}">
+        <p14:creationId xmlns:p14="http://schemas.microsoft.com/office/powerpoint/2010/main" val="605210767"/>
+      </p:ext>
+    </p:extLst>
+  </p:cSld>
+  <p:clrMapOvr>
+    <a:masterClrMapping/>
+  </p:clrMapOvr>
+  <p:transition>
+    <p:fade/>
+  </p:transition>
+  <p:timing>
+    <p:tnLst>
+      <p:par>
+        <p:cTn id="1" dur="indefinite" restart="never" nodeType="tmRoot"/>
+      </p:par>
+    </p:tnLst>
+  </p:timing>
+</p:sldLayout>
+</file>
+
+<file path=ppt/slideLayouts/slideLayout60.xml><?xml version="1.0" encoding="utf-8"?>
 <p:sldLayout xmlns:a="http://schemas.openxmlformats.org/drawingml/2006/main" xmlns:r="http://schemas.openxmlformats.org/officeDocument/2006/relationships" xmlns:p="http://schemas.openxmlformats.org/presentationml/2006/main" preserve="1" userDrawn="1">
   <p:cSld name="Picture Shape &amp; Color Background w/ Title">
     <p:spTree>
@@ -17859,7 +19570,7 @@
 </p:sldLayout>
 </file>
 
-<file path=ppt/slideLayouts/slideLayout58.xml><?xml version="1.0" encoding="utf-8"?>
+<file path=ppt/slideLayouts/slideLayout61.xml><?xml version="1.0" encoding="utf-8"?>
 <p:sldLayout xmlns:a="http://schemas.openxmlformats.org/drawingml/2006/main" xmlns:r="http://schemas.openxmlformats.org/officeDocument/2006/relationships" xmlns:p="http://schemas.openxmlformats.org/presentationml/2006/main" preserve="1" userDrawn="1">
   <p:cSld name="Title and Content - Code">
     <p:spTree>
@@ -18054,7 +19765,7 @@
 </p:sldLayout>
 </file>
 
-<file path=ppt/slideLayouts/slideLayout59.xml><?xml version="1.0" encoding="utf-8"?>
+<file path=ppt/slideLayouts/slideLayout62.xml><?xml version="1.0" encoding="utf-8"?>
 <p:sldLayout xmlns:a="http://schemas.openxmlformats.org/drawingml/2006/main" xmlns:r="http://schemas.openxmlformats.org/officeDocument/2006/relationships" xmlns:p="http://schemas.openxmlformats.org/presentationml/2006/main" preserve="1" userDrawn="1">
   <p:cSld name="Blank">
     <p:bg bwMode="gray">
@@ -18102,102 +19813,7 @@
 </p:sldLayout>
 </file>
 
-<file path=ppt/slideLayouts/slideLayout6.xml><?xml version="1.0" encoding="utf-8"?>
-<p:sldLayout xmlns:a="http://schemas.openxmlformats.org/drawingml/2006/main" xmlns:r="http://schemas.openxmlformats.org/officeDocument/2006/relationships" xmlns:p="http://schemas.openxmlformats.org/presentationml/2006/main" preserve="1" userDrawn="1">
-  <p:cSld name="Section Title">
-    <p:bg>
-      <p:bgPr>
-        <a:solidFill>
-          <a:schemeClr val="bg1"/>
-        </a:solidFill>
-        <a:effectLst/>
-      </p:bgPr>
-    </p:bg>
-    <p:spTree>
-      <p:nvGrpSpPr>
-        <p:cNvPr id="1" name=""/>
-        <p:cNvGrpSpPr/>
-        <p:nvPr/>
-      </p:nvGrpSpPr>
-      <p:grpSpPr>
-        <a:xfrm>
-          <a:off x="0" y="0"/>
-          <a:ext cx="0" cy="0"/>
-          <a:chOff x="0" y="0"/>
-          <a:chExt cx="0" cy="0"/>
-        </a:xfrm>
-      </p:grpSpPr>
-      <p:sp>
-        <p:nvSpPr>
-          <p:cNvPr id="2" name="Title 1"/>
-          <p:cNvSpPr>
-            <a:spLocks noGrp="1"/>
-          </p:cNvSpPr>
-          <p:nvPr>
-            <p:ph type="title" hasCustomPrompt="1"/>
-          </p:nvPr>
-        </p:nvSpPr>
-        <p:spPr>
-          <a:xfrm>
-            <a:off x="816076" y="2238872"/>
-            <a:ext cx="11106686" cy="995838"/>
-          </a:xfrm>
-          <a:noFill/>
-        </p:spPr>
-        <p:txBody>
-          <a:bodyPr wrap="square" tIns="91440" bIns="91440" anchor="t" anchorCtr="0">
-            <a:spAutoFit/>
-          </a:bodyPr>
-          <a:lstStyle>
-            <a:lvl1pPr>
-              <a:defRPr sz="5882" spc="-98" baseline="0">
-                <a:gradFill>
-                  <a:gsLst>
-                    <a:gs pos="100000">
-                      <a:schemeClr val="tx1"/>
-                    </a:gs>
-                    <a:gs pos="0">
-                      <a:schemeClr val="tx1"/>
-                    </a:gs>
-                  </a:gsLst>
-                  <a:lin ang="5400000" scaled="0"/>
-                </a:gradFill>
-              </a:defRPr>
-            </a:lvl1pPr>
-          </a:lstStyle>
-          <a:p>
-            <a:r>
-              <a:rPr lang="en-US" dirty="0" smtClean="0"/>
-              <a:t>Section title</a:t>
-            </a:r>
-            <a:endParaRPr lang="en-US" dirty="0"/>
-          </a:p>
-        </p:txBody>
-      </p:sp>
-    </p:spTree>
-    <p:extLst>
-      <p:ext uri="{BB962C8B-B14F-4D97-AF65-F5344CB8AC3E}">
-        <p14:creationId xmlns:p14="http://schemas.microsoft.com/office/powerpoint/2010/main" val="605210767"/>
-      </p:ext>
-    </p:extLst>
-  </p:cSld>
-  <p:clrMapOvr>
-    <a:masterClrMapping/>
-  </p:clrMapOvr>
-  <p:transition>
-    <p:fade/>
-  </p:transition>
-  <p:timing>
-    <p:tnLst>
-      <p:par>
-        <p:cTn id="1" dur="indefinite" restart="never" nodeType="tmRoot"/>
-      </p:par>
-    </p:tnLst>
-  </p:timing>
-</p:sldLayout>
-</file>
-
-<file path=ppt/slideLayouts/slideLayout60.xml><?xml version="1.0" encoding="utf-8"?>
+<file path=ppt/slideLayouts/slideLayout63.xml><?xml version="1.0" encoding="utf-8"?>
 <p:sldLayout xmlns:a="http://schemas.openxmlformats.org/drawingml/2006/main" xmlns:r="http://schemas.openxmlformats.org/officeDocument/2006/relationships" xmlns:p="http://schemas.openxmlformats.org/presentationml/2006/main" preserve="1" userDrawn="1">
   <p:cSld name="Walk-in">
     <p:bg>
@@ -19304,7 +20920,7 @@
 </p:sldLayout>
 </file>
 
-<file path=ppt/slideLayouts/slideLayout61.xml><?xml version="1.0" encoding="utf-8"?>
+<file path=ppt/slideLayouts/slideLayout64.xml><?xml version="1.0" encoding="utf-8"?>
 <p:sldLayout xmlns:a="http://schemas.openxmlformats.org/drawingml/2006/main" xmlns:r="http://schemas.openxmlformats.org/officeDocument/2006/relationships" xmlns:p="http://schemas.openxmlformats.org/presentationml/2006/main" preserve="1" userDrawn="1">
   <p:cSld name="Closing logo slide">
     <p:spTree>
@@ -19463,7 +21079,7 @@
 </p:sldLayout>
 </file>
 
-<file path=ppt/slideLayouts/slideLayout62.xml><?xml version="1.0" encoding="utf-8"?>
+<file path=ppt/slideLayouts/slideLayout65.xml><?xml version="1.0" encoding="utf-8"?>
 <p:sldLayout xmlns:a="http://schemas.openxmlformats.org/drawingml/2006/main" xmlns:r="http://schemas.openxmlformats.org/officeDocument/2006/relationships" xmlns:p="http://schemas.openxmlformats.org/presentationml/2006/main" preserve="1" userDrawn="1">
   <p:cSld name="Multiple Shapes &amp; Color Background">
     <p:spTree>
@@ -21312,7 +22928,7 @@
 </p:sldLayout>
 </file>
 
-<file path=ppt/slideLayouts/slideLayout63.xml><?xml version="1.0" encoding="utf-8"?>
+<file path=ppt/slideLayouts/slideLayout66.xml><?xml version="1.0" encoding="utf-8"?>
 <p:sldLayout xmlns:a="http://schemas.openxmlformats.org/drawingml/2006/main" xmlns:r="http://schemas.openxmlformats.org/officeDocument/2006/relationships" xmlns:p="http://schemas.openxmlformats.org/presentationml/2006/main" preserve="1" userDrawn="1">
   <p:cSld name="Black Notes slide Layout">
     <p:bg bwMode="black">
@@ -21641,7 +23257,7 @@
 </p:sldLayout>
 </file>
 
-<file path=ppt/slideLayouts/slideLayout64.xml><?xml version="1.0" encoding="utf-8"?>
+<file path=ppt/slideLayouts/slideLayout67.xml><?xml version="1.0" encoding="utf-8"?>
 <p:sldLayout xmlns:a="http://schemas.openxmlformats.org/drawingml/2006/main" xmlns:r="http://schemas.openxmlformats.org/officeDocument/2006/relationships" xmlns:p="http://schemas.openxmlformats.org/presentationml/2006/main" preserve="1" userDrawn="1">
   <p:cSld name="Black Notes slide Layout No Bar">
     <p:bg bwMode="black">
@@ -21912,7 +23528,7 @@
 </p:sldLayout>
 </file>
 
-<file path=ppt/slideLayouts/slideLayout65.xml><?xml version="1.0" encoding="utf-8"?>
+<file path=ppt/slideLayouts/slideLayout68.xml><?xml version="1.0" encoding="utf-8"?>
 <p:sldLayout xmlns:a="http://schemas.openxmlformats.org/drawingml/2006/main" xmlns:r="http://schemas.openxmlformats.org/officeDocument/2006/relationships" xmlns:p="http://schemas.openxmlformats.org/presentationml/2006/main" type="twoObj">
   <p:cSld name="Two Content">
     <p:spTree>
@@ -22097,7 +23713,7 @@
                 </a:solidFill>
               </a:rPr>
               <a:pPr defTabSz="914367"/>
-              <a:t>12/6/2015</a:t>
+              <a:t>12/7/2015</a:t>
             </a:fld>
             <a:endParaRPr lang="en-US">
               <a:solidFill>
@@ -22193,7 +23809,362 @@
 </p:sldLayout>
 </file>
 
-<file path=ppt/slideLayouts/slideLayout66.xml><?xml version="1.0" encoding="utf-8"?>
+<file path=ppt/slideLayouts/slideLayout69.xml><?xml version="1.0" encoding="utf-8"?>
+<p:sldLayout xmlns:a="http://schemas.openxmlformats.org/drawingml/2006/main" xmlns:r="http://schemas.openxmlformats.org/officeDocument/2006/relationships" xmlns:p="http://schemas.openxmlformats.org/presentationml/2006/main" type="title">
+  <p:cSld name="Session">
+    <p:bg>
+      <p:bgPr>
+        <a:solidFill>
+          <a:schemeClr val="accent4"/>
+        </a:solidFill>
+        <a:effectLst/>
+      </p:bgPr>
+    </p:bg>
+    <p:spTree>
+      <p:nvGrpSpPr>
+        <p:cNvPr id="1" name=""/>
+        <p:cNvGrpSpPr/>
+        <p:nvPr/>
+      </p:nvGrpSpPr>
+      <p:grpSpPr>
+        <a:xfrm>
+          <a:off x="0" y="0"/>
+          <a:ext cx="0" cy="0"/>
+          <a:chOff x="0" y="0"/>
+          <a:chExt cx="0" cy="0"/>
+        </a:xfrm>
+      </p:grpSpPr>
+      <p:sp>
+        <p:nvSpPr>
+          <p:cNvPr id="2" name="Заголовок 1"/>
+          <p:cNvSpPr>
+            <a:spLocks noGrp="1"/>
+          </p:cNvSpPr>
+          <p:nvPr>
+            <p:ph type="ctrTitle"/>
+          </p:nvPr>
+        </p:nvSpPr>
+        <p:spPr>
+          <a:xfrm>
+            <a:off x="0" y="1269000"/>
+            <a:ext cx="12192000" cy="2880000"/>
+          </a:xfrm>
+          <a:solidFill>
+            <a:schemeClr val="bg1"/>
+          </a:solidFill>
+        </p:spPr>
+        <p:txBody>
+          <a:bodyPr lIns="1080000" rIns="1080000" anchor="b"/>
+          <a:lstStyle>
+            <a:lvl1pPr algn="l">
+              <a:defRPr sz="6000">
+                <a:solidFill>
+                  <a:schemeClr val="accent4">
+                    <a:lumMod val="75000"/>
+                  </a:schemeClr>
+                </a:solidFill>
+              </a:defRPr>
+            </a:lvl1pPr>
+          </a:lstStyle>
+          <a:p>
+            <a:r>
+              <a:rPr lang="ru-RU" dirty="0" smtClean="0"/>
+              <a:t>Образец заголовка</a:t>
+            </a:r>
+            <a:endParaRPr lang="ru-RU" dirty="0"/>
+          </a:p>
+        </p:txBody>
+      </p:sp>
+      <p:sp>
+        <p:nvSpPr>
+          <p:cNvPr id="3" name="Подзаголовок 2"/>
+          <p:cNvSpPr>
+            <a:spLocks noGrp="1"/>
+          </p:cNvSpPr>
+          <p:nvPr>
+            <p:ph type="subTitle" idx="1"/>
+          </p:nvPr>
+        </p:nvSpPr>
+        <p:spPr>
+          <a:xfrm>
+            <a:off x="1056000" y="4329000"/>
+            <a:ext cx="9144000" cy="1452017"/>
+          </a:xfrm>
+        </p:spPr>
+        <p:txBody>
+          <a:bodyPr lIns="36000" rIns="36000">
+            <a:normAutofit/>
+          </a:bodyPr>
+          <a:lstStyle>
+            <a:lvl1pPr marL="0" indent="0" algn="l">
+              <a:buNone/>
+              <a:defRPr sz="3600">
+                <a:solidFill>
+                  <a:schemeClr val="bg1"/>
+                </a:solidFill>
+              </a:defRPr>
+            </a:lvl1pPr>
+            <a:lvl2pPr marL="457200" indent="0" algn="ctr">
+              <a:buNone/>
+              <a:defRPr sz="2000"/>
+            </a:lvl2pPr>
+            <a:lvl3pPr marL="914400" indent="0" algn="ctr">
+              <a:buNone/>
+              <a:defRPr sz="1800"/>
+            </a:lvl3pPr>
+            <a:lvl4pPr marL="1371600" indent="0" algn="ctr">
+              <a:buNone/>
+              <a:defRPr sz="1600"/>
+            </a:lvl4pPr>
+            <a:lvl5pPr marL="1828800" indent="0" algn="ctr">
+              <a:buNone/>
+              <a:defRPr sz="1600"/>
+            </a:lvl5pPr>
+            <a:lvl6pPr marL="2286000" indent="0" algn="ctr">
+              <a:buNone/>
+              <a:defRPr sz="1600"/>
+            </a:lvl6pPr>
+            <a:lvl7pPr marL="2743200" indent="0" algn="ctr">
+              <a:buNone/>
+              <a:defRPr sz="1600"/>
+            </a:lvl7pPr>
+            <a:lvl8pPr marL="3200400" indent="0" algn="ctr">
+              <a:buNone/>
+              <a:defRPr sz="1600"/>
+            </a:lvl8pPr>
+            <a:lvl9pPr marL="3657600" indent="0" algn="ctr">
+              <a:buNone/>
+              <a:defRPr sz="1600"/>
+            </a:lvl9pPr>
+          </a:lstStyle>
+          <a:p>
+            <a:r>
+              <a:rPr lang="ru-RU" dirty="0" smtClean="0"/>
+              <a:t>Образец подзаголовка</a:t>
+            </a:r>
+            <a:endParaRPr lang="ru-RU" dirty="0"/>
+          </a:p>
+        </p:txBody>
+      </p:sp>
+      <p:pic>
+        <p:nvPicPr>
+          <p:cNvPr id="6" name="Picture 5"/>
+          <p:cNvPicPr>
+            <a:picLocks noChangeAspect="1"/>
+          </p:cNvPicPr>
+          <p:nvPr userDrawn="1"/>
+        </p:nvPicPr>
+        <p:blipFill rotWithShape="1">
+          <a:blip r:embed="rId2" cstate="print">
+            <a:extLst>
+              <a:ext uri="{28A0092B-C50C-407E-A947-70E740481C1C}">
+                <a14:useLocalDpi xmlns:a14="http://schemas.microsoft.com/office/drawing/2010/main" val="0"/>
+              </a:ext>
+            </a:extLst>
+          </a:blip>
+          <a:srcRect l="-3"/>
+          <a:stretch/>
+        </p:blipFill>
+        <p:spPr>
+          <a:xfrm>
+            <a:off x="11316000" y="5949000"/>
+            <a:ext cx="616920" cy="762002"/>
+          </a:xfrm>
+          <a:prstGeom prst="rect">
+            <a:avLst/>
+          </a:prstGeom>
+        </p:spPr>
+      </p:pic>
+    </p:spTree>
+    <p:extLst>
+      <p:ext uri="{BB962C8B-B14F-4D97-AF65-F5344CB8AC3E}">
+        <p14:creationId xmlns:p14="http://schemas.microsoft.com/office/powerpoint/2010/main" val="1849858482"/>
+      </p:ext>
+    </p:extLst>
+  </p:cSld>
+  <p:clrMapOvr>
+    <a:masterClrMapping/>
+  </p:clrMapOvr>
+</p:sldLayout>
+</file>
+
+<file path=ppt/slideLayouts/slideLayout7.xml><?xml version="1.0" encoding="utf-8"?>
+<p:sldLayout xmlns:a="http://schemas.openxmlformats.org/drawingml/2006/main" xmlns:r="http://schemas.openxmlformats.org/officeDocument/2006/relationships" xmlns:p="http://schemas.openxmlformats.org/presentationml/2006/main" preserve="1" userDrawn="1">
+  <p:cSld name="Title Slide">
+    <p:spTree>
+      <p:nvGrpSpPr>
+        <p:cNvPr id="1" name=""/>
+        <p:cNvGrpSpPr/>
+        <p:nvPr/>
+      </p:nvGrpSpPr>
+      <p:grpSpPr>
+        <a:xfrm>
+          <a:off x="0" y="0"/>
+          <a:ext cx="0" cy="0"/>
+          <a:chOff x="0" y="0"/>
+          <a:chExt cx="0" cy="0"/>
+        </a:xfrm>
+      </p:grpSpPr>
+      <p:sp>
+        <p:nvSpPr>
+          <p:cNvPr id="9" name="Title 1"/>
+          <p:cNvSpPr>
+            <a:spLocks noGrp="1"/>
+          </p:cNvSpPr>
+          <p:nvPr>
+            <p:ph type="title" hasCustomPrompt="1"/>
+          </p:nvPr>
+        </p:nvSpPr>
+        <p:spPr>
+          <a:xfrm>
+            <a:off x="269302" y="2084187"/>
+            <a:ext cx="8964185" cy="1793090"/>
+          </a:xfrm>
+          <a:noFill/>
+        </p:spPr>
+        <p:txBody>
+          <a:bodyPr lIns="146304" tIns="91440" rIns="146304" bIns="91440" anchor="t" anchorCtr="0"/>
+          <a:lstStyle>
+            <a:lvl1pPr>
+              <a:defRPr sz="5294" spc="-98" baseline="0">
+                <a:gradFill>
+                  <a:gsLst>
+                    <a:gs pos="91000">
+                      <a:schemeClr val="tx1"/>
+                    </a:gs>
+                    <a:gs pos="0">
+                      <a:schemeClr val="tx1"/>
+                    </a:gs>
+                  </a:gsLst>
+                  <a:lin ang="5400000" scaled="0"/>
+                </a:gradFill>
+              </a:defRPr>
+            </a:lvl1pPr>
+          </a:lstStyle>
+          <a:p>
+            <a:r>
+              <a:rPr lang="en-US" dirty="0" smtClean="0"/>
+              <a:t>Presentation title</a:t>
+            </a:r>
+            <a:endParaRPr lang="en-US" dirty="0"/>
+          </a:p>
+        </p:txBody>
+      </p:sp>
+      <p:sp>
+        <p:nvSpPr>
+          <p:cNvPr id="5" name="Text Placeholder 4"/>
+          <p:cNvSpPr>
+            <a:spLocks noGrp="1"/>
+          </p:cNvSpPr>
+          <p:nvPr>
+            <p:ph type="body" sz="quarter" idx="12" hasCustomPrompt="1"/>
+          </p:nvPr>
+        </p:nvSpPr>
+        <p:spPr>
+          <a:xfrm>
+            <a:off x="269301" y="3878574"/>
+            <a:ext cx="7171337" cy="1792326"/>
+          </a:xfrm>
+          <a:noFill/>
+        </p:spPr>
+        <p:txBody>
+          <a:bodyPr lIns="146304" tIns="109728" rIns="146304" bIns="109728">
+            <a:noAutofit/>
+          </a:bodyPr>
+          <a:lstStyle>
+            <a:lvl1pPr marL="0" indent="0">
+              <a:spcBef>
+                <a:spcPts val="0"/>
+              </a:spcBef>
+              <a:buNone/>
+              <a:defRPr sz="3137" spc="0" baseline="0">
+                <a:gradFill>
+                  <a:gsLst>
+                    <a:gs pos="91000">
+                      <a:schemeClr val="tx1"/>
+                    </a:gs>
+                    <a:gs pos="0">
+                      <a:schemeClr val="tx1"/>
+                    </a:gs>
+                  </a:gsLst>
+                  <a:lin ang="5400000" scaled="0"/>
+                </a:gradFill>
+                <a:latin typeface="+mj-lt"/>
+              </a:defRPr>
+            </a:lvl1pPr>
+          </a:lstStyle>
+          <a:p>
+            <a:pPr lvl="0"/>
+            <a:r>
+              <a:rPr lang="en-US" dirty="0" smtClean="0"/>
+              <a:t>Speaker Name</a:t>
+            </a:r>
+          </a:p>
+        </p:txBody>
+      </p:sp>
+      <p:pic>
+        <p:nvPicPr>
+          <p:cNvPr id="7" name="Picture 6"/>
+          <p:cNvPicPr>
+            <a:picLocks noChangeAspect="1"/>
+          </p:cNvPicPr>
+          <p:nvPr userDrawn="1"/>
+        </p:nvPicPr>
+        <p:blipFill>
+          <a:blip r:embed="rId2" cstate="screen">
+            <a:extLst>
+              <a:ext uri="{28A0092B-C50C-407E-A947-70E740481C1C}">
+                <a14:useLocalDpi xmlns:a14="http://schemas.microsoft.com/office/drawing/2010/main"/>
+              </a:ext>
+            </a:extLst>
+          </a:blip>
+          <a:stretch>
+            <a:fillRect/>
+          </a:stretch>
+        </p:blipFill>
+        <p:spPr bwMode="invGray">
+          <a:xfrm>
+            <a:off x="448589" y="6118623"/>
+            <a:ext cx="1255413" cy="268966"/>
+          </a:xfrm>
+          <a:prstGeom prst="rect">
+            <a:avLst/>
+          </a:prstGeom>
+        </p:spPr>
+      </p:pic>
+    </p:spTree>
+    <p:extLst>
+      <p:ext uri="{BB962C8B-B14F-4D97-AF65-F5344CB8AC3E}">
+        <p14:creationId xmlns:p14="http://schemas.microsoft.com/office/powerpoint/2010/main" val="3533762233"/>
+      </p:ext>
+    </p:extLst>
+  </p:cSld>
+  <p:clrMapOvr>
+    <a:masterClrMapping/>
+  </p:clrMapOvr>
+  <mc:AlternateContent xmlns:mc="http://schemas.openxmlformats.org/markup-compatibility/2006" xmlns:p14="http://schemas.microsoft.com/office/powerpoint/2010/main">
+    <mc:Choice Requires="p14">
+      <p:transition spd="slow" p14:dur="3400">
+        <p14:reveal/>
+      </p:transition>
+    </mc:Choice>
+    <mc:Fallback xmlns="">
+      <p:transition spd="slow">
+        <p:fade/>
+      </p:transition>
+    </mc:Fallback>
+  </mc:AlternateContent>
+  <p:timing>
+    <p:tnLst>
+      <p:par>
+        <p:cTn id="1" dur="indefinite" restart="never" nodeType="tmRoot"/>
+      </p:par>
+    </p:tnLst>
+  </p:timing>
+</p:sldLayout>
+</file>
+
+<file path=ppt/slideLayouts/slideLayout70.xml><?xml version="1.0" encoding="utf-8"?>
 <p:sldLayout xmlns:a="http://schemas.openxmlformats.org/drawingml/2006/main" xmlns:r="http://schemas.openxmlformats.org/officeDocument/2006/relationships" xmlns:p="http://schemas.openxmlformats.org/presentationml/2006/main" preserve="1" userDrawn="1">
   <p:cSld name="Title Slide">
     <p:spTree>
@@ -22436,7 +24407,7 @@
 </p:sldLayout>
 </file>
 
-<file path=ppt/slideLayouts/slideLayout67.xml><?xml version="1.0" encoding="utf-8"?>
+<file path=ppt/slideLayouts/slideLayout71.xml><?xml version="1.0" encoding="utf-8"?>
 <p:sldLayout xmlns:a="http://schemas.openxmlformats.org/drawingml/2006/main" xmlns:r="http://schemas.openxmlformats.org/officeDocument/2006/relationships" xmlns:p="http://schemas.openxmlformats.org/presentationml/2006/main" preserve="1" userDrawn="1">
   <p:cSld name="Title slide - 2">
     <p:spTree>
@@ -23670,7 +25641,7 @@
 </p:sldLayout>
 </file>
 
-<file path=ppt/slideLayouts/slideLayout68.xml><?xml version="1.0" encoding="utf-8"?>
+<file path=ppt/slideLayouts/slideLayout72.xml><?xml version="1.0" encoding="utf-8"?>
 <p:sldLayout xmlns:a="http://schemas.openxmlformats.org/drawingml/2006/main" xmlns:r="http://schemas.openxmlformats.org/officeDocument/2006/relationships" xmlns:p="http://schemas.openxmlformats.org/presentationml/2006/main" preserve="1" userDrawn="1">
   <p:cSld name="Title and Content">
     <p:spTree>
@@ -23802,7 +25773,7 @@
 </p:sldLayout>
 </file>
 
-<file path=ppt/slideLayouts/slideLayout69.xml><?xml version="1.0" encoding="utf-8"?>
+<file path=ppt/slideLayouts/slideLayout73.xml><?xml version="1.0" encoding="utf-8"?>
 <p:sldLayout xmlns:a="http://schemas.openxmlformats.org/drawingml/2006/main" xmlns:r="http://schemas.openxmlformats.org/officeDocument/2006/relationships" xmlns:p="http://schemas.openxmlformats.org/presentationml/2006/main" preserve="1" userDrawn="1">
   <p:cSld name="Title and Content - 2">
     <p:spTree>
@@ -24010,183 +25981,7 @@
 </p:sldLayout>
 </file>
 
-<file path=ppt/slideLayouts/slideLayout7.xml><?xml version="1.0" encoding="utf-8"?>
-<p:sldLayout xmlns:a="http://schemas.openxmlformats.org/drawingml/2006/main" xmlns:r="http://schemas.openxmlformats.org/officeDocument/2006/relationships" xmlns:p="http://schemas.openxmlformats.org/presentationml/2006/main" preserve="1" userDrawn="1">
-  <p:cSld name="Title Slide">
-    <p:spTree>
-      <p:nvGrpSpPr>
-        <p:cNvPr id="1" name=""/>
-        <p:cNvGrpSpPr/>
-        <p:nvPr/>
-      </p:nvGrpSpPr>
-      <p:grpSpPr>
-        <a:xfrm>
-          <a:off x="0" y="0"/>
-          <a:ext cx="0" cy="0"/>
-          <a:chOff x="0" y="0"/>
-          <a:chExt cx="0" cy="0"/>
-        </a:xfrm>
-      </p:grpSpPr>
-      <p:sp>
-        <p:nvSpPr>
-          <p:cNvPr id="9" name="Title 1"/>
-          <p:cNvSpPr>
-            <a:spLocks noGrp="1"/>
-          </p:cNvSpPr>
-          <p:nvPr>
-            <p:ph type="title" hasCustomPrompt="1"/>
-          </p:nvPr>
-        </p:nvSpPr>
-        <p:spPr>
-          <a:xfrm>
-            <a:off x="269302" y="2084187"/>
-            <a:ext cx="8964185" cy="1793090"/>
-          </a:xfrm>
-          <a:noFill/>
-        </p:spPr>
-        <p:txBody>
-          <a:bodyPr lIns="146304" tIns="91440" rIns="146304" bIns="91440" anchor="t" anchorCtr="0"/>
-          <a:lstStyle>
-            <a:lvl1pPr>
-              <a:defRPr sz="5294" spc="-98" baseline="0">
-                <a:gradFill>
-                  <a:gsLst>
-                    <a:gs pos="91000">
-                      <a:schemeClr val="tx1"/>
-                    </a:gs>
-                    <a:gs pos="0">
-                      <a:schemeClr val="tx1"/>
-                    </a:gs>
-                  </a:gsLst>
-                  <a:lin ang="5400000" scaled="0"/>
-                </a:gradFill>
-              </a:defRPr>
-            </a:lvl1pPr>
-          </a:lstStyle>
-          <a:p>
-            <a:r>
-              <a:rPr lang="en-US" dirty="0" smtClean="0"/>
-              <a:t>Presentation title</a:t>
-            </a:r>
-            <a:endParaRPr lang="en-US" dirty="0"/>
-          </a:p>
-        </p:txBody>
-      </p:sp>
-      <p:sp>
-        <p:nvSpPr>
-          <p:cNvPr id="5" name="Text Placeholder 4"/>
-          <p:cNvSpPr>
-            <a:spLocks noGrp="1"/>
-          </p:cNvSpPr>
-          <p:nvPr>
-            <p:ph type="body" sz="quarter" idx="12" hasCustomPrompt="1"/>
-          </p:nvPr>
-        </p:nvSpPr>
-        <p:spPr>
-          <a:xfrm>
-            <a:off x="269301" y="3878574"/>
-            <a:ext cx="7171337" cy="1792326"/>
-          </a:xfrm>
-          <a:noFill/>
-        </p:spPr>
-        <p:txBody>
-          <a:bodyPr lIns="146304" tIns="109728" rIns="146304" bIns="109728">
-            <a:noAutofit/>
-          </a:bodyPr>
-          <a:lstStyle>
-            <a:lvl1pPr marL="0" indent="0">
-              <a:spcBef>
-                <a:spcPts val="0"/>
-              </a:spcBef>
-              <a:buNone/>
-              <a:defRPr sz="3137" spc="0" baseline="0">
-                <a:gradFill>
-                  <a:gsLst>
-                    <a:gs pos="91000">
-                      <a:schemeClr val="tx1"/>
-                    </a:gs>
-                    <a:gs pos="0">
-                      <a:schemeClr val="tx1"/>
-                    </a:gs>
-                  </a:gsLst>
-                  <a:lin ang="5400000" scaled="0"/>
-                </a:gradFill>
-                <a:latin typeface="+mj-lt"/>
-              </a:defRPr>
-            </a:lvl1pPr>
-          </a:lstStyle>
-          <a:p>
-            <a:pPr lvl="0"/>
-            <a:r>
-              <a:rPr lang="en-US" dirty="0" smtClean="0"/>
-              <a:t>Speaker Name</a:t>
-            </a:r>
-          </a:p>
-        </p:txBody>
-      </p:sp>
-      <p:pic>
-        <p:nvPicPr>
-          <p:cNvPr id="7" name="Picture 6"/>
-          <p:cNvPicPr>
-            <a:picLocks noChangeAspect="1"/>
-          </p:cNvPicPr>
-          <p:nvPr userDrawn="1"/>
-        </p:nvPicPr>
-        <p:blipFill>
-          <a:blip r:embed="rId2" cstate="screen">
-            <a:extLst>
-              <a:ext uri="{28A0092B-C50C-407E-A947-70E740481C1C}">
-                <a14:useLocalDpi xmlns:a14="http://schemas.microsoft.com/office/drawing/2010/main"/>
-              </a:ext>
-            </a:extLst>
-          </a:blip>
-          <a:stretch>
-            <a:fillRect/>
-          </a:stretch>
-        </p:blipFill>
-        <p:spPr bwMode="invGray">
-          <a:xfrm>
-            <a:off x="448589" y="6118623"/>
-            <a:ext cx="1255413" cy="268966"/>
-          </a:xfrm>
-          <a:prstGeom prst="rect">
-            <a:avLst/>
-          </a:prstGeom>
-        </p:spPr>
-      </p:pic>
-    </p:spTree>
-    <p:extLst>
-      <p:ext uri="{BB962C8B-B14F-4D97-AF65-F5344CB8AC3E}">
-        <p14:creationId xmlns:p14="http://schemas.microsoft.com/office/powerpoint/2010/main" val="3533762233"/>
-      </p:ext>
-    </p:extLst>
-  </p:cSld>
-  <p:clrMapOvr>
-    <a:masterClrMapping/>
-  </p:clrMapOvr>
-  <mc:AlternateContent xmlns:mc="http://schemas.openxmlformats.org/markup-compatibility/2006" xmlns:p14="http://schemas.microsoft.com/office/powerpoint/2010/main">
-    <mc:Choice Requires="p14">
-      <p:transition spd="slow" p14:dur="3400">
-        <p14:reveal/>
-      </p:transition>
-    </mc:Choice>
-    <mc:Fallback xmlns="">
-      <p:transition spd="slow">
-        <p:fade/>
-      </p:transition>
-    </mc:Fallback>
-  </mc:AlternateContent>
-  <p:timing>
-    <p:tnLst>
-      <p:par>
-        <p:cTn id="1" dur="indefinite" restart="never" nodeType="tmRoot"/>
-      </p:par>
-    </p:tnLst>
-  </p:timing>
-</p:sldLayout>
-</file>
-
-<file path=ppt/slideLayouts/slideLayout70.xml><?xml version="1.0" encoding="utf-8"?>
+<file path=ppt/slideLayouts/slideLayout74.xml><?xml version="1.0" encoding="utf-8"?>
 <p:sldLayout xmlns:a="http://schemas.openxmlformats.org/drawingml/2006/main" xmlns:r="http://schemas.openxmlformats.org/officeDocument/2006/relationships" xmlns:p="http://schemas.openxmlformats.org/presentationml/2006/main" preserve="1" userDrawn="1">
   <p:cSld name="Text Only Large">
     <p:spTree>
@@ -24258,7 +26053,7 @@
 </p:sldLayout>
 </file>
 
-<file path=ppt/slideLayouts/slideLayout71.xml><?xml version="1.0" encoding="utf-8"?>
+<file path=ppt/slideLayouts/slideLayout75.xml><?xml version="1.0" encoding="utf-8"?>
 <p:sldLayout xmlns:a="http://schemas.openxmlformats.org/drawingml/2006/main" xmlns:r="http://schemas.openxmlformats.org/officeDocument/2006/relationships" xmlns:p="http://schemas.openxmlformats.org/presentationml/2006/main" preserve="1" userDrawn="1">
   <p:cSld name="Custom Layout">
     <p:spTree>
@@ -24404,7 +26199,7 @@
 </p:sldLayout>
 </file>
 
-<file path=ppt/slideLayouts/slideLayout72.xml><?xml version="1.0" encoding="utf-8"?>
+<file path=ppt/slideLayouts/slideLayout76.xml><?xml version="1.0" encoding="utf-8"?>
 <p:sldLayout xmlns:a="http://schemas.openxmlformats.org/drawingml/2006/main" xmlns:r="http://schemas.openxmlformats.org/officeDocument/2006/relationships" xmlns:p="http://schemas.openxmlformats.org/presentationml/2006/main" preserve="1" userDrawn="1">
   <p:cSld name="Color Shape &amp; Color Background">
     <p:spTree>
@@ -24824,7 +26619,7 @@
 </p:sldLayout>
 </file>
 
-<file path=ppt/slideLayouts/slideLayout73.xml><?xml version="1.0" encoding="utf-8"?>
+<file path=ppt/slideLayouts/slideLayout77.xml><?xml version="1.0" encoding="utf-8"?>
 <p:sldLayout xmlns:a="http://schemas.openxmlformats.org/drawingml/2006/main" xmlns:r="http://schemas.openxmlformats.org/officeDocument/2006/relationships" xmlns:p="http://schemas.openxmlformats.org/presentationml/2006/main" preserve="1" userDrawn="1">
   <p:cSld name="Color Shape &amp; Color Background w/ Title">
     <p:spTree>
@@ -25250,7 +27045,7 @@
 </p:sldLayout>
 </file>
 
-<file path=ppt/slideLayouts/slideLayout74.xml><?xml version="1.0" encoding="utf-8"?>
+<file path=ppt/slideLayouts/slideLayout78.xml><?xml version="1.0" encoding="utf-8"?>
 <p:sldLayout xmlns:a="http://schemas.openxmlformats.org/drawingml/2006/main" xmlns:r="http://schemas.openxmlformats.org/officeDocument/2006/relationships" xmlns:p="http://schemas.openxmlformats.org/presentationml/2006/main" preserve="1" userDrawn="1">
   <p:cSld name="Picture Shape &amp; Color Background w/ Title">
     <p:spTree>
@@ -25687,7 +27482,7 @@
 </p:sldLayout>
 </file>
 
-<file path=ppt/slideLayouts/slideLayout75.xml><?xml version="1.0" encoding="utf-8"?>
+<file path=ppt/slideLayouts/slideLayout79.xml><?xml version="1.0" encoding="utf-8"?>
 <p:sldLayout xmlns:a="http://schemas.openxmlformats.org/drawingml/2006/main" xmlns:r="http://schemas.openxmlformats.org/officeDocument/2006/relationships" xmlns:p="http://schemas.openxmlformats.org/presentationml/2006/main" preserve="1" userDrawn="1">
   <p:cSld name="Title and Content - Code">
     <p:spTree>
@@ -25882,7 +27677,161 @@
 </p:sldLayout>
 </file>
 
-<file path=ppt/slideLayouts/slideLayout76.xml><?xml version="1.0" encoding="utf-8"?>
+<file path=ppt/slideLayouts/slideLayout8.xml><?xml version="1.0" encoding="utf-8"?>
+<p:sldLayout xmlns:a="http://schemas.openxmlformats.org/drawingml/2006/main" xmlns:r="http://schemas.openxmlformats.org/officeDocument/2006/relationships" xmlns:p="http://schemas.openxmlformats.org/presentationml/2006/main" preserve="1" userDrawn="1">
+  <p:cSld name="Title &amp; Non-bulleted text">
+    <p:spTree>
+      <p:nvGrpSpPr>
+        <p:cNvPr id="1" name=""/>
+        <p:cNvGrpSpPr/>
+        <p:nvPr/>
+      </p:nvGrpSpPr>
+      <p:grpSpPr>
+        <a:xfrm>
+          <a:off x="0" y="0"/>
+          <a:ext cx="0" cy="0"/>
+          <a:chOff x="0" y="0"/>
+          <a:chExt cx="0" cy="0"/>
+        </a:xfrm>
+      </p:grpSpPr>
+      <p:sp>
+        <p:nvSpPr>
+          <p:cNvPr id="2" name="Title 1"/>
+          <p:cNvSpPr>
+            <a:spLocks noGrp="1"/>
+          </p:cNvSpPr>
+          <p:nvPr>
+            <p:ph type="title"/>
+          </p:nvPr>
+        </p:nvSpPr>
+        <p:spPr/>
+        <p:txBody>
+          <a:bodyPr/>
+          <a:lstStyle/>
+          <a:p>
+            <a:r>
+              <a:rPr lang="en-US" smtClean="0"/>
+              <a:t>Click to edit Master title style</a:t>
+            </a:r>
+            <a:endParaRPr lang="en-US" dirty="0"/>
+          </a:p>
+        </p:txBody>
+      </p:sp>
+      <p:sp>
+        <p:nvSpPr>
+          <p:cNvPr id="6" name="Text Placeholder 5"/>
+          <p:cNvSpPr>
+            <a:spLocks noGrp="1"/>
+          </p:cNvSpPr>
+          <p:nvPr>
+            <p:ph type="body" sz="quarter" idx="10"/>
+          </p:nvPr>
+        </p:nvSpPr>
+        <p:spPr>
+          <a:xfrm>
+            <a:off x="269239" y="1189177"/>
+            <a:ext cx="11653523" cy="1985641"/>
+          </a:xfrm>
+        </p:spPr>
+        <p:txBody>
+          <a:bodyPr/>
+          <a:lstStyle>
+            <a:lvl1pPr marL="0" indent="0">
+              <a:buNone/>
+              <a:defRPr>
+                <a:gradFill>
+                  <a:gsLst>
+                    <a:gs pos="1250">
+                      <a:schemeClr val="tx1"/>
+                    </a:gs>
+                    <a:gs pos="99000">
+                      <a:schemeClr val="tx1"/>
+                    </a:gs>
+                  </a:gsLst>
+                  <a:lin ang="5400000" scaled="0"/>
+                </a:gradFill>
+              </a:defRPr>
+            </a:lvl1pPr>
+            <a:lvl2pPr marL="0" indent="0">
+              <a:buFontTx/>
+              <a:buNone/>
+              <a:defRPr sz="1961"/>
+            </a:lvl2pPr>
+            <a:lvl3pPr marL="224097" indent="0">
+              <a:buNone/>
+              <a:defRPr/>
+            </a:lvl3pPr>
+            <a:lvl4pPr marL="448193" indent="0">
+              <a:buNone/>
+              <a:defRPr/>
+            </a:lvl4pPr>
+            <a:lvl5pPr marL="672290" indent="0">
+              <a:buNone/>
+              <a:defRPr/>
+            </a:lvl5pPr>
+          </a:lstStyle>
+          <a:p>
+            <a:pPr lvl="0"/>
+            <a:r>
+              <a:rPr lang="en-US" smtClean="0"/>
+              <a:t>Click to edit Master text styles</a:t>
+            </a:r>
+          </a:p>
+          <a:p>
+            <a:pPr lvl="1"/>
+            <a:r>
+              <a:rPr lang="en-US" smtClean="0"/>
+              <a:t>Second level</a:t>
+            </a:r>
+          </a:p>
+          <a:p>
+            <a:pPr lvl="2"/>
+            <a:r>
+              <a:rPr lang="en-US" smtClean="0"/>
+              <a:t>Third level</a:t>
+            </a:r>
+          </a:p>
+          <a:p>
+            <a:pPr lvl="3"/>
+            <a:r>
+              <a:rPr lang="en-US" smtClean="0"/>
+              <a:t>Fourth level</a:t>
+            </a:r>
+          </a:p>
+          <a:p>
+            <a:pPr lvl="4"/>
+            <a:r>
+              <a:rPr lang="en-US" smtClean="0"/>
+              <a:t>Fifth level</a:t>
+            </a:r>
+            <a:endParaRPr lang="en-US" dirty="0"/>
+          </a:p>
+        </p:txBody>
+      </p:sp>
+    </p:spTree>
+    <p:extLst>
+      <p:ext uri="{BB962C8B-B14F-4D97-AF65-F5344CB8AC3E}">
+        <p14:creationId xmlns:p14="http://schemas.microsoft.com/office/powerpoint/2010/main" val="854117938"/>
+      </p:ext>
+    </p:extLst>
+  </p:cSld>
+  <p:clrMapOvr>
+    <a:masterClrMapping/>
+  </p:clrMapOvr>
+  <p:transition>
+    <p:fade/>
+  </p:transition>
+  <p:timing>
+    <p:tnLst>
+      <p:par>
+        <p:cTn id="1" dur="indefinite" restart="never" nodeType="tmRoot"/>
+      </p:par>
+    </p:tnLst>
+  </p:timing>
+</p:sldLayout>
+</file>
+
+<file path=ppt/slideLayouts/slideLayout80.xml><?xml version="1.0" encoding="utf-8"?>
 <p:sldLayout xmlns:a="http://schemas.openxmlformats.org/drawingml/2006/main" xmlns:r="http://schemas.openxmlformats.org/officeDocument/2006/relationships" xmlns:p="http://schemas.openxmlformats.org/presentationml/2006/main" preserve="1" userDrawn="1">
   <p:cSld name="Blank">
     <p:bg bwMode="gray">
@@ -25930,7 +27879,7 @@
 </p:sldLayout>
 </file>
 
-<file path=ppt/slideLayouts/slideLayout77.xml><?xml version="1.0" encoding="utf-8"?>
+<file path=ppt/slideLayouts/slideLayout81.xml><?xml version="1.0" encoding="utf-8"?>
 <p:sldLayout xmlns:a="http://schemas.openxmlformats.org/drawingml/2006/main" xmlns:r="http://schemas.openxmlformats.org/officeDocument/2006/relationships" xmlns:p="http://schemas.openxmlformats.org/presentationml/2006/main" preserve="1" userDrawn="1">
   <p:cSld name="Walk-in">
     <p:bg>
@@ -27037,7 +28986,7 @@
 </p:sldLayout>
 </file>
 
-<file path=ppt/slideLayouts/slideLayout78.xml><?xml version="1.0" encoding="utf-8"?>
+<file path=ppt/slideLayouts/slideLayout82.xml><?xml version="1.0" encoding="utf-8"?>
 <p:sldLayout xmlns:a="http://schemas.openxmlformats.org/drawingml/2006/main" xmlns:r="http://schemas.openxmlformats.org/officeDocument/2006/relationships" xmlns:p="http://schemas.openxmlformats.org/presentationml/2006/main" preserve="1" userDrawn="1">
   <p:cSld name="Closing logo slide">
     <p:spTree>
@@ -27196,7 +29145,7 @@
 </p:sldLayout>
 </file>
 
-<file path=ppt/slideLayouts/slideLayout79.xml><?xml version="1.0" encoding="utf-8"?>
+<file path=ppt/slideLayouts/slideLayout83.xml><?xml version="1.0" encoding="utf-8"?>
 <p:sldLayout xmlns:a="http://schemas.openxmlformats.org/drawingml/2006/main" xmlns:r="http://schemas.openxmlformats.org/officeDocument/2006/relationships" xmlns:p="http://schemas.openxmlformats.org/presentationml/2006/main" preserve="1" userDrawn="1">
   <p:cSld name="Multiple Shapes &amp; Color Background">
     <p:spTree>
@@ -29045,161 +30994,7 @@
 </p:sldLayout>
 </file>
 
-<file path=ppt/slideLayouts/slideLayout8.xml><?xml version="1.0" encoding="utf-8"?>
-<p:sldLayout xmlns:a="http://schemas.openxmlformats.org/drawingml/2006/main" xmlns:r="http://schemas.openxmlformats.org/officeDocument/2006/relationships" xmlns:p="http://schemas.openxmlformats.org/presentationml/2006/main" preserve="1" userDrawn="1">
-  <p:cSld name="Title &amp; Non-bulleted text">
-    <p:spTree>
-      <p:nvGrpSpPr>
-        <p:cNvPr id="1" name=""/>
-        <p:cNvGrpSpPr/>
-        <p:nvPr/>
-      </p:nvGrpSpPr>
-      <p:grpSpPr>
-        <a:xfrm>
-          <a:off x="0" y="0"/>
-          <a:ext cx="0" cy="0"/>
-          <a:chOff x="0" y="0"/>
-          <a:chExt cx="0" cy="0"/>
-        </a:xfrm>
-      </p:grpSpPr>
-      <p:sp>
-        <p:nvSpPr>
-          <p:cNvPr id="2" name="Title 1"/>
-          <p:cNvSpPr>
-            <a:spLocks noGrp="1"/>
-          </p:cNvSpPr>
-          <p:nvPr>
-            <p:ph type="title"/>
-          </p:nvPr>
-        </p:nvSpPr>
-        <p:spPr/>
-        <p:txBody>
-          <a:bodyPr/>
-          <a:lstStyle/>
-          <a:p>
-            <a:r>
-              <a:rPr lang="en-US" smtClean="0"/>
-              <a:t>Click to edit Master title style</a:t>
-            </a:r>
-            <a:endParaRPr lang="en-US" dirty="0"/>
-          </a:p>
-        </p:txBody>
-      </p:sp>
-      <p:sp>
-        <p:nvSpPr>
-          <p:cNvPr id="6" name="Text Placeholder 5"/>
-          <p:cNvSpPr>
-            <a:spLocks noGrp="1"/>
-          </p:cNvSpPr>
-          <p:nvPr>
-            <p:ph type="body" sz="quarter" idx="10"/>
-          </p:nvPr>
-        </p:nvSpPr>
-        <p:spPr>
-          <a:xfrm>
-            <a:off x="269239" y="1189177"/>
-            <a:ext cx="11653523" cy="1985641"/>
-          </a:xfrm>
-        </p:spPr>
-        <p:txBody>
-          <a:bodyPr/>
-          <a:lstStyle>
-            <a:lvl1pPr marL="0" indent="0">
-              <a:buNone/>
-              <a:defRPr>
-                <a:gradFill>
-                  <a:gsLst>
-                    <a:gs pos="1250">
-                      <a:schemeClr val="tx1"/>
-                    </a:gs>
-                    <a:gs pos="99000">
-                      <a:schemeClr val="tx1"/>
-                    </a:gs>
-                  </a:gsLst>
-                  <a:lin ang="5400000" scaled="0"/>
-                </a:gradFill>
-              </a:defRPr>
-            </a:lvl1pPr>
-            <a:lvl2pPr marL="0" indent="0">
-              <a:buFontTx/>
-              <a:buNone/>
-              <a:defRPr sz="1961"/>
-            </a:lvl2pPr>
-            <a:lvl3pPr marL="224097" indent="0">
-              <a:buNone/>
-              <a:defRPr/>
-            </a:lvl3pPr>
-            <a:lvl4pPr marL="448193" indent="0">
-              <a:buNone/>
-              <a:defRPr/>
-            </a:lvl4pPr>
-            <a:lvl5pPr marL="672290" indent="0">
-              <a:buNone/>
-              <a:defRPr/>
-            </a:lvl5pPr>
-          </a:lstStyle>
-          <a:p>
-            <a:pPr lvl="0"/>
-            <a:r>
-              <a:rPr lang="en-US" smtClean="0"/>
-              <a:t>Click to edit Master text styles</a:t>
-            </a:r>
-          </a:p>
-          <a:p>
-            <a:pPr lvl="1"/>
-            <a:r>
-              <a:rPr lang="en-US" smtClean="0"/>
-              <a:t>Second level</a:t>
-            </a:r>
-          </a:p>
-          <a:p>
-            <a:pPr lvl="2"/>
-            <a:r>
-              <a:rPr lang="en-US" smtClean="0"/>
-              <a:t>Third level</a:t>
-            </a:r>
-          </a:p>
-          <a:p>
-            <a:pPr lvl="3"/>
-            <a:r>
-              <a:rPr lang="en-US" smtClean="0"/>
-              <a:t>Fourth level</a:t>
-            </a:r>
-          </a:p>
-          <a:p>
-            <a:pPr lvl="4"/>
-            <a:r>
-              <a:rPr lang="en-US" smtClean="0"/>
-              <a:t>Fifth level</a:t>
-            </a:r>
-            <a:endParaRPr lang="en-US" dirty="0"/>
-          </a:p>
-        </p:txBody>
-      </p:sp>
-    </p:spTree>
-    <p:extLst>
-      <p:ext uri="{BB962C8B-B14F-4D97-AF65-F5344CB8AC3E}">
-        <p14:creationId xmlns:p14="http://schemas.microsoft.com/office/powerpoint/2010/main" val="854117938"/>
-      </p:ext>
-    </p:extLst>
-  </p:cSld>
-  <p:clrMapOvr>
-    <a:masterClrMapping/>
-  </p:clrMapOvr>
-  <p:transition>
-    <p:fade/>
-  </p:transition>
-  <p:timing>
-    <p:tnLst>
-      <p:par>
-        <p:cTn id="1" dur="indefinite" restart="never" nodeType="tmRoot"/>
-      </p:par>
-    </p:tnLst>
-  </p:timing>
-</p:sldLayout>
-</file>
-
-<file path=ppt/slideLayouts/slideLayout80.xml><?xml version="1.0" encoding="utf-8"?>
+<file path=ppt/slideLayouts/slideLayout84.xml><?xml version="1.0" encoding="utf-8"?>
 <p:sldLayout xmlns:a="http://schemas.openxmlformats.org/drawingml/2006/main" xmlns:r="http://schemas.openxmlformats.org/officeDocument/2006/relationships" xmlns:p="http://schemas.openxmlformats.org/presentationml/2006/main" preserve="1" userDrawn="1">
   <p:cSld name="Black Notes slide Layout">
     <p:bg bwMode="black">
@@ -29528,7 +31323,7 @@
 </p:sldLayout>
 </file>
 
-<file path=ppt/slideLayouts/slideLayout81.xml><?xml version="1.0" encoding="utf-8"?>
+<file path=ppt/slideLayouts/slideLayout85.xml><?xml version="1.0" encoding="utf-8"?>
 <p:sldLayout xmlns:a="http://schemas.openxmlformats.org/drawingml/2006/main" xmlns:r="http://schemas.openxmlformats.org/officeDocument/2006/relationships" xmlns:p="http://schemas.openxmlformats.org/presentationml/2006/main" preserve="1" userDrawn="1">
   <p:cSld name="Black Notes slide Layout No Bar">
     <p:bg bwMode="black">
@@ -29799,7 +31594,7 @@
 </p:sldLayout>
 </file>
 
-<file path=ppt/slideLayouts/slideLayout82.xml><?xml version="1.0" encoding="utf-8"?>
+<file path=ppt/slideLayouts/slideLayout86.xml><?xml version="1.0" encoding="utf-8"?>
 <p:sldLayout xmlns:a="http://schemas.openxmlformats.org/drawingml/2006/main" xmlns:r="http://schemas.openxmlformats.org/officeDocument/2006/relationships" xmlns:p="http://schemas.openxmlformats.org/presentationml/2006/main" userDrawn="1">
   <p:cSld name="Title Only">
     <p:spTree>
@@ -30771,6 +32566,7 @@
     <p:sldLayoutId id="2147485019" r:id="rId10"/>
     <p:sldLayoutId id="2147485032" r:id="rId11"/>
     <p:sldLayoutId id="2147485037" r:id="rId12"/>
+    <p:sldLayoutId id="2147485175" r:id="rId13"/>
   </p:sldLayoutIdLst>
   <p:transition>
     <p:fade/>
@@ -31397,7 +33193,7 @@
           <p:nvPr userDrawn="1"/>
         </p:nvPicPr>
         <p:blipFill>
-          <a:blip r:embed="rId14" cstate="screen">
+          <a:blip r:embed="rId16" cstate="screen">
             <a:extLst>
               <a:ext uri="{28A0092B-C50C-407E-A947-70E740481C1C}">
                 <a14:useLocalDpi xmlns:a14="http://schemas.microsoft.com/office/drawing/2010/main"/>
@@ -31439,6 +33235,8 @@
     <p:sldLayoutId id="2147483719" r:id="rId10"/>
     <p:sldLayoutId id="2147485006" r:id="rId11"/>
     <p:sldLayoutId id="2147483724" r:id="rId12"/>
+    <p:sldLayoutId id="2147485173" r:id="rId13"/>
+    <p:sldLayoutId id="2147485174" r:id="rId14"/>
   </p:sldLayoutIdLst>
   <p:transition>
     <p:fade/>
@@ -32739,7 +34537,7 @@
           <p:nvPr userDrawn="1"/>
         </p:nvPicPr>
         <p:blipFill>
-          <a:blip r:embed="rId19" cstate="screen">
+          <a:blip r:embed="rId20" cstate="screen">
             <a:extLst>
               <a:ext uri="{28A0092B-C50C-407E-A947-70E740481C1C}">
                 <a14:useLocalDpi xmlns:a14="http://schemas.microsoft.com/office/drawing/2010/main"/>
@@ -32786,6 +34584,7 @@
     <p:sldLayoutId id="2147485075" r:id="rId15"/>
     <p:sldLayoutId id="2147485076" r:id="rId16"/>
     <p:sldLayoutId id="2147485077" r:id="rId17"/>
+    <p:sldLayoutId id="2147485171" r:id="rId18"/>
   </p:sldLayoutIdLst>
   <p:transition>
     <p:fade/>
@@ -33962,6 +35761,14 @@
 <file path=ppt/slides/slide1.xml><?xml version="1.0" encoding="utf-8"?>
 <p:sld xmlns:a="http://schemas.openxmlformats.org/drawingml/2006/main" xmlns:r="http://schemas.openxmlformats.org/officeDocument/2006/relationships" xmlns:p="http://schemas.openxmlformats.org/presentationml/2006/main">
   <p:cSld>
+    <p:bg>
+      <p:bgPr>
+        <a:solidFill>
+          <a:srgbClr val="00188F"/>
+        </a:solidFill>
+        <a:effectLst/>
+      </p:bgPr>
+    </p:bg>
     <p:spTree>
       <p:nvGrpSpPr>
         <p:cNvPr id="1" name=""/>
@@ -33976,120 +35783,191 @@
           <a:chExt cx="0" cy="0"/>
         </a:xfrm>
       </p:grpSpPr>
+      <p:pic>
+        <p:nvPicPr>
+          <p:cNvPr id="3" name="Picture 2"/>
+          <p:cNvPicPr>
+            <a:picLocks noChangeAspect="1"/>
+          </p:cNvPicPr>
+          <p:nvPr/>
+        </p:nvPicPr>
+        <p:blipFill>
+          <a:blip r:embed="rId2">
+            <a:extLst>
+              <a:ext uri="{28A0092B-C50C-407E-A947-70E740481C1C}">
+                <a14:useLocalDpi xmlns:a14="http://schemas.microsoft.com/office/drawing/2010/main" val="0"/>
+              </a:ext>
+            </a:extLst>
+          </a:blip>
+          <a:stretch>
+            <a:fillRect/>
+          </a:stretch>
+        </p:blipFill>
+        <p:spPr>
+          <a:xfrm>
+            <a:off x="336000" y="4367032"/>
+            <a:ext cx="1364400" cy="1210203"/>
+          </a:xfrm>
+          <a:prstGeom prst="ellipse">
+            <a:avLst/>
+          </a:prstGeom>
+        </p:spPr>
+      </p:pic>
       <p:sp>
         <p:nvSpPr>
-          <p:cNvPr id="4" name="Text Placeholder 3"/>
+          <p:cNvPr id="4" name="Заголовок 3"/>
           <p:cNvSpPr>
             <a:spLocks noGrp="1"/>
           </p:cNvSpPr>
           <p:nvPr>
-            <p:ph type="body" sz="quarter" idx="12"/>
+            <p:ph type="ctrTitle"/>
           </p:nvPr>
         </p:nvSpPr>
         <p:spPr/>
         <p:txBody>
-          <a:bodyPr/>
+          <a:bodyPr anchor="ctr">
+            <a:noAutofit/>
+          </a:bodyPr>
           <a:lstStyle/>
           <a:p>
-            <a:r>
-              <a:rPr lang="ru-RU" dirty="0" smtClean="0">
-                <a:latin typeface="+mj-lt"/>
+            <a:pPr defTabSz="762000">
+              <a:lnSpc>
+                <a:spcPct val="100000"/>
+              </a:lnSpc>
+            </a:pPr>
+            <a:r>
+              <a:rPr lang="ru-RU" sz="4000" dirty="0" smtClean="0">
+                <a:solidFill>
+                  <a:srgbClr val="00188F"/>
+                </a:solidFill>
               </a:rPr>
-              <a:t>Мария Горелкина</a:t>
-            </a:r>
-          </a:p>
-          <a:p>
-            <a:r>
-              <a:rPr lang="en-US" dirty="0" smtClean="0">
-                <a:latin typeface="+mj-lt"/>
+              <a:t>Разработка универсальных приложений на платформе </a:t>
+            </a:r>
+            <a:r>
+              <a:rPr lang="en-US" sz="4000" dirty="0" smtClean="0">
+                <a:solidFill>
+                  <a:srgbClr val="00188F"/>
+                </a:solidFill>
               </a:rPr>
-              <a:t>magore@microsoft.com</a:t>
-            </a:r>
-            <a:endParaRPr lang="ru-RU" dirty="0">
-              <a:latin typeface="+mj-lt"/>
+              <a:t>Windows</a:t>
+            </a:r>
+            <a:br>
+              <a:rPr lang="en-US" sz="4000" dirty="0" smtClean="0">
+                <a:solidFill>
+                  <a:srgbClr val="00188F"/>
+                </a:solidFill>
+              </a:rPr>
+            </a:br>
+            <a:r>
+              <a:rPr lang="ru-RU" sz="4000" dirty="0" smtClean="0">
+                <a:solidFill>
+                  <a:srgbClr val="00188F"/>
+                </a:solidFill>
+              </a:rPr>
+              <a:t/>
+            </a:r>
+            <a:br>
+              <a:rPr lang="ru-RU" sz="4000" dirty="0" smtClean="0">
+                <a:solidFill>
+                  <a:srgbClr val="00188F"/>
+                </a:solidFill>
+              </a:rPr>
+            </a:br>
+            <a:r>
+              <a:rPr lang="ru-RU" sz="4000" dirty="0" smtClean="0">
+                <a:solidFill>
+                  <a:srgbClr val="00188F"/>
+                </a:solidFill>
+              </a:rPr>
+              <a:t>Часть </a:t>
+            </a:r>
+            <a:r>
+              <a:rPr lang="en-US" sz="4000" dirty="0">
+                <a:solidFill>
+                  <a:srgbClr val="00188F"/>
+                </a:solidFill>
+              </a:rPr>
+              <a:t>9</a:t>
+            </a:r>
+            <a:r>
+              <a:rPr lang="ru-RU" sz="4000" dirty="0" smtClean="0">
+                <a:solidFill>
+                  <a:srgbClr val="00188F"/>
+                </a:solidFill>
+              </a:rPr>
+              <a:t>: Публикация приложения в магазин</a:t>
+            </a:r>
+            <a:endParaRPr lang="ru-RU" sz="4000" dirty="0">
+              <a:solidFill>
+                <a:srgbClr val="00188F"/>
+              </a:solidFill>
             </a:endParaRPr>
           </a:p>
         </p:txBody>
       </p:sp>
       <p:sp>
         <p:nvSpPr>
-          <p:cNvPr id="2" name="Title 1"/>
+          <p:cNvPr id="5" name="Подзаголовок 4"/>
           <p:cNvSpPr>
             <a:spLocks noGrp="1"/>
           </p:cNvSpPr>
           <p:nvPr>
-            <p:ph type="title"/>
+            <p:ph type="subTitle" idx="1"/>
           </p:nvPr>
         </p:nvSpPr>
-        <p:spPr/>
+        <p:spPr>
+          <a:xfrm>
+            <a:off x="2136000" y="4329000"/>
+            <a:ext cx="9360000" cy="1452017"/>
+          </a:xfrm>
+        </p:spPr>
         <p:txBody>
-          <a:bodyPr/>
+          <a:bodyPr>
+            <a:normAutofit lnSpcReduction="10000"/>
+          </a:bodyPr>
           <a:lstStyle/>
           <a:p>
             <a:r>
-              <a:rPr lang="ru-RU" sz="4000" dirty="0" smtClean="0"/>
-              <a:t>Публикация приложения в магазин</a:t>
-            </a:r>
-            <a:r>
-              <a:rPr lang="en-GB" dirty="0" smtClean="0"/>
-              <a:t/>
-            </a:r>
-            <a:br>
-              <a:rPr lang="en-GB" dirty="0" smtClean="0"/>
-            </a:br>
-            <a:r>
-              <a:rPr lang="ru-RU" sz="2400" dirty="0" smtClean="0"/>
-              <a:t>Разработка универсальных приложений </a:t>
-            </a:r>
-            <a:br>
-              <a:rPr lang="ru-RU" sz="2400" dirty="0" smtClean="0"/>
-            </a:br>
-            <a:r>
-              <a:rPr lang="ru-RU" sz="2400" dirty="0" smtClean="0"/>
-              <a:t>на </a:t>
-            </a:r>
-            <a:r>
-              <a:rPr lang="en-GB" sz="2400" dirty="0" smtClean="0"/>
-              <a:t>Windows 10</a:t>
-            </a:r>
-            <a:endParaRPr lang="en-GB" sz="2800" dirty="0"/>
-          </a:p>
-        </p:txBody>
-      </p:sp>
-      <p:sp>
-        <p:nvSpPr>
-          <p:cNvPr id="5" name="Text Placeholder 4"/>
-          <p:cNvSpPr>
-            <a:spLocks noGrp="1"/>
-          </p:cNvSpPr>
-          <p:nvPr>
-            <p:ph type="body" sz="quarter" idx="13"/>
-          </p:nvPr>
-        </p:nvSpPr>
-        <p:spPr/>
-        <p:txBody>
-          <a:bodyPr/>
-          <a:lstStyle/>
-          <a:p>
-            <a:endParaRPr lang="ru-RU"/>
+              <a:rPr lang="ru-RU" dirty="0" smtClean="0"/>
+              <a:t>Мария Горелкина</a:t>
+            </a:r>
+            <a:endParaRPr lang="en-US" dirty="0" smtClean="0"/>
+          </a:p>
+          <a:p>
+            <a:r>
+              <a:rPr lang="en-US" sz="2400" dirty="0" smtClean="0"/>
+              <a:t>magore@microsoft.com | twitter.com/</a:t>
+            </a:r>
+            <a:r>
+              <a:rPr lang="en-US" sz="2400" dirty="0" err="1" smtClean="0"/>
+              <a:t>MariaGorelkina</a:t>
+            </a:r>
+            <a:endParaRPr lang="en-US" sz="2400" dirty="0" smtClean="0"/>
+          </a:p>
+          <a:p>
+            <a:r>
+              <a:rPr lang="en-US" sz="2400" dirty="0" smtClean="0"/>
+              <a:t>Microsoft</a:t>
+            </a:r>
+            <a:endParaRPr lang="ru-RU" sz="2400" dirty="0"/>
           </a:p>
         </p:txBody>
       </p:sp>
     </p:spTree>
     <p:extLst>
       <p:ext uri="{BB962C8B-B14F-4D97-AF65-F5344CB8AC3E}">
-        <p14:creationId xmlns:p14="http://schemas.microsoft.com/office/powerpoint/2010/main" val="3171778266"/>
+        <p14:creationId xmlns:p14="http://schemas.microsoft.com/office/powerpoint/2010/main" val="806626677"/>
       </p:ext>
     </p:extLst>
   </p:cSld>
   <p:clrMapOvr>
     <a:masterClrMapping/>
   </p:clrMapOvr>
-  <mc:AlternateContent xmlns:mc="http://schemas.openxmlformats.org/markup-compatibility/2006">
-    <mc:Choice xmlns:p14="http://schemas.microsoft.com/office/powerpoint/2010/main" Requires="p14">
+  <mc:AlternateContent xmlns:mc="http://schemas.openxmlformats.org/markup-compatibility/2006" xmlns:p14="http://schemas.microsoft.com/office/powerpoint/2010/main">
+    <mc:Choice Requires="p14">
       <p:transition p14:dur="0"/>
     </mc:Choice>
-    <mc:Fallback>
+    <mc:Fallback xmlns="">
       <p:transition/>
     </mc:Fallback>
   </mc:AlternateContent>
@@ -34389,11 +36267,11 @@
   <p:clrMapOvr>
     <a:masterClrMapping/>
   </p:clrMapOvr>
-  <mc:AlternateContent xmlns:mc="http://schemas.openxmlformats.org/markup-compatibility/2006">
-    <mc:Choice xmlns:p14="http://schemas.microsoft.com/office/powerpoint/2010/main" Requires="p14">
+  <mc:AlternateContent xmlns:mc="http://schemas.openxmlformats.org/markup-compatibility/2006" xmlns:p14="http://schemas.microsoft.com/office/powerpoint/2010/main">
+    <mc:Choice Requires="p14">
       <p:transition p14:dur="0"/>
     </mc:Choice>
-    <mc:Fallback>
+    <mc:Fallback xmlns="">
       <p:transition/>
     </mc:Fallback>
   </mc:AlternateContent>
@@ -34804,11 +36682,11 @@
   <p:clrMapOvr>
     <a:masterClrMapping/>
   </p:clrMapOvr>
-  <mc:AlternateContent xmlns:mc="http://schemas.openxmlformats.org/markup-compatibility/2006">
-    <mc:Choice xmlns:p14="http://schemas.microsoft.com/office/powerpoint/2010/main" Requires="p14">
+  <mc:AlternateContent xmlns:mc="http://schemas.openxmlformats.org/markup-compatibility/2006" xmlns:p14="http://schemas.microsoft.com/office/powerpoint/2010/main">
+    <mc:Choice Requires="p14">
       <p:transition p14:dur="0"/>
     </mc:Choice>
-    <mc:Fallback>
+    <mc:Fallback xmlns="">
       <p:transition/>
     </mc:Fallback>
   </mc:AlternateContent>
@@ -34896,6 +36774,163 @@
 <file path=ppt/slides/slide12.xml><?xml version="1.0" encoding="utf-8"?>
 <p:sld xmlns:a="http://schemas.openxmlformats.org/drawingml/2006/main" xmlns:r="http://schemas.openxmlformats.org/officeDocument/2006/relationships" xmlns:p="http://schemas.openxmlformats.org/presentationml/2006/main">
   <p:cSld>
+    <p:bg>
+      <p:bgPr>
+        <a:solidFill>
+          <a:schemeClr val="accent2">
+            <a:lumMod val="75000"/>
+          </a:schemeClr>
+        </a:solidFill>
+        <a:effectLst/>
+      </p:bgPr>
+    </p:bg>
+    <p:spTree>
+      <p:nvGrpSpPr>
+        <p:cNvPr id="1" name=""/>
+        <p:cNvGrpSpPr/>
+        <p:nvPr/>
+      </p:nvGrpSpPr>
+      <p:grpSpPr>
+        <a:xfrm>
+          <a:off x="0" y="0"/>
+          <a:ext cx="0" cy="0"/>
+          <a:chOff x="0" y="0"/>
+          <a:chExt cx="0" cy="0"/>
+        </a:xfrm>
+      </p:grpSpPr>
+      <p:sp>
+        <p:nvSpPr>
+          <p:cNvPr id="4" name="Заголовок 3"/>
+          <p:cNvSpPr>
+            <a:spLocks noGrp="1"/>
+          </p:cNvSpPr>
+          <p:nvPr>
+            <p:ph type="title"/>
+          </p:nvPr>
+        </p:nvSpPr>
+        <p:spPr/>
+        <p:txBody>
+          <a:bodyPr/>
+          <a:lstStyle/>
+          <a:p>
+            <a:r>
+              <a:rPr lang="ru-RU" dirty="0" smtClean="0"/>
+              <a:t>Контакты</a:t>
+            </a:r>
+            <a:endParaRPr lang="ru-RU" dirty="0"/>
+          </a:p>
+        </p:txBody>
+      </p:sp>
+      <p:sp>
+        <p:nvSpPr>
+          <p:cNvPr id="5" name="Объект 4"/>
+          <p:cNvSpPr>
+            <a:spLocks noGrp="1"/>
+          </p:cNvSpPr>
+          <p:nvPr>
+            <p:ph idx="1"/>
+          </p:nvPr>
+        </p:nvSpPr>
+        <p:spPr>
+          <a:xfrm>
+            <a:off x="1056000" y="4149138"/>
+            <a:ext cx="10297800" cy="1524200"/>
+          </a:xfrm>
+        </p:spPr>
+        <p:txBody>
+          <a:bodyPr/>
+          <a:lstStyle/>
+          <a:p>
+            <a:r>
+              <a:rPr lang="ru-RU" dirty="0" smtClean="0"/>
+              <a:t>Мария Горелкина</a:t>
+            </a:r>
+          </a:p>
+          <a:p>
+            <a:pPr lvl="1"/>
+            <a:r>
+              <a:rPr lang="en-US" dirty="0" smtClean="0"/>
+              <a:t>Microsoft</a:t>
+            </a:r>
+          </a:p>
+          <a:p>
+            <a:pPr lvl="1"/>
+            <a:r>
+              <a:rPr lang="en-US" dirty="0" smtClean="0"/>
+              <a:t>magore@microsoft.com &amp; @</a:t>
+            </a:r>
+            <a:r>
+              <a:rPr lang="en-US" dirty="0" err="1" smtClean="0"/>
+              <a:t>MariaGorelkina</a:t>
+            </a:r>
+            <a:endParaRPr lang="ru-RU" dirty="0"/>
+          </a:p>
+        </p:txBody>
+      </p:sp>
+      <p:pic>
+        <p:nvPicPr>
+          <p:cNvPr id="6" name="Picture 5"/>
+          <p:cNvPicPr>
+            <a:picLocks noChangeAspect="1"/>
+          </p:cNvPicPr>
+          <p:nvPr/>
+        </p:nvPicPr>
+        <p:blipFill>
+          <a:blip r:embed="rId2">
+            <a:extLst>
+              <a:ext uri="{28A0092B-C50C-407E-A947-70E740481C1C}">
+                <a14:useLocalDpi xmlns:a14="http://schemas.microsoft.com/office/drawing/2010/main" val="0"/>
+              </a:ext>
+            </a:extLst>
+          </a:blip>
+          <a:stretch>
+            <a:fillRect/>
+          </a:stretch>
+        </p:blipFill>
+        <p:spPr>
+          <a:xfrm>
+            <a:off x="1056000" y="1856275"/>
+            <a:ext cx="1923818" cy="1706400"/>
+          </a:xfrm>
+          <a:prstGeom prst="wedgeEllipseCallout">
+            <a:avLst>
+              <a:gd name="adj1" fmla="val -46497"/>
+              <a:gd name="adj2" fmla="val 50046"/>
+            </a:avLst>
+          </a:prstGeom>
+        </p:spPr>
+      </p:pic>
+    </p:spTree>
+    <p:extLst>
+      <p:ext uri="{BB962C8B-B14F-4D97-AF65-F5344CB8AC3E}">
+        <p14:creationId xmlns:p14="http://schemas.microsoft.com/office/powerpoint/2010/main" val="2595682017"/>
+      </p:ext>
+    </p:extLst>
+  </p:cSld>
+  <p:clrMapOvr>
+    <a:masterClrMapping/>
+  </p:clrMapOvr>
+  <mc:AlternateContent xmlns:mc="http://schemas.openxmlformats.org/markup-compatibility/2006" xmlns:p14="http://schemas.microsoft.com/office/powerpoint/2010/main">
+    <mc:Choice Requires="p14">
+      <p:transition p14:dur="0"/>
+    </mc:Choice>
+    <mc:Fallback xmlns="">
+      <p:transition/>
+    </mc:Fallback>
+  </mc:AlternateContent>
+  <p:timing>
+    <p:tnLst>
+      <p:par>
+        <p:cTn id="1" dur="indefinite" restart="never" nodeType="tmRoot"/>
+      </p:par>
+    </p:tnLst>
+  </p:timing>
+</p:sld>
+</file>
+
+<file path=ppt/slides/slide13.xml><?xml version="1.0" encoding="utf-8"?>
+<p:sld xmlns:a="http://schemas.openxmlformats.org/drawingml/2006/main" xmlns:r="http://schemas.openxmlformats.org/officeDocument/2006/relationships" xmlns:p="http://schemas.openxmlformats.org/presentationml/2006/main">
+  <p:cSld>
     <p:spTree>
       <p:nvGrpSpPr>
         <p:cNvPr id="1" name=""/>
@@ -34913,28 +36948,21 @@
     </p:spTree>
     <p:extLst>
       <p:ext uri="{BB962C8B-B14F-4D97-AF65-F5344CB8AC3E}">
-        <p14:creationId xmlns:p14="http://schemas.microsoft.com/office/powerpoint/2010/main" val="3507880325"/>
+        <p14:creationId xmlns:p14="http://schemas.microsoft.com/office/powerpoint/2010/main" val="1444350952"/>
       </p:ext>
     </p:extLst>
   </p:cSld>
   <p:clrMapOvr>
     <a:masterClrMapping/>
   </p:clrMapOvr>
-  <mc:AlternateContent xmlns:mc="http://schemas.openxmlformats.org/markup-compatibility/2006">
-    <mc:Choice xmlns:p14="http://schemas.microsoft.com/office/powerpoint/2010/main" Requires="p14">
+  <mc:AlternateContent xmlns:mc="http://schemas.openxmlformats.org/markup-compatibility/2006" xmlns:p14="http://schemas.microsoft.com/office/powerpoint/2010/main">
+    <mc:Choice Requires="p14">
       <p:transition p14:dur="0"/>
     </mc:Choice>
-    <mc:Fallback>
+    <mc:Fallback xmlns="">
       <p:transition/>
     </mc:Fallback>
   </mc:AlternateContent>
-  <p:timing>
-    <p:tnLst>
-      <p:par>
-        <p:cTn id="1" dur="indefinite" restart="never" nodeType="tmRoot"/>
-      </p:par>
-    </p:tnLst>
-  </p:timing>
 </p:sld>
 </file>
 
@@ -35049,11 +37077,11 @@
   <p:clrMapOvr>
     <a:masterClrMapping/>
   </p:clrMapOvr>
-  <mc:AlternateContent xmlns:mc="http://schemas.openxmlformats.org/markup-compatibility/2006">
-    <mc:Choice xmlns:p14="http://schemas.microsoft.com/office/powerpoint/2010/main" Requires="p14">
+  <mc:AlternateContent xmlns:mc="http://schemas.openxmlformats.org/markup-compatibility/2006" xmlns:p14="http://schemas.microsoft.com/office/powerpoint/2010/main">
+    <mc:Choice Requires="p14">
       <p:transition p14:dur="0"/>
     </mc:Choice>
-    <mc:Fallback>
+    <mc:Fallback xmlns="">
       <p:transition/>
     </mc:Fallback>
   </mc:AlternateContent>
@@ -35315,11 +37343,11 @@
   <p:clrMapOvr>
     <a:masterClrMapping/>
   </p:clrMapOvr>
-  <mc:AlternateContent xmlns:mc="http://schemas.openxmlformats.org/markup-compatibility/2006">
-    <mc:Choice xmlns:p14="http://schemas.microsoft.com/office/powerpoint/2010/main" Requires="p14">
+  <mc:AlternateContent xmlns:mc="http://schemas.openxmlformats.org/markup-compatibility/2006" xmlns:p14="http://schemas.microsoft.com/office/powerpoint/2010/main">
+    <mc:Choice Requires="p14">
       <p:transition p14:dur="0"/>
     </mc:Choice>
-    <mc:Fallback>
+    <mc:Fallback xmlns="">
       <p:transition/>
     </mc:Fallback>
   </mc:AlternateContent>
@@ -35634,11 +37662,11 @@
   <p:clrMapOvr>
     <a:masterClrMapping/>
   </p:clrMapOvr>
-  <mc:AlternateContent xmlns:mc="http://schemas.openxmlformats.org/markup-compatibility/2006">
-    <mc:Choice xmlns:p14="http://schemas.microsoft.com/office/powerpoint/2010/main" Requires="p14">
+  <mc:AlternateContent xmlns:mc="http://schemas.openxmlformats.org/markup-compatibility/2006" xmlns:p14="http://schemas.microsoft.com/office/powerpoint/2010/main">
+    <mc:Choice Requires="p14">
       <p:transition p14:dur="0"/>
     </mc:Choice>
-    <mc:Fallback>
+    <mc:Fallback xmlns="">
       <p:transition/>
     </mc:Fallback>
   </mc:AlternateContent>
@@ -35671,63 +37699,65 @@
       </p:grpSpPr>
       <p:sp>
         <p:nvSpPr>
-          <p:cNvPr id="2" name="Title 1"/>
+          <p:cNvPr id="3" name="Заголовок 2"/>
           <p:cNvSpPr>
             <a:spLocks noGrp="1"/>
           </p:cNvSpPr>
           <p:nvPr>
-            <p:ph type="ctrTitle"/>
+            <p:ph type="title"/>
           </p:nvPr>
         </p:nvSpPr>
-        <p:spPr/>
+        <p:spPr>
+          <a:xfrm>
+            <a:off x="876000" y="1543647"/>
+            <a:ext cx="9859116" cy="1813958"/>
+          </a:xfrm>
+        </p:spPr>
         <p:txBody>
           <a:bodyPr/>
           <a:lstStyle/>
           <a:p>
             <a:r>
-              <a:rPr lang="ru-RU" dirty="0" err="1" smtClean="0"/>
-              <a:t>Демо</a:t>
+              <a:rPr lang="en-US" dirty="0" smtClean="0"/>
+              <a:t>DEMO 0</a:t>
             </a:r>
             <a:r>
               <a:rPr lang="ru-RU" dirty="0" smtClean="0"/>
+              <a:t>1</a:t>
+            </a:r>
+            <a:r>
+              <a:rPr lang="en-US" dirty="0" smtClean="0"/>
               <a:t>:</a:t>
             </a:r>
             <a:br>
-              <a:rPr lang="ru-RU" dirty="0" smtClean="0"/>
+              <a:rPr lang="en-US" dirty="0" smtClean="0"/>
             </a:br>
             <a:r>
-              <a:rPr lang="ru-RU" dirty="0" smtClean="0"/>
-              <a:t>Создание пакета для загрузки</a:t>
-            </a:r>
-            <a:endParaRPr lang="en-US" dirty="0"/>
+              <a:rPr lang="ru-RU" sz="5400" dirty="0" smtClean="0"/>
+              <a:t>Создание пакета приложения</a:t>
+            </a:r>
+            <a:endParaRPr lang="ru-RU" sz="5400" dirty="0"/>
           </a:p>
         </p:txBody>
       </p:sp>
     </p:spTree>
     <p:extLst>
       <p:ext uri="{BB962C8B-B14F-4D97-AF65-F5344CB8AC3E}">
-        <p14:creationId xmlns:p14="http://schemas.microsoft.com/office/powerpoint/2010/main" val="3086341207"/>
+        <p14:creationId xmlns:p14="http://schemas.microsoft.com/office/powerpoint/2010/main" val="1163703424"/>
       </p:ext>
     </p:extLst>
   </p:cSld>
   <p:clrMapOvr>
     <a:masterClrMapping/>
   </p:clrMapOvr>
-  <mc:AlternateContent xmlns:mc="http://schemas.openxmlformats.org/markup-compatibility/2006">
-    <mc:Choice xmlns:p14="http://schemas.microsoft.com/office/powerpoint/2010/main" Requires="p14">
+  <mc:AlternateContent xmlns:mc="http://schemas.openxmlformats.org/markup-compatibility/2006" xmlns:p14="http://schemas.microsoft.com/office/powerpoint/2010/main">
+    <mc:Choice Requires="p14">
       <p:transition p14:dur="0"/>
     </mc:Choice>
-    <mc:Fallback>
+    <mc:Fallback xmlns="">
       <p:transition/>
     </mc:Fallback>
   </mc:AlternateContent>
-  <p:timing>
-    <p:tnLst>
-      <p:par>
-        <p:cTn id="1" dur="indefinite" restart="never" nodeType="tmRoot"/>
-      </p:par>
-    </p:tnLst>
-  </p:timing>
 </p:sld>
 </file>
 
@@ -36244,11 +38274,11 @@
   <p:clrMapOvr>
     <a:masterClrMapping/>
   </p:clrMapOvr>
-  <mc:AlternateContent xmlns:mc="http://schemas.openxmlformats.org/markup-compatibility/2006">
-    <mc:Choice xmlns:p14="http://schemas.microsoft.com/office/powerpoint/2010/main" Requires="p14">
+  <mc:AlternateContent xmlns:mc="http://schemas.openxmlformats.org/markup-compatibility/2006" xmlns:p14="http://schemas.microsoft.com/office/powerpoint/2010/main">
+    <mc:Choice Requires="p14">
       <p:transition p14:dur="0"/>
     </mc:Choice>
-    <mc:Fallback>
+    <mc:Fallback xmlns="">
       <p:transition/>
     </mc:Fallback>
   </mc:AlternateContent>
@@ -36281,63 +38311,65 @@
       </p:grpSpPr>
       <p:sp>
         <p:nvSpPr>
-          <p:cNvPr id="2" name="Title 1"/>
+          <p:cNvPr id="3" name="Заголовок 2"/>
           <p:cNvSpPr>
             <a:spLocks noGrp="1"/>
           </p:cNvSpPr>
           <p:nvPr>
-            <p:ph type="ctrTitle"/>
+            <p:ph type="title"/>
           </p:nvPr>
         </p:nvSpPr>
-        <p:spPr/>
+        <p:spPr>
+          <a:xfrm>
+            <a:off x="876000" y="1610395"/>
+            <a:ext cx="9859116" cy="1747210"/>
+          </a:xfrm>
+        </p:spPr>
         <p:txBody>
           <a:bodyPr/>
           <a:lstStyle/>
           <a:p>
             <a:r>
-              <a:rPr lang="ru-RU" sz="4800" dirty="0" err="1" smtClean="0"/>
-              <a:t>Демо</a:t>
-            </a:r>
-            <a:r>
-              <a:rPr lang="ru-RU" sz="4800" dirty="0" smtClean="0"/>
+              <a:rPr lang="en-US" dirty="0" smtClean="0"/>
+              <a:t>DEMO 0</a:t>
+            </a:r>
+            <a:r>
+              <a:rPr lang="ru-RU" dirty="0" smtClean="0"/>
+              <a:t>2</a:t>
+            </a:r>
+            <a:r>
+              <a:rPr lang="en-US" dirty="0" smtClean="0"/>
               <a:t>:</a:t>
             </a:r>
             <a:br>
-              <a:rPr lang="ru-RU" sz="4800" dirty="0" smtClean="0"/>
+              <a:rPr lang="en-US" dirty="0" smtClean="0"/>
             </a:br>
             <a:r>
-              <a:rPr lang="ru-RU" sz="4800" dirty="0" smtClean="0"/>
-              <a:t>Публикация приложения в магазин</a:t>
-            </a:r>
-            <a:endParaRPr lang="en-US" sz="4800" dirty="0"/>
+              <a:rPr lang="ru-RU" sz="5400" dirty="0" smtClean="0"/>
+              <a:t>Публикация в магазин</a:t>
+            </a:r>
+            <a:endParaRPr lang="ru-RU" sz="4800" dirty="0"/>
           </a:p>
         </p:txBody>
       </p:sp>
     </p:spTree>
     <p:extLst>
       <p:ext uri="{BB962C8B-B14F-4D97-AF65-F5344CB8AC3E}">
-        <p14:creationId xmlns:p14="http://schemas.microsoft.com/office/powerpoint/2010/main" val="632017687"/>
+        <p14:creationId xmlns:p14="http://schemas.microsoft.com/office/powerpoint/2010/main" val="3714936305"/>
       </p:ext>
     </p:extLst>
   </p:cSld>
   <p:clrMapOvr>
     <a:masterClrMapping/>
   </p:clrMapOvr>
-  <mc:AlternateContent xmlns:mc="http://schemas.openxmlformats.org/markup-compatibility/2006">
-    <mc:Choice xmlns:p14="http://schemas.microsoft.com/office/powerpoint/2010/main" Requires="p14">
+  <mc:AlternateContent xmlns:mc="http://schemas.openxmlformats.org/markup-compatibility/2006" xmlns:p14="http://schemas.microsoft.com/office/powerpoint/2010/main">
+    <mc:Choice Requires="p14">
       <p:transition p14:dur="0"/>
     </mc:Choice>
-    <mc:Fallback>
+    <mc:Fallback xmlns="">
       <p:transition/>
     </mc:Fallback>
   </mc:AlternateContent>
-  <p:timing>
-    <p:tnLst>
-      <p:par>
-        <p:cTn id="1" dur="indefinite" restart="never" nodeType="tmRoot"/>
-      </p:par>
-    </p:tnLst>
-  </p:timing>
 </p:sld>
 </file>
 
@@ -36511,11 +38543,11 @@
   <p:clrMapOvr>
     <a:masterClrMapping/>
   </p:clrMapOvr>
-  <mc:AlternateContent xmlns:mc="http://schemas.openxmlformats.org/markup-compatibility/2006">
-    <mc:Choice xmlns:p14="http://schemas.microsoft.com/office/powerpoint/2010/main" Requires="p14">
+  <mc:AlternateContent xmlns:mc="http://schemas.openxmlformats.org/markup-compatibility/2006" xmlns:p14="http://schemas.microsoft.com/office/powerpoint/2010/main">
+    <mc:Choice Requires="p14">
       <p:transition p14:dur="0"/>
     </mc:Choice>
-    <mc:Fallback>
+    <mc:Fallback xmlns="">
       <p:transition/>
     </mc:Fallback>
   </mc:AlternateContent>
@@ -36718,67 +38750,57 @@
       </p:grpSpPr>
       <p:sp>
         <p:nvSpPr>
-          <p:cNvPr id="2" name="Title 1"/>
+          <p:cNvPr id="3" name="Заголовок 2"/>
           <p:cNvSpPr>
             <a:spLocks noGrp="1"/>
           </p:cNvSpPr>
           <p:nvPr>
-            <p:ph type="ctrTitle"/>
+            <p:ph type="title"/>
           </p:nvPr>
         </p:nvSpPr>
-        <p:spPr/>
+        <p:spPr>
+          <a:xfrm>
+            <a:off x="876000" y="1543647"/>
+            <a:ext cx="9859116" cy="1813958"/>
+          </a:xfrm>
+        </p:spPr>
         <p:txBody>
           <a:bodyPr/>
           <a:lstStyle/>
           <a:p>
             <a:r>
-              <a:rPr lang="ru-RU" dirty="0" err="1" smtClean="0"/>
-              <a:t>Демо</a:t>
-            </a:r>
-            <a:r>
-              <a:rPr lang="ru-RU" dirty="0"/>
-              <a:t>:</a:t>
-            </a:r>
-            <a:r>
               <a:rPr lang="en-US" dirty="0" smtClean="0"/>
-              <a:t/>
+              <a:t>DEMO 03:</a:t>
             </a:r>
             <a:br>
               <a:rPr lang="en-US" dirty="0" smtClean="0"/>
             </a:br>
             <a:r>
-              <a:rPr lang="ru-RU" dirty="0" smtClean="0"/>
+              <a:rPr lang="ru-RU" sz="5400" dirty="0" smtClean="0"/>
               <a:t>Монетизация</a:t>
             </a:r>
-            <a:endParaRPr lang="en-US" dirty="0"/>
+            <a:endParaRPr lang="ru-RU" sz="5400" dirty="0"/>
           </a:p>
         </p:txBody>
       </p:sp>
     </p:spTree>
     <p:extLst>
       <p:ext uri="{BB962C8B-B14F-4D97-AF65-F5344CB8AC3E}">
-        <p14:creationId xmlns:p14="http://schemas.microsoft.com/office/powerpoint/2010/main" val="3920417245"/>
+        <p14:creationId xmlns:p14="http://schemas.microsoft.com/office/powerpoint/2010/main" val="3995475234"/>
       </p:ext>
     </p:extLst>
   </p:cSld>
   <p:clrMapOvr>
     <a:masterClrMapping/>
   </p:clrMapOvr>
-  <mc:AlternateContent xmlns:mc="http://schemas.openxmlformats.org/markup-compatibility/2006">
-    <mc:Choice xmlns:p14="http://schemas.microsoft.com/office/powerpoint/2010/main" Requires="p14">
+  <mc:AlternateContent xmlns:mc="http://schemas.openxmlformats.org/markup-compatibility/2006" xmlns:p14="http://schemas.microsoft.com/office/powerpoint/2010/main">
+    <mc:Choice Requires="p14">
       <p:transition p14:dur="0"/>
     </mc:Choice>
-    <mc:Fallback>
+    <mc:Fallback xmlns="">
       <p:transition/>
     </mc:Fallback>
   </mc:AlternateContent>
-  <p:timing>
-    <p:tnLst>
-      <p:par>
-        <p:cTn id="1" dur="indefinite" restart="never" nodeType="tmRoot"/>
-      </p:par>
-    </p:tnLst>
-  </p:timing>
 </p:sld>
 </file>
 

--- a/09. Store and Monetization/9 - Store and Monetization (RUS).pptx
+++ b/09. Store and Monetization/9 - Store and Monetization (RUS).pptx
@@ -10,10 +10,10 @@
     <p:sldMasterId id="2147485152" r:id="rId6"/>
   </p:sldMasterIdLst>
   <p:notesMasterIdLst>
-    <p:notesMasterId r:id="rId20"/>
+    <p:notesMasterId r:id="rId19"/>
   </p:notesMasterIdLst>
   <p:handoutMasterIdLst>
-    <p:handoutMasterId r:id="rId21"/>
+    <p:handoutMasterId r:id="rId20"/>
   </p:handoutMasterIdLst>
   <p:sldIdLst>
     <p:sldId id="389" r:id="rId7"/>
@@ -22,13 +22,12 @@
     <p:sldId id="384" r:id="rId10"/>
     <p:sldId id="395" r:id="rId11"/>
     <p:sldId id="382" r:id="rId12"/>
-    <p:sldId id="394" r:id="rId13"/>
-    <p:sldId id="386" r:id="rId14"/>
-    <p:sldId id="393" r:id="rId15"/>
-    <p:sldId id="383" r:id="rId16"/>
-    <p:sldId id="388" r:id="rId17"/>
-    <p:sldId id="391" r:id="rId18"/>
-    <p:sldId id="392" r:id="rId19"/>
+    <p:sldId id="386" r:id="rId13"/>
+    <p:sldId id="394" r:id="rId14"/>
+    <p:sldId id="383" r:id="rId15"/>
+    <p:sldId id="388" r:id="rId16"/>
+    <p:sldId id="391" r:id="rId17"/>
+    <p:sldId id="392" r:id="rId18"/>
   </p:sldIdLst>
   <p:sldSz cx="12192000" cy="6858000"/>
   <p:notesSz cx="7010400" cy="9296400"/>
@@ -138,9 +137,8 @@
             <p14:sldId id="384"/>
             <p14:sldId id="395"/>
             <p14:sldId id="382"/>
+            <p14:sldId id="386"/>
             <p14:sldId id="394"/>
-            <p14:sldId id="386"/>
-            <p14:sldId id="393"/>
             <p14:sldId id="383"/>
             <p14:sldId id="388"/>
             <p14:sldId id="391"/>
@@ -836,7 +834,7 @@
                 </a:solidFill>
               </a:rPr>
               <a:pPr/>
-              <a:t>12/7/2015 12:34 AM</a:t>
+              <a:t>12/7/2015 10:53 AM</a:t>
             </a:fld>
             <a:endParaRPr lang="en-US" dirty="0">
               <a:solidFill>
@@ -1051,7 +1049,7 @@
                 </a:solidFill>
               </a:rPr>
               <a:pPr/>
-              <a:t>12/7/2015 12:34 AM</a:t>
+              <a:t>12/7/2015 10:53 AM</a:t>
             </a:fld>
             <a:endParaRPr lang="en-US" dirty="0">
               <a:solidFill>
@@ -1266,7 +1264,7 @@
                 </a:solidFill>
               </a:rPr>
               <a:pPr/>
-              <a:t>12/7/2015 12:34 AM</a:t>
+              <a:t>12/7/2015 10:53 AM</a:t>
             </a:fld>
             <a:endParaRPr lang="en-US" dirty="0">
               <a:solidFill>
@@ -1298,7 +1296,7 @@
                 </a:solidFill>
               </a:rPr>
               <a:pPr/>
-              <a:t>11</a:t>
+              <a:t>10</a:t>
             </a:fld>
             <a:endParaRPr lang="en-US" dirty="0">
               <a:solidFill>
@@ -1742,7 +1740,7 @@
                   <a:spcPct val="0"/>
                 </a:spcAft>
               </a:pPr>
-              <a:t>12/7/2015 12:34 AM</a:t>
+              <a:t>12/7/2015 10:53 AM</a:t>
             </a:fld>
             <a:endParaRPr lang="en-US"/>
           </a:p>
@@ -1912,7 +1910,7 @@
                   <a:spcPct val="0"/>
                 </a:spcAft>
               </a:pPr>
-              <a:t>13</a:t>
+              <a:t>12</a:t>
             </a:fld>
             <a:endParaRPr lang="en-US"/>
           </a:p>
@@ -36000,310 +35998,6 @@
       </p:grpSpPr>
       <p:sp>
         <p:nvSpPr>
-          <p:cNvPr id="2" name="Title 1"/>
-          <p:cNvSpPr>
-            <a:spLocks noGrp="1"/>
-          </p:cNvSpPr>
-          <p:nvPr>
-            <p:ph type="title"/>
-          </p:nvPr>
-        </p:nvSpPr>
-        <p:spPr/>
-        <p:txBody>
-          <a:bodyPr/>
-          <a:lstStyle/>
-          <a:p>
-            <a:r>
-              <a:rPr lang="ru-RU" dirty="0" smtClean="0"/>
-              <a:t>Поддержка приложения</a:t>
-            </a:r>
-            <a:endParaRPr lang="en-US" dirty="0"/>
-          </a:p>
-        </p:txBody>
-      </p:sp>
-      <p:sp>
-        <p:nvSpPr>
-          <p:cNvPr id="3" name="TextBox 2"/>
-          <p:cNvSpPr txBox="1"/>
-          <p:nvPr/>
-        </p:nvSpPr>
-        <p:spPr>
-          <a:xfrm>
-            <a:off x="274638" y="1385946"/>
-            <a:ext cx="6910086" cy="3416320"/>
-          </a:xfrm>
-          <a:prstGeom prst="rect">
-            <a:avLst/>
-          </a:prstGeom>
-          <a:noFill/>
-        </p:spPr>
-        <p:txBody>
-          <a:bodyPr wrap="square" lIns="182880" tIns="146304" rIns="182880" bIns="146304" rtlCol="0">
-            <a:spAutoFit/>
-          </a:bodyPr>
-          <a:lstStyle/>
-          <a:p>
-            <a:pPr>
-              <a:lnSpc>
-                <a:spcPct val="90000"/>
-              </a:lnSpc>
-              <a:spcAft>
-                <a:spcPts val="600"/>
-              </a:spcAft>
-            </a:pPr>
-            <a:r>
-              <a:rPr lang="ru-RU" sz="2400" dirty="0" smtClean="0">
-                <a:gradFill>
-                  <a:gsLst>
-                    <a:gs pos="2917">
-                      <a:schemeClr val="tx1"/>
-                    </a:gs>
-                    <a:gs pos="30000">
-                      <a:schemeClr val="tx1"/>
-                    </a:gs>
-                  </a:gsLst>
-                  <a:lin ang="5400000" scaled="0"/>
-                </a:gradFill>
-                <a:latin typeface="+mj-lt"/>
-              </a:rPr>
-              <a:t>Отвечайте на вопросы пользователей</a:t>
-            </a:r>
-          </a:p>
-          <a:p>
-            <a:pPr>
-              <a:lnSpc>
-                <a:spcPct val="90000"/>
-              </a:lnSpc>
-              <a:spcAft>
-                <a:spcPts val="600"/>
-              </a:spcAft>
-            </a:pPr>
-            <a:endParaRPr lang="ru-RU" sz="2400" dirty="0" smtClean="0">
-              <a:gradFill>
-                <a:gsLst>
-                  <a:gs pos="2917">
-                    <a:schemeClr val="tx1"/>
-                  </a:gs>
-                  <a:gs pos="30000">
-                    <a:schemeClr val="tx1"/>
-                  </a:gs>
-                </a:gsLst>
-                <a:lin ang="5400000" scaled="0"/>
-              </a:gradFill>
-              <a:latin typeface="+mj-lt"/>
-            </a:endParaRPr>
-          </a:p>
-          <a:p>
-            <a:pPr>
-              <a:lnSpc>
-                <a:spcPct val="90000"/>
-              </a:lnSpc>
-              <a:spcAft>
-                <a:spcPts val="600"/>
-              </a:spcAft>
-            </a:pPr>
-            <a:r>
-              <a:rPr lang="ru-RU" sz="2400" dirty="0" smtClean="0">
-                <a:gradFill>
-                  <a:gsLst>
-                    <a:gs pos="2917">
-                      <a:schemeClr val="tx1"/>
-                    </a:gs>
-                    <a:gs pos="30000">
-                      <a:schemeClr val="tx1"/>
-                    </a:gs>
-                  </a:gsLst>
-                  <a:lin ang="5400000" scaled="0"/>
-                </a:gradFill>
-                <a:latin typeface="+mj-lt"/>
-              </a:rPr>
-              <a:t>Публикуйте обновления</a:t>
-            </a:r>
-          </a:p>
-          <a:p>
-            <a:pPr>
-              <a:lnSpc>
-                <a:spcPct val="90000"/>
-              </a:lnSpc>
-              <a:spcAft>
-                <a:spcPts val="600"/>
-              </a:spcAft>
-            </a:pPr>
-            <a:endParaRPr lang="ru-RU" sz="2400" dirty="0" smtClean="0">
-              <a:gradFill>
-                <a:gsLst>
-                  <a:gs pos="2917">
-                    <a:schemeClr val="tx1"/>
-                  </a:gs>
-                  <a:gs pos="30000">
-                    <a:schemeClr val="tx1"/>
-                  </a:gs>
-                </a:gsLst>
-                <a:lin ang="5400000" scaled="0"/>
-              </a:gradFill>
-              <a:latin typeface="+mj-lt"/>
-            </a:endParaRPr>
-          </a:p>
-          <a:p>
-            <a:pPr>
-              <a:lnSpc>
-                <a:spcPct val="90000"/>
-              </a:lnSpc>
-              <a:spcAft>
-                <a:spcPts val="600"/>
-              </a:spcAft>
-            </a:pPr>
-            <a:r>
-              <a:rPr lang="ru-RU" sz="2400" dirty="0" smtClean="0">
-                <a:gradFill>
-                  <a:gsLst>
-                    <a:gs pos="2917">
-                      <a:schemeClr val="tx1"/>
-                    </a:gs>
-                    <a:gs pos="30000">
-                      <a:schemeClr val="tx1"/>
-                    </a:gs>
-                  </a:gsLst>
-                  <a:lin ang="5400000" scaled="0"/>
-                </a:gradFill>
-                <a:latin typeface="+mj-lt"/>
-              </a:rPr>
-              <a:t>Используйте аналитику и отчеты об ошибках </a:t>
-            </a:r>
-            <a:br>
-              <a:rPr lang="ru-RU" sz="2400" dirty="0" smtClean="0">
-                <a:gradFill>
-                  <a:gsLst>
-                    <a:gs pos="2917">
-                      <a:schemeClr val="tx1"/>
-                    </a:gs>
-                    <a:gs pos="30000">
-                      <a:schemeClr val="tx1"/>
-                    </a:gs>
-                  </a:gsLst>
-                  <a:lin ang="5400000" scaled="0"/>
-                </a:gradFill>
-                <a:latin typeface="+mj-lt"/>
-              </a:rPr>
-            </a:br>
-            <a:r>
-              <a:rPr lang="ru-RU" sz="2400" dirty="0" smtClean="0">
-                <a:gradFill>
-                  <a:gsLst>
-                    <a:gs pos="2917">
-                      <a:schemeClr val="tx1"/>
-                    </a:gs>
-                    <a:gs pos="30000">
-                      <a:schemeClr val="tx1"/>
-                    </a:gs>
-                  </a:gsLst>
-                  <a:lin ang="5400000" scaled="0"/>
-                </a:gradFill>
-                <a:latin typeface="+mj-lt"/>
-              </a:rPr>
-              <a:t>в приложении</a:t>
-            </a:r>
-          </a:p>
-          <a:p>
-            <a:pPr>
-              <a:lnSpc>
-                <a:spcPct val="90000"/>
-              </a:lnSpc>
-              <a:spcAft>
-                <a:spcPts val="600"/>
-              </a:spcAft>
-            </a:pPr>
-            <a:endParaRPr lang="ru-RU" sz="2400" dirty="0" smtClean="0">
-              <a:gradFill>
-                <a:gsLst>
-                  <a:gs pos="2917">
-                    <a:schemeClr val="tx1"/>
-                  </a:gs>
-                  <a:gs pos="30000">
-                    <a:schemeClr val="tx1"/>
-                  </a:gs>
-                </a:gsLst>
-                <a:lin ang="5400000" scaled="0"/>
-              </a:gradFill>
-              <a:latin typeface="+mj-lt"/>
-            </a:endParaRPr>
-          </a:p>
-          <a:p>
-            <a:pPr>
-              <a:lnSpc>
-                <a:spcPct val="90000"/>
-              </a:lnSpc>
-              <a:spcAft>
-                <a:spcPts val="600"/>
-              </a:spcAft>
-            </a:pPr>
-            <a:r>
-              <a:rPr lang="ru-RU" sz="2400" dirty="0" smtClean="0">
-                <a:gradFill>
-                  <a:gsLst>
-                    <a:gs pos="2917">
-                      <a:schemeClr val="tx1"/>
-                    </a:gs>
-                    <a:gs pos="30000">
-                      <a:schemeClr val="tx1"/>
-                    </a:gs>
-                  </a:gsLst>
-                  <a:lin ang="5400000" scaled="0"/>
-                </a:gradFill>
-                <a:latin typeface="+mj-lt"/>
-              </a:rPr>
-              <a:t>Привлекайте новых пользователей</a:t>
-            </a:r>
-          </a:p>
-        </p:txBody>
-      </p:sp>
-    </p:spTree>
-    <p:extLst>
-      <p:ext uri="{BB962C8B-B14F-4D97-AF65-F5344CB8AC3E}">
-        <p14:creationId xmlns:p14="http://schemas.microsoft.com/office/powerpoint/2010/main" val="231566171"/>
-      </p:ext>
-    </p:extLst>
-  </p:cSld>
-  <p:clrMapOvr>
-    <a:masterClrMapping/>
-  </p:clrMapOvr>
-  <mc:AlternateContent xmlns:mc="http://schemas.openxmlformats.org/markup-compatibility/2006" xmlns:p14="http://schemas.microsoft.com/office/powerpoint/2010/main">
-    <mc:Choice Requires="p14">
-      <p:transition p14:dur="0"/>
-    </mc:Choice>
-    <mc:Fallback xmlns="">
-      <p:transition/>
-    </mc:Fallback>
-  </mc:AlternateContent>
-  <p:timing>
-    <p:tnLst>
-      <p:par>
-        <p:cTn id="1" dur="indefinite" restart="never" nodeType="tmRoot"/>
-      </p:par>
-    </p:tnLst>
-  </p:timing>
-</p:sld>
-</file>
-
-<file path=ppt/slides/slide11.xml><?xml version="1.0" encoding="utf-8"?>
-<p:sld xmlns:a="http://schemas.openxmlformats.org/drawingml/2006/main" xmlns:r="http://schemas.openxmlformats.org/officeDocument/2006/relationships" xmlns:p="http://schemas.openxmlformats.org/presentationml/2006/main">
-  <p:cSld>
-    <p:spTree>
-      <p:nvGrpSpPr>
-        <p:cNvPr id="1" name=""/>
-        <p:cNvGrpSpPr/>
-        <p:nvPr/>
-      </p:nvGrpSpPr>
-      <p:grpSpPr>
-        <a:xfrm>
-          <a:off x="0" y="0"/>
-          <a:ext cx="0" cy="0"/>
-          <a:chOff x="0" y="0"/>
-          <a:chExt cx="0" cy="0"/>
-        </a:xfrm>
-      </p:grpSpPr>
-      <p:sp>
-        <p:nvSpPr>
           <p:cNvPr id="3" name="Title 2"/>
           <p:cNvSpPr>
             <a:spLocks noGrp="1"/>
@@ -36771,7 +36465,7 @@
 </p:sld>
 </file>
 
-<file path=ppt/slides/slide12.xml><?xml version="1.0" encoding="utf-8"?>
+<file path=ppt/slides/slide11.xml><?xml version="1.0" encoding="utf-8"?>
 <p:sld xmlns:a="http://schemas.openxmlformats.org/drawingml/2006/main" xmlns:r="http://schemas.openxmlformats.org/officeDocument/2006/relationships" xmlns:p="http://schemas.openxmlformats.org/presentationml/2006/main">
   <p:cSld>
     <p:bg>
@@ -36928,7 +36622,7 @@
 </p:sld>
 </file>
 
-<file path=ppt/slides/slide13.xml><?xml version="1.0" encoding="utf-8"?>
+<file path=ppt/slides/slide12.xml><?xml version="1.0" encoding="utf-8"?>
 <p:sld xmlns:a="http://schemas.openxmlformats.org/drawingml/2006/main" xmlns:r="http://schemas.openxmlformats.org/officeDocument/2006/relationships" xmlns:p="http://schemas.openxmlformats.org/presentationml/2006/main">
   <p:cSld>
     <p:spTree>
@@ -37410,7 +37104,7 @@
         <p:spPr>
           <a:xfrm>
             <a:off x="354831" y="1501513"/>
-            <a:ext cx="7979813" cy="4290405"/>
+            <a:ext cx="7979813" cy="5219891"/>
           </a:xfrm>
           <a:prstGeom prst="rect">
             <a:avLst/>
@@ -37548,8 +37242,104 @@
                 </a:gradFill>
                 <a:latin typeface="+mj-lt"/>
               </a:rPr>
-              <a:t>Автоматизированные тесты</a:t>
-            </a:r>
+              <a:t>Автоматизированные </a:t>
+            </a:r>
+            <a:r>
+              <a:rPr lang="ru-RU" sz="2800" dirty="0" smtClean="0">
+                <a:gradFill>
+                  <a:gsLst>
+                    <a:gs pos="2917">
+                      <a:schemeClr val="tx1"/>
+                    </a:gs>
+                    <a:gs pos="30000">
+                      <a:schemeClr val="tx1"/>
+                    </a:gs>
+                  </a:gsLst>
+                  <a:lin ang="5400000" scaled="0"/>
+                </a:gradFill>
+                <a:latin typeface="+mj-lt"/>
+              </a:rPr>
+              <a:t>тесты</a:t>
+            </a:r>
+            <a:endParaRPr lang="en-US" sz="2800" dirty="0">
+              <a:gradFill>
+                <a:gsLst>
+                  <a:gs pos="2917">
+                    <a:schemeClr val="tx1"/>
+                  </a:gs>
+                  <a:gs pos="30000">
+                    <a:schemeClr val="tx1"/>
+                  </a:gs>
+                </a:gsLst>
+                <a:lin ang="5400000" scaled="0"/>
+              </a:gradFill>
+              <a:latin typeface="+mj-lt"/>
+            </a:endParaRPr>
+          </a:p>
+          <a:p>
+            <a:pPr>
+              <a:lnSpc>
+                <a:spcPct val="90000"/>
+              </a:lnSpc>
+              <a:spcAft>
+                <a:spcPts val="600"/>
+              </a:spcAft>
+            </a:pPr>
+            <a:endParaRPr lang="en-US" sz="2800" dirty="0" smtClean="0">
+              <a:gradFill>
+                <a:gsLst>
+                  <a:gs pos="2917">
+                    <a:schemeClr val="tx1"/>
+                  </a:gs>
+                  <a:gs pos="30000">
+                    <a:schemeClr val="tx1"/>
+                  </a:gs>
+                </a:gsLst>
+                <a:lin ang="5400000" scaled="0"/>
+              </a:gradFill>
+              <a:latin typeface="+mj-lt"/>
+            </a:endParaRPr>
+          </a:p>
+          <a:p>
+            <a:pPr>
+              <a:lnSpc>
+                <a:spcPct val="90000"/>
+              </a:lnSpc>
+              <a:spcAft>
+                <a:spcPts val="600"/>
+              </a:spcAft>
+            </a:pPr>
+            <a:r>
+              <a:rPr lang="ru-RU" sz="2800" dirty="0" smtClean="0">
+                <a:gradFill>
+                  <a:gsLst>
+                    <a:gs pos="2917">
+                      <a:schemeClr val="tx1"/>
+                    </a:gs>
+                    <a:gs pos="30000">
+                      <a:schemeClr val="tx1"/>
+                    </a:gs>
+                  </a:gsLst>
+                  <a:lin ang="5400000" scaled="0"/>
+                </a:gradFill>
+                <a:latin typeface="+mj-lt"/>
+              </a:rPr>
+              <a:t>Задумайтесь о рекламе</a:t>
+            </a:r>
+            <a:endParaRPr lang="ru-RU" sz="2800" dirty="0" smtClean="0">
+              <a:gradFill>
+                <a:gsLst>
+                  <a:gs pos="2917">
+                    <a:schemeClr val="tx1"/>
+                  </a:gs>
+                  <a:gs pos="30000">
+                    <a:schemeClr val="tx1"/>
+                  </a:gs>
+                </a:gsLst>
+                <a:lin ang="5400000" scaled="0"/>
+              </a:gradFill>
+              <a:latin typeface="+mj-lt"/>
+            </a:endParaRPr>
           </a:p>
           <a:p>
             <a:pPr>
@@ -38293,87 +38083,6 @@
 </file>
 
 <file path=ppt/slides/slide7.xml><?xml version="1.0" encoding="utf-8"?>
-<p:sld xmlns:a="http://schemas.openxmlformats.org/drawingml/2006/main" xmlns:r="http://schemas.openxmlformats.org/officeDocument/2006/relationships" xmlns:p="http://schemas.openxmlformats.org/presentationml/2006/main">
-  <p:cSld>
-    <p:spTree>
-      <p:nvGrpSpPr>
-        <p:cNvPr id="1" name=""/>
-        <p:cNvGrpSpPr/>
-        <p:nvPr/>
-      </p:nvGrpSpPr>
-      <p:grpSpPr>
-        <a:xfrm>
-          <a:off x="0" y="0"/>
-          <a:ext cx="0" cy="0"/>
-          <a:chOff x="0" y="0"/>
-          <a:chExt cx="0" cy="0"/>
-        </a:xfrm>
-      </p:grpSpPr>
-      <p:sp>
-        <p:nvSpPr>
-          <p:cNvPr id="3" name="Заголовок 2"/>
-          <p:cNvSpPr>
-            <a:spLocks noGrp="1"/>
-          </p:cNvSpPr>
-          <p:nvPr>
-            <p:ph type="title"/>
-          </p:nvPr>
-        </p:nvSpPr>
-        <p:spPr>
-          <a:xfrm>
-            <a:off x="876000" y="1610395"/>
-            <a:ext cx="9859116" cy="1747210"/>
-          </a:xfrm>
-        </p:spPr>
-        <p:txBody>
-          <a:bodyPr/>
-          <a:lstStyle/>
-          <a:p>
-            <a:r>
-              <a:rPr lang="en-US" dirty="0" smtClean="0"/>
-              <a:t>DEMO 0</a:t>
-            </a:r>
-            <a:r>
-              <a:rPr lang="ru-RU" dirty="0" smtClean="0"/>
-              <a:t>2</a:t>
-            </a:r>
-            <a:r>
-              <a:rPr lang="en-US" dirty="0" smtClean="0"/>
-              <a:t>:</a:t>
-            </a:r>
-            <a:br>
-              <a:rPr lang="en-US" dirty="0" smtClean="0"/>
-            </a:br>
-            <a:r>
-              <a:rPr lang="ru-RU" sz="5400" dirty="0" smtClean="0"/>
-              <a:t>Публикация в магазин</a:t>
-            </a:r>
-            <a:endParaRPr lang="ru-RU" sz="4800" dirty="0"/>
-          </a:p>
-        </p:txBody>
-      </p:sp>
-    </p:spTree>
-    <p:extLst>
-      <p:ext uri="{BB962C8B-B14F-4D97-AF65-F5344CB8AC3E}">
-        <p14:creationId xmlns:p14="http://schemas.microsoft.com/office/powerpoint/2010/main" val="3714936305"/>
-      </p:ext>
-    </p:extLst>
-  </p:cSld>
-  <p:clrMapOvr>
-    <a:masterClrMapping/>
-  </p:clrMapOvr>
-  <mc:AlternateContent xmlns:mc="http://schemas.openxmlformats.org/markup-compatibility/2006" xmlns:p14="http://schemas.microsoft.com/office/powerpoint/2010/main">
-    <mc:Choice Requires="p14">
-      <p:transition p14:dur="0"/>
-    </mc:Choice>
-    <mc:Fallback xmlns="">
-      <p:transition/>
-    </mc:Fallback>
-  </mc:AlternateContent>
-</p:sld>
-</file>
-
-<file path=ppt/slides/slide8.xml><?xml version="1.0" encoding="utf-8"?>
 <p:sld xmlns:a="http://schemas.openxmlformats.org/drawingml/2006/main" xmlns:r="http://schemas.openxmlformats.org/officeDocument/2006/relationships" xmlns:p="http://schemas.openxmlformats.org/presentationml/2006/main">
   <p:cSld>
     <p:spTree>
@@ -38731,7 +38440,7 @@
 </p:sld>
 </file>
 
-<file path=ppt/slides/slide9.xml><?xml version="1.0" encoding="utf-8"?>
+<file path=ppt/slides/slide8.xml><?xml version="1.0" encoding="utf-8"?>
 <p:sld xmlns:a="http://schemas.openxmlformats.org/drawingml/2006/main" xmlns:r="http://schemas.openxmlformats.org/officeDocument/2006/relationships" xmlns:p="http://schemas.openxmlformats.org/presentationml/2006/main">
   <p:cSld>
     <p:spTree>
@@ -38760,8 +38469,8 @@
         </p:nvSpPr>
         <p:spPr>
           <a:xfrm>
-            <a:off x="876000" y="1543647"/>
-            <a:ext cx="9859116" cy="1813958"/>
+            <a:off x="876000" y="1610395"/>
+            <a:ext cx="9859116" cy="1747210"/>
           </a:xfrm>
         </p:spPr>
         <p:txBody>
@@ -38770,23 +38479,31 @@
           <a:p>
             <a:r>
               <a:rPr lang="en-US" dirty="0" smtClean="0"/>
-              <a:t>DEMO 03:</a:t>
+              <a:t>DEMO 0</a:t>
+            </a:r>
+            <a:r>
+              <a:rPr lang="ru-RU" dirty="0" smtClean="0"/>
+              <a:t>2</a:t>
+            </a:r>
+            <a:r>
+              <a:rPr lang="en-US" dirty="0" smtClean="0"/>
+              <a:t>:</a:t>
             </a:r>
             <a:br>
               <a:rPr lang="en-US" dirty="0" smtClean="0"/>
             </a:br>
             <a:r>
               <a:rPr lang="ru-RU" sz="5400" dirty="0" smtClean="0"/>
-              <a:t>Монетизация</a:t>
-            </a:r>
-            <a:endParaRPr lang="ru-RU" sz="5400" dirty="0"/>
+              <a:t>Публикация в магазин</a:t>
+            </a:r>
+            <a:endParaRPr lang="ru-RU" sz="4800" dirty="0"/>
           </a:p>
         </p:txBody>
       </p:sp>
     </p:spTree>
     <p:extLst>
       <p:ext uri="{BB962C8B-B14F-4D97-AF65-F5344CB8AC3E}">
-        <p14:creationId xmlns:p14="http://schemas.microsoft.com/office/powerpoint/2010/main" val="3995475234"/>
+        <p14:creationId xmlns:p14="http://schemas.microsoft.com/office/powerpoint/2010/main" val="3714936305"/>
       </p:ext>
     </p:extLst>
   </p:cSld>
@@ -38801,6 +38518,310 @@
       <p:transition/>
     </mc:Fallback>
   </mc:AlternateContent>
+</p:sld>
+</file>
+
+<file path=ppt/slides/slide9.xml><?xml version="1.0" encoding="utf-8"?>
+<p:sld xmlns:a="http://schemas.openxmlformats.org/drawingml/2006/main" xmlns:r="http://schemas.openxmlformats.org/officeDocument/2006/relationships" xmlns:p="http://schemas.openxmlformats.org/presentationml/2006/main">
+  <p:cSld>
+    <p:spTree>
+      <p:nvGrpSpPr>
+        <p:cNvPr id="1" name=""/>
+        <p:cNvGrpSpPr/>
+        <p:nvPr/>
+      </p:nvGrpSpPr>
+      <p:grpSpPr>
+        <a:xfrm>
+          <a:off x="0" y="0"/>
+          <a:ext cx="0" cy="0"/>
+          <a:chOff x="0" y="0"/>
+          <a:chExt cx="0" cy="0"/>
+        </a:xfrm>
+      </p:grpSpPr>
+      <p:sp>
+        <p:nvSpPr>
+          <p:cNvPr id="2" name="Title 1"/>
+          <p:cNvSpPr>
+            <a:spLocks noGrp="1"/>
+          </p:cNvSpPr>
+          <p:nvPr>
+            <p:ph type="title"/>
+          </p:nvPr>
+        </p:nvSpPr>
+        <p:spPr/>
+        <p:txBody>
+          <a:bodyPr/>
+          <a:lstStyle/>
+          <a:p>
+            <a:r>
+              <a:rPr lang="ru-RU" dirty="0" smtClean="0"/>
+              <a:t>Поддержка приложения</a:t>
+            </a:r>
+            <a:endParaRPr lang="en-US" dirty="0"/>
+          </a:p>
+        </p:txBody>
+      </p:sp>
+      <p:sp>
+        <p:nvSpPr>
+          <p:cNvPr id="3" name="TextBox 2"/>
+          <p:cNvSpPr txBox="1"/>
+          <p:nvPr/>
+        </p:nvSpPr>
+        <p:spPr>
+          <a:xfrm>
+            <a:off x="274638" y="1385946"/>
+            <a:ext cx="6910086" cy="3416320"/>
+          </a:xfrm>
+          <a:prstGeom prst="rect">
+            <a:avLst/>
+          </a:prstGeom>
+          <a:noFill/>
+        </p:spPr>
+        <p:txBody>
+          <a:bodyPr wrap="square" lIns="182880" tIns="146304" rIns="182880" bIns="146304" rtlCol="0">
+            <a:spAutoFit/>
+          </a:bodyPr>
+          <a:lstStyle/>
+          <a:p>
+            <a:pPr>
+              <a:lnSpc>
+                <a:spcPct val="90000"/>
+              </a:lnSpc>
+              <a:spcAft>
+                <a:spcPts val="600"/>
+              </a:spcAft>
+            </a:pPr>
+            <a:r>
+              <a:rPr lang="ru-RU" sz="2400" dirty="0" smtClean="0">
+                <a:gradFill>
+                  <a:gsLst>
+                    <a:gs pos="2917">
+                      <a:schemeClr val="tx1"/>
+                    </a:gs>
+                    <a:gs pos="30000">
+                      <a:schemeClr val="tx1"/>
+                    </a:gs>
+                  </a:gsLst>
+                  <a:lin ang="5400000" scaled="0"/>
+                </a:gradFill>
+                <a:latin typeface="+mj-lt"/>
+              </a:rPr>
+              <a:t>Отвечайте на вопросы пользователей</a:t>
+            </a:r>
+          </a:p>
+          <a:p>
+            <a:pPr>
+              <a:lnSpc>
+                <a:spcPct val="90000"/>
+              </a:lnSpc>
+              <a:spcAft>
+                <a:spcPts val="600"/>
+              </a:spcAft>
+            </a:pPr>
+            <a:endParaRPr lang="ru-RU" sz="2400" dirty="0" smtClean="0">
+              <a:gradFill>
+                <a:gsLst>
+                  <a:gs pos="2917">
+                    <a:schemeClr val="tx1"/>
+                  </a:gs>
+                  <a:gs pos="30000">
+                    <a:schemeClr val="tx1"/>
+                  </a:gs>
+                </a:gsLst>
+                <a:lin ang="5400000" scaled="0"/>
+              </a:gradFill>
+              <a:latin typeface="+mj-lt"/>
+            </a:endParaRPr>
+          </a:p>
+          <a:p>
+            <a:pPr>
+              <a:lnSpc>
+                <a:spcPct val="90000"/>
+              </a:lnSpc>
+              <a:spcAft>
+                <a:spcPts val="600"/>
+              </a:spcAft>
+            </a:pPr>
+            <a:r>
+              <a:rPr lang="ru-RU" sz="2400" dirty="0" smtClean="0">
+                <a:gradFill>
+                  <a:gsLst>
+                    <a:gs pos="2917">
+                      <a:schemeClr val="tx1"/>
+                    </a:gs>
+                    <a:gs pos="30000">
+                      <a:schemeClr val="tx1"/>
+                    </a:gs>
+                  </a:gsLst>
+                  <a:lin ang="5400000" scaled="0"/>
+                </a:gradFill>
+                <a:latin typeface="+mj-lt"/>
+              </a:rPr>
+              <a:t>Публикуйте обновления</a:t>
+            </a:r>
+          </a:p>
+          <a:p>
+            <a:pPr>
+              <a:lnSpc>
+                <a:spcPct val="90000"/>
+              </a:lnSpc>
+              <a:spcAft>
+                <a:spcPts val="600"/>
+              </a:spcAft>
+            </a:pPr>
+            <a:endParaRPr lang="ru-RU" sz="2400" dirty="0" smtClean="0">
+              <a:gradFill>
+                <a:gsLst>
+                  <a:gs pos="2917">
+                    <a:schemeClr val="tx1"/>
+                  </a:gs>
+                  <a:gs pos="30000">
+                    <a:schemeClr val="tx1"/>
+                  </a:gs>
+                </a:gsLst>
+                <a:lin ang="5400000" scaled="0"/>
+              </a:gradFill>
+              <a:latin typeface="+mj-lt"/>
+            </a:endParaRPr>
+          </a:p>
+          <a:p>
+            <a:pPr>
+              <a:lnSpc>
+                <a:spcPct val="90000"/>
+              </a:lnSpc>
+              <a:spcAft>
+                <a:spcPts val="600"/>
+              </a:spcAft>
+            </a:pPr>
+            <a:r>
+              <a:rPr lang="ru-RU" sz="2400" dirty="0" smtClean="0">
+                <a:gradFill>
+                  <a:gsLst>
+                    <a:gs pos="2917">
+                      <a:schemeClr val="tx1"/>
+                    </a:gs>
+                    <a:gs pos="30000">
+                      <a:schemeClr val="tx1"/>
+                    </a:gs>
+                  </a:gsLst>
+                  <a:lin ang="5400000" scaled="0"/>
+                </a:gradFill>
+                <a:latin typeface="+mj-lt"/>
+              </a:rPr>
+              <a:t>Используйте аналитику и отчеты об ошибках </a:t>
+            </a:r>
+            <a:br>
+              <a:rPr lang="ru-RU" sz="2400" dirty="0" smtClean="0">
+                <a:gradFill>
+                  <a:gsLst>
+                    <a:gs pos="2917">
+                      <a:schemeClr val="tx1"/>
+                    </a:gs>
+                    <a:gs pos="30000">
+                      <a:schemeClr val="tx1"/>
+                    </a:gs>
+                  </a:gsLst>
+                  <a:lin ang="5400000" scaled="0"/>
+                </a:gradFill>
+                <a:latin typeface="+mj-lt"/>
+              </a:rPr>
+            </a:br>
+            <a:r>
+              <a:rPr lang="ru-RU" sz="2400" dirty="0" smtClean="0">
+                <a:gradFill>
+                  <a:gsLst>
+                    <a:gs pos="2917">
+                      <a:schemeClr val="tx1"/>
+                    </a:gs>
+                    <a:gs pos="30000">
+                      <a:schemeClr val="tx1"/>
+                    </a:gs>
+                  </a:gsLst>
+                  <a:lin ang="5400000" scaled="0"/>
+                </a:gradFill>
+                <a:latin typeface="+mj-lt"/>
+              </a:rPr>
+              <a:t>в приложении</a:t>
+            </a:r>
+          </a:p>
+          <a:p>
+            <a:pPr>
+              <a:lnSpc>
+                <a:spcPct val="90000"/>
+              </a:lnSpc>
+              <a:spcAft>
+                <a:spcPts val="600"/>
+              </a:spcAft>
+            </a:pPr>
+            <a:endParaRPr lang="ru-RU" sz="2400" dirty="0" smtClean="0">
+              <a:gradFill>
+                <a:gsLst>
+                  <a:gs pos="2917">
+                    <a:schemeClr val="tx1"/>
+                  </a:gs>
+                  <a:gs pos="30000">
+                    <a:schemeClr val="tx1"/>
+                  </a:gs>
+                </a:gsLst>
+                <a:lin ang="5400000" scaled="0"/>
+              </a:gradFill>
+              <a:latin typeface="+mj-lt"/>
+            </a:endParaRPr>
+          </a:p>
+          <a:p>
+            <a:pPr>
+              <a:lnSpc>
+                <a:spcPct val="90000"/>
+              </a:lnSpc>
+              <a:spcAft>
+                <a:spcPts val="600"/>
+              </a:spcAft>
+            </a:pPr>
+            <a:r>
+              <a:rPr lang="ru-RU" sz="2400" dirty="0" smtClean="0">
+                <a:gradFill>
+                  <a:gsLst>
+                    <a:gs pos="2917">
+                      <a:schemeClr val="tx1"/>
+                    </a:gs>
+                    <a:gs pos="30000">
+                      <a:schemeClr val="tx1"/>
+                    </a:gs>
+                  </a:gsLst>
+                  <a:lin ang="5400000" scaled="0"/>
+                </a:gradFill>
+                <a:latin typeface="+mj-lt"/>
+              </a:rPr>
+              <a:t>Привлекайте новых пользователей</a:t>
+            </a:r>
+          </a:p>
+        </p:txBody>
+      </p:sp>
+    </p:spTree>
+    <p:extLst>
+      <p:ext uri="{BB962C8B-B14F-4D97-AF65-F5344CB8AC3E}">
+        <p14:creationId xmlns:p14="http://schemas.microsoft.com/office/powerpoint/2010/main" val="231566171"/>
+      </p:ext>
+    </p:extLst>
+  </p:cSld>
+  <p:clrMapOvr>
+    <a:masterClrMapping/>
+  </p:clrMapOvr>
+  <mc:AlternateContent xmlns:mc="http://schemas.openxmlformats.org/markup-compatibility/2006" xmlns:p14="http://schemas.microsoft.com/office/powerpoint/2010/main">
+    <mc:Choice Requires="p14">
+      <p:transition p14:dur="0"/>
+    </mc:Choice>
+    <mc:Fallback xmlns="">
+      <p:transition/>
+    </mc:Fallback>
+  </mc:AlternateContent>
+  <p:timing>
+    <p:tnLst>
+      <p:par>
+        <p:cTn id="1" dur="indefinite" restart="never" nodeType="tmRoot"/>
+      </p:par>
+    </p:tnLst>
+  </p:timing>
 </p:sld>
 </file>
 
